--- a/TP-FOODME.pptx
+++ b/TP-FOODME.pptx
@@ -5,10 +5,10 @@
     <p:sldMasterId id="2147483791" r:id="rId1"/>
   </p:sldMasterIdLst>
   <p:notesMasterIdLst>
-    <p:notesMasterId r:id="rId30"/>
+    <p:notesMasterId r:id="rId31"/>
   </p:notesMasterIdLst>
   <p:handoutMasterIdLst>
-    <p:handoutMasterId r:id="rId31"/>
+    <p:handoutMasterId r:id="rId32"/>
   </p:handoutMasterIdLst>
   <p:sldIdLst>
     <p:sldId id="378" r:id="rId2"/>
@@ -16,29 +16,30 @@
     <p:sldId id="464" r:id="rId4"/>
     <p:sldId id="492" r:id="rId5"/>
     <p:sldId id="494" r:id="rId6"/>
-    <p:sldId id="495" r:id="rId7"/>
-    <p:sldId id="496" r:id="rId8"/>
-    <p:sldId id="497" r:id="rId9"/>
-    <p:sldId id="498" r:id="rId10"/>
-    <p:sldId id="499" r:id="rId11"/>
-    <p:sldId id="500" r:id="rId12"/>
-    <p:sldId id="501" r:id="rId13"/>
-    <p:sldId id="504" r:id="rId14"/>
-    <p:sldId id="505" r:id="rId15"/>
-    <p:sldId id="506" r:id="rId16"/>
-    <p:sldId id="507" r:id="rId17"/>
-    <p:sldId id="509" r:id="rId18"/>
-    <p:sldId id="510" r:id="rId19"/>
-    <p:sldId id="511" r:id="rId20"/>
-    <p:sldId id="512" r:id="rId21"/>
-    <p:sldId id="513" r:id="rId22"/>
-    <p:sldId id="514" r:id="rId23"/>
-    <p:sldId id="515" r:id="rId24"/>
-    <p:sldId id="516" r:id="rId25"/>
-    <p:sldId id="517" r:id="rId26"/>
-    <p:sldId id="518" r:id="rId27"/>
-    <p:sldId id="519" r:id="rId28"/>
-    <p:sldId id="520" r:id="rId29"/>
+    <p:sldId id="521" r:id="rId7"/>
+    <p:sldId id="495" r:id="rId8"/>
+    <p:sldId id="496" r:id="rId9"/>
+    <p:sldId id="497" r:id="rId10"/>
+    <p:sldId id="498" r:id="rId11"/>
+    <p:sldId id="499" r:id="rId12"/>
+    <p:sldId id="500" r:id="rId13"/>
+    <p:sldId id="501" r:id="rId14"/>
+    <p:sldId id="504" r:id="rId15"/>
+    <p:sldId id="505" r:id="rId16"/>
+    <p:sldId id="506" r:id="rId17"/>
+    <p:sldId id="507" r:id="rId18"/>
+    <p:sldId id="509" r:id="rId19"/>
+    <p:sldId id="510" r:id="rId20"/>
+    <p:sldId id="511" r:id="rId21"/>
+    <p:sldId id="512" r:id="rId22"/>
+    <p:sldId id="513" r:id="rId23"/>
+    <p:sldId id="514" r:id="rId24"/>
+    <p:sldId id="515" r:id="rId25"/>
+    <p:sldId id="516" r:id="rId26"/>
+    <p:sldId id="517" r:id="rId27"/>
+    <p:sldId id="518" r:id="rId28"/>
+    <p:sldId id="519" r:id="rId29"/>
+    <p:sldId id="520" r:id="rId30"/>
   </p:sldIdLst>
   <p:sldSz cx="9144000" cy="6858000" type="screen4x3"/>
   <p:notesSz cx="6858000" cy="9144000"/>
@@ -1500,22 +1501,8 @@
           <a:lstStyle/>
           <a:p>
             <a:r>
-              <a:rPr lang="fr-FR" dirty="0" smtClean="0"/>
+              <a:rPr lang="fr-FR" smtClean="0"/>
               <a:t>TIPS:</a:t>
-            </a:r>
-          </a:p>
-          <a:p>
-            <a:r>
-              <a:rPr lang="fr-FR" dirty="0" smtClean="0"/>
-              <a:t>- Injecter les dépendances scope, $</a:t>
-            </a:r>
-            <a:r>
-              <a:rPr lang="fr-FR" dirty="0" err="1" smtClean="0"/>
-              <a:t>routeParams</a:t>
-            </a:r>
-            <a:r>
-              <a:rPr lang="fr-FR" dirty="0" smtClean="0"/>
-              <a:t> et  Restaurant</a:t>
             </a:r>
             <a:endParaRPr lang="fr-FR" dirty="0"/>
           </a:p>
@@ -1609,144 +1596,17 @@
           </a:p>
           <a:p>
             <a:r>
-              <a:rPr lang="tr-TR" dirty="0" err="1" smtClean="0"/>
-              <a:t>foodMeApp.filter</a:t>
-            </a:r>
-            <a:r>
-              <a:rPr lang="tr-TR" dirty="0" smtClean="0"/>
-              <a:t>('</a:t>
-            </a:r>
-            <a:r>
-              <a:rPr lang="tr-TR" dirty="0" err="1" smtClean="0"/>
-              <a:t>dollars</a:t>
-            </a:r>
-            <a:r>
-              <a:rPr lang="tr-TR" dirty="0" smtClean="0"/>
-              <a:t>', </a:t>
-            </a:r>
-            <a:r>
-              <a:rPr lang="tr-TR" dirty="0" err="1" smtClean="0"/>
-              <a:t>function</a:t>
-            </a:r>
-            <a:r>
-              <a:rPr lang="tr-TR" dirty="0" smtClean="0"/>
-              <a:t>() {</a:t>
-            </a:r>
-          </a:p>
-          <a:p>
-            <a:r>
-              <a:rPr lang="tr-TR" dirty="0" smtClean="0"/>
-              <a:t>  var DOLLARS = {</a:t>
-            </a:r>
-          </a:p>
-          <a:p>
-            <a:r>
-              <a:rPr lang="tr-TR" dirty="0" smtClean="0"/>
-              <a:t>    1: '$',</a:t>
-            </a:r>
-          </a:p>
-          <a:p>
-            <a:r>
-              <a:rPr lang="tr-TR" dirty="0" smtClean="0"/>
-              <a:t>    2: '$$',</a:t>
-            </a:r>
-          </a:p>
-          <a:p>
-            <a:r>
-              <a:rPr lang="tr-TR" dirty="0" smtClean="0"/>
-              <a:t>    3: '$$$',</a:t>
-            </a:r>
-          </a:p>
-          <a:p>
-            <a:r>
-              <a:rPr lang="tr-TR" dirty="0" smtClean="0"/>
-              <a:t>    4: '$$$$',</a:t>
-            </a:r>
-          </a:p>
-          <a:p>
-            <a:r>
-              <a:rPr lang="tr-TR" dirty="0" smtClean="0"/>
-              <a:t>    5: '$$$$$'</a:t>
-            </a:r>
-          </a:p>
-          <a:p>
-            <a:r>
-              <a:rPr lang="tr-TR" dirty="0" smtClean="0"/>
-              <a:t>  }</a:t>
-            </a:r>
-          </a:p>
-          <a:p>
-            <a:r>
-              <a:rPr lang="tr-TR" dirty="0" smtClean="0"/>
-              <a:t> </a:t>
-            </a:r>
-          </a:p>
-          <a:p>
-            <a:r>
-              <a:rPr lang="tr-TR" dirty="0" smtClean="0"/>
-              <a:t>  </a:t>
-            </a:r>
-            <a:r>
-              <a:rPr lang="tr-TR" dirty="0" err="1" smtClean="0"/>
-              <a:t>return</a:t>
-            </a:r>
-            <a:r>
-              <a:rPr lang="tr-TR" dirty="0" smtClean="0"/>
-              <a:t> </a:t>
-            </a:r>
-            <a:r>
-              <a:rPr lang="tr-TR" dirty="0" err="1" smtClean="0"/>
-              <a:t>function</a:t>
-            </a:r>
-            <a:r>
-              <a:rPr lang="tr-TR" dirty="0" smtClean="0"/>
-              <a:t>(</a:t>
-            </a:r>
-            <a:r>
-              <a:rPr lang="tr-TR" dirty="0" err="1" smtClean="0"/>
-              <a:t>dollarCount</a:t>
-            </a:r>
-            <a:r>
-              <a:rPr lang="tr-TR" dirty="0" smtClean="0"/>
-              <a:t>) {</a:t>
-            </a:r>
-          </a:p>
-          <a:p>
-            <a:r>
-              <a:rPr lang="tr-TR" dirty="0" smtClean="0"/>
-              <a:t>    </a:t>
-            </a:r>
-            <a:r>
-              <a:rPr lang="tr-TR" dirty="0" err="1" smtClean="0"/>
-              <a:t>return</a:t>
-            </a:r>
-            <a:r>
-              <a:rPr lang="tr-TR" dirty="0" smtClean="0"/>
-              <a:t> DOLLARS[</a:t>
-            </a:r>
-            <a:r>
-              <a:rPr lang="tr-TR" dirty="0" err="1" smtClean="0"/>
-              <a:t>dollarCount</a:t>
-            </a:r>
-            <a:r>
-              <a:rPr lang="tr-TR" dirty="0" smtClean="0"/>
-              <a:t>]</a:t>
-            </a:r>
-          </a:p>
-          <a:p>
-            <a:r>
-              <a:rPr lang="tr-TR" dirty="0" smtClean="0"/>
-              <a:t>  };</a:t>
-            </a:r>
-          </a:p>
-          <a:p>
-            <a:r>
-              <a:rPr lang="tr-TR" dirty="0" smtClean="0"/>
-              <a:t> });</a:t>
-            </a:r>
-            <a:endParaRPr lang="fr-FR" dirty="0" smtClean="0"/>
-          </a:p>
-          <a:p>
+              <a:rPr lang="fr-FR" dirty="0" smtClean="0"/>
+              <a:t>- Injecter les dépendances scope, $</a:t>
+            </a:r>
+            <a:r>
+              <a:rPr lang="fr-FR" dirty="0" err="1" smtClean="0"/>
+              <a:t>routeParams</a:t>
+            </a:r>
+            <a:r>
+              <a:rPr lang="fr-FR" dirty="0" smtClean="0"/>
+              <a:t> et  Restaurant</a:t>
+            </a:r>
             <a:endParaRPr lang="fr-FR" dirty="0"/>
           </a:p>
         </p:txBody>
@@ -1925,6 +1785,147 @@
               <a:rPr lang="fr-FR" dirty="0" smtClean="0"/>
               <a:t>TIPS:</a:t>
             </a:r>
+          </a:p>
+          <a:p>
+            <a:r>
+              <a:rPr lang="tr-TR" dirty="0" err="1" smtClean="0"/>
+              <a:t>foodMeApp.filter</a:t>
+            </a:r>
+            <a:r>
+              <a:rPr lang="tr-TR" dirty="0" smtClean="0"/>
+              <a:t>('</a:t>
+            </a:r>
+            <a:r>
+              <a:rPr lang="tr-TR" dirty="0" err="1" smtClean="0"/>
+              <a:t>dollars</a:t>
+            </a:r>
+            <a:r>
+              <a:rPr lang="tr-TR" dirty="0" smtClean="0"/>
+              <a:t>', </a:t>
+            </a:r>
+            <a:r>
+              <a:rPr lang="tr-TR" dirty="0" err="1" smtClean="0"/>
+              <a:t>function</a:t>
+            </a:r>
+            <a:r>
+              <a:rPr lang="tr-TR" dirty="0" smtClean="0"/>
+              <a:t>() {</a:t>
+            </a:r>
+          </a:p>
+          <a:p>
+            <a:r>
+              <a:rPr lang="tr-TR" dirty="0" smtClean="0"/>
+              <a:t>  var DOLLARS = {</a:t>
+            </a:r>
+          </a:p>
+          <a:p>
+            <a:r>
+              <a:rPr lang="tr-TR" dirty="0" smtClean="0"/>
+              <a:t>    1: '$',</a:t>
+            </a:r>
+          </a:p>
+          <a:p>
+            <a:r>
+              <a:rPr lang="tr-TR" dirty="0" smtClean="0"/>
+              <a:t>    2: '$$',</a:t>
+            </a:r>
+          </a:p>
+          <a:p>
+            <a:r>
+              <a:rPr lang="tr-TR" dirty="0" smtClean="0"/>
+              <a:t>    3: '$$$',</a:t>
+            </a:r>
+          </a:p>
+          <a:p>
+            <a:r>
+              <a:rPr lang="tr-TR" dirty="0" smtClean="0"/>
+              <a:t>    4: '$$$$',</a:t>
+            </a:r>
+          </a:p>
+          <a:p>
+            <a:r>
+              <a:rPr lang="tr-TR" dirty="0" smtClean="0"/>
+              <a:t>    5: '$$$$$'</a:t>
+            </a:r>
+          </a:p>
+          <a:p>
+            <a:r>
+              <a:rPr lang="tr-TR" dirty="0" smtClean="0"/>
+              <a:t>  }</a:t>
+            </a:r>
+          </a:p>
+          <a:p>
+            <a:r>
+              <a:rPr lang="tr-TR" dirty="0" smtClean="0"/>
+              <a:t> </a:t>
+            </a:r>
+          </a:p>
+          <a:p>
+            <a:r>
+              <a:rPr lang="tr-TR" dirty="0" smtClean="0"/>
+              <a:t>  </a:t>
+            </a:r>
+            <a:r>
+              <a:rPr lang="tr-TR" dirty="0" err="1" smtClean="0"/>
+              <a:t>return</a:t>
+            </a:r>
+            <a:r>
+              <a:rPr lang="tr-TR" dirty="0" smtClean="0"/>
+              <a:t> </a:t>
+            </a:r>
+            <a:r>
+              <a:rPr lang="tr-TR" dirty="0" err="1" smtClean="0"/>
+              <a:t>function</a:t>
+            </a:r>
+            <a:r>
+              <a:rPr lang="tr-TR" dirty="0" smtClean="0"/>
+              <a:t>(</a:t>
+            </a:r>
+            <a:r>
+              <a:rPr lang="tr-TR" dirty="0" err="1" smtClean="0"/>
+              <a:t>dollarCount</a:t>
+            </a:r>
+            <a:r>
+              <a:rPr lang="tr-TR" dirty="0" smtClean="0"/>
+              <a:t>) {</a:t>
+            </a:r>
+          </a:p>
+          <a:p>
+            <a:r>
+              <a:rPr lang="tr-TR" dirty="0" smtClean="0"/>
+              <a:t>    </a:t>
+            </a:r>
+            <a:r>
+              <a:rPr lang="tr-TR" dirty="0" err="1" smtClean="0"/>
+              <a:t>return</a:t>
+            </a:r>
+            <a:r>
+              <a:rPr lang="tr-TR" dirty="0" smtClean="0"/>
+              <a:t> DOLLARS[</a:t>
+            </a:r>
+            <a:r>
+              <a:rPr lang="tr-TR" dirty="0" err="1" smtClean="0"/>
+              <a:t>dollarCount</a:t>
+            </a:r>
+            <a:r>
+              <a:rPr lang="tr-TR" dirty="0" smtClean="0"/>
+              <a:t>]</a:t>
+            </a:r>
+          </a:p>
+          <a:p>
+            <a:r>
+              <a:rPr lang="tr-TR" dirty="0" smtClean="0"/>
+              <a:t>  };</a:t>
+            </a:r>
+          </a:p>
+          <a:p>
+            <a:r>
+              <a:rPr lang="tr-TR" dirty="0" smtClean="0"/>
+              <a:t> });</a:t>
+            </a:r>
+            <a:endParaRPr lang="fr-FR" dirty="0" smtClean="0"/>
+          </a:p>
+          <a:p>
             <a:endParaRPr lang="fr-FR" dirty="0"/>
           </a:p>
         </p:txBody>
@@ -2011,7 +2012,7 @@
           <a:lstStyle/>
           <a:p>
             <a:r>
-              <a:rPr lang="fr-FR" smtClean="0"/>
+              <a:rPr lang="fr-FR" dirty="0" smtClean="0"/>
               <a:t>TIPS:</a:t>
             </a:r>
             <a:endParaRPr lang="fr-FR" dirty="0"/>
@@ -2456,32 +2457,8 @@
           <a:lstStyle/>
           <a:p>
             <a:r>
-              <a:rPr lang="fr-FR" dirty="0" smtClean="0"/>
-              <a:t>EN PLUS</a:t>
-            </a:r>
-          </a:p>
-          <a:p>
-            <a:r>
-              <a:rPr lang="fr-FR" dirty="0" smtClean="0"/>
-              <a:t>-créer une </a:t>
-            </a:r>
-            <a:r>
-              <a:rPr lang="fr-FR" dirty="0" err="1" smtClean="0"/>
-              <a:t>persistence</a:t>
-            </a:r>
-            <a:r>
-              <a:rPr lang="fr-FR" dirty="0" smtClean="0"/>
-              <a:t> pour</a:t>
-            </a:r>
-            <a:r>
-              <a:rPr lang="fr-FR" baseline="0" dirty="0" smtClean="0"/>
-              <a:t> les éléments du panier</a:t>
-            </a:r>
-          </a:p>
-          <a:p>
-            <a:r>
-              <a:rPr lang="fr-FR" baseline="0" dirty="0" smtClean="0"/>
-              <a:t>- Controller que l’on n’est toujours dans le même restaurant</a:t>
+              <a:rPr lang="fr-FR" smtClean="0"/>
+              <a:t>TIPS:</a:t>
             </a:r>
             <a:endParaRPr lang="fr-FR" dirty="0"/>
           </a:p>
@@ -2569,8 +2546,32 @@
           <a:lstStyle/>
           <a:p>
             <a:r>
-              <a:rPr lang="fr-FR" smtClean="0"/>
-              <a:t>TIPS:</a:t>
+              <a:rPr lang="fr-FR" dirty="0" smtClean="0"/>
+              <a:t>EN PLUS</a:t>
+            </a:r>
+          </a:p>
+          <a:p>
+            <a:r>
+              <a:rPr lang="fr-FR" dirty="0" smtClean="0"/>
+              <a:t>-créer une </a:t>
+            </a:r>
+            <a:r>
+              <a:rPr lang="fr-FR" dirty="0" err="1" smtClean="0"/>
+              <a:t>persistence</a:t>
+            </a:r>
+            <a:r>
+              <a:rPr lang="fr-FR" dirty="0" smtClean="0"/>
+              <a:t> pour</a:t>
+            </a:r>
+            <a:r>
+              <a:rPr lang="fr-FR" baseline="0" dirty="0" smtClean="0"/>
+              <a:t> les éléments du panier</a:t>
+            </a:r>
+          </a:p>
+          <a:p>
+            <a:r>
+              <a:rPr lang="fr-FR" baseline="0" dirty="0" smtClean="0"/>
+              <a:t>- Controller que l’on n’est toujours dans le même restaurant</a:t>
             </a:r>
             <a:endParaRPr lang="fr-FR" dirty="0"/>
           </a:p>
@@ -2702,6 +2703,95 @@
 </p:notes>
 </file>
 
+<file path=ppt/notesSlides/notesSlide29.xml><?xml version="1.0" encoding="utf-8"?>
+<p:notes xmlns:a="http://schemas.openxmlformats.org/drawingml/2006/main" xmlns:r="http://schemas.openxmlformats.org/officeDocument/2006/relationships" xmlns:p="http://schemas.openxmlformats.org/presentationml/2006/main">
+  <p:cSld>
+    <p:spTree>
+      <p:nvGrpSpPr>
+        <p:cNvPr id="1" name=""/>
+        <p:cNvGrpSpPr/>
+        <p:nvPr/>
+      </p:nvGrpSpPr>
+      <p:grpSpPr>
+        <a:xfrm>
+          <a:off x="0" y="0"/>
+          <a:ext cx="0" cy="0"/>
+          <a:chOff x="0" y="0"/>
+          <a:chExt cx="0" cy="0"/>
+        </a:xfrm>
+      </p:grpSpPr>
+      <p:sp>
+        <p:nvSpPr>
+          <p:cNvPr id="2" name="Espace réservé de l'image des diapositives 1"/>
+          <p:cNvSpPr>
+            <a:spLocks noGrp="1" noRot="1" noChangeAspect="1"/>
+          </p:cNvSpPr>
+          <p:nvPr>
+            <p:ph type="sldImg"/>
+          </p:nvPr>
+        </p:nvSpPr>
+        <p:spPr/>
+      </p:sp>
+      <p:sp>
+        <p:nvSpPr>
+          <p:cNvPr id="3" name="Espace réservé des commentaires 2"/>
+          <p:cNvSpPr>
+            <a:spLocks noGrp="1"/>
+          </p:cNvSpPr>
+          <p:nvPr>
+            <p:ph type="body" idx="1"/>
+          </p:nvPr>
+        </p:nvSpPr>
+        <p:spPr/>
+        <p:txBody>
+          <a:bodyPr/>
+          <a:lstStyle/>
+          <a:p>
+            <a:r>
+              <a:rPr lang="fr-FR" smtClean="0"/>
+              <a:t>TIPS:</a:t>
+            </a:r>
+            <a:endParaRPr lang="fr-FR" dirty="0"/>
+          </a:p>
+        </p:txBody>
+      </p:sp>
+      <p:sp>
+        <p:nvSpPr>
+          <p:cNvPr id="4" name="Espace réservé du numéro de diapositive 3"/>
+          <p:cNvSpPr>
+            <a:spLocks noGrp="1"/>
+          </p:cNvSpPr>
+          <p:nvPr>
+            <p:ph type="sldNum" sz="quarter" idx="10"/>
+          </p:nvPr>
+        </p:nvSpPr>
+        <p:spPr/>
+        <p:txBody>
+          <a:bodyPr/>
+          <a:lstStyle/>
+          <a:p>
+            <a:fld id="{E24829BE-5FF2-49B0-89D8-78D798C5662A}" type="slidenum">
+              <a:rPr lang="fr-FR" smtClean="0"/>
+              <a:pPr/>
+              <a:t>29</a:t>
+            </a:fld>
+            <a:endParaRPr lang="fr-FR"/>
+          </a:p>
+        </p:txBody>
+      </p:sp>
+    </p:spTree>
+    <p:extLst>
+      <p:ext uri="{BB962C8B-B14F-4D97-AF65-F5344CB8AC3E}">
+        <p14:creationId xmlns:p14="http://schemas.microsoft.com/office/powerpoint/2010/main" val="231389888"/>
+      </p:ext>
+    </p:extLst>
+  </p:cSld>
+  <p:clrMapOvr>
+    <a:masterClrMapping/>
+  </p:clrMapOvr>
+</p:notes>
+</file>
+
 <file path=ppt/notesSlides/notesSlide3.xml><?xml version="1.0" encoding="utf-8"?>
 <p:notes xmlns:a="http://schemas.openxmlformats.org/drawingml/2006/main" xmlns:r="http://schemas.openxmlformats.org/officeDocument/2006/relationships" xmlns:p="http://schemas.openxmlformats.org/presentationml/2006/main">
   <p:cSld>
@@ -3155,12 +3245,42 @@
           </a:p>
           <a:p>
             <a:r>
-              <a:rPr lang="fr-FR" dirty="0" smtClean="0"/>
-              <a:t>Config</a:t>
-            </a:r>
-            <a:r>
-              <a:rPr lang="fr-FR" baseline="0" dirty="0" smtClean="0"/>
-              <a:t> du route provider</a:t>
+              <a:rPr lang="en-US" dirty="0" err="1" smtClean="0"/>
+              <a:t>foodMeApp.value</a:t>
+            </a:r>
+            <a:r>
+              <a:rPr lang="en-US" dirty="0" smtClean="0"/>
+              <a:t>('</a:t>
+            </a:r>
+            <a:r>
+              <a:rPr lang="en-US" dirty="0" err="1" smtClean="0"/>
+              <a:t>localStorage</a:t>
+            </a:r>
+            <a:r>
+              <a:rPr lang="en-US" dirty="0" smtClean="0"/>
+              <a:t>', </a:t>
+            </a:r>
+            <a:r>
+              <a:rPr lang="en-US" dirty="0" err="1" smtClean="0"/>
+              <a:t>window.localStorage</a:t>
+            </a:r>
+            <a:r>
+              <a:rPr lang="en-US" dirty="0" smtClean="0"/>
+              <a:t>);</a:t>
+            </a:r>
+          </a:p>
+          <a:p>
+            <a:r>
+              <a:rPr lang="en-US" dirty="0" smtClean="0"/>
+              <a:t>$</a:t>
+            </a:r>
+            <a:r>
+              <a:rPr lang="en-US" dirty="0" err="1" smtClean="0"/>
+              <a:t>rootScope</a:t>
+            </a:r>
+            <a:r>
+              <a:rPr lang="en-US" dirty="0" smtClean="0"/>
+              <a:t>.$watch(function() { return customer; },</a:t>
             </a:r>
             <a:endParaRPr lang="fr-FR" dirty="0"/>
           </a:p>
@@ -3248,8 +3368,18 @@
           <a:lstStyle/>
           <a:p>
             <a:r>
-              <a:rPr lang="fr-FR" smtClean="0"/>
+              <a:rPr lang="fr-FR" dirty="0" smtClean="0"/>
               <a:t>TIPS:</a:t>
+            </a:r>
+          </a:p>
+          <a:p>
+            <a:r>
+              <a:rPr lang="fr-FR" dirty="0" smtClean="0"/>
+              <a:t>Config</a:t>
+            </a:r>
+            <a:r>
+              <a:rPr lang="fr-FR" baseline="0" dirty="0" smtClean="0"/>
+              <a:t> du route provider</a:t>
             </a:r>
             <a:endParaRPr lang="fr-FR" dirty="0"/>
           </a:p>
@@ -5251,7 +5381,7 @@
             </a:r>
             <a:r>
               <a:rPr lang="fr-FR" noProof="0" dirty="0" smtClean="0"/>
-              <a:t> 10 </a:t>
+              <a:t> 9 </a:t>
             </a:r>
             <a:endParaRPr lang="en-US" noProof="0" dirty="0"/>
           </a:p>
@@ -5288,7 +5418,7 @@
             <a:pPr lvl="1"/>
             <a:r>
               <a:rPr lang="fr-FR" dirty="0" smtClean="0"/>
-              <a:t>La vue liste de restaurant statique</a:t>
+              <a:t>Sur l’écran d’accueil, le formulaire</a:t>
             </a:r>
           </a:p>
           <a:p>
@@ -5301,120 +5431,150 @@
             <a:pPr lvl="1"/>
             <a:r>
               <a:rPr lang="fr-FR" dirty="0" smtClean="0"/>
-              <a:t>Rajouter une liste de restaurants sur le </a:t>
+              <a:t>Afficher un conteneur pour la liste de restaurants en accueil</a:t>
+            </a:r>
+          </a:p>
+          <a:p>
+            <a:pPr lvl="1"/>
+            <a:r>
+              <a:rPr lang="fr-FR" dirty="0" smtClean="0"/>
+              <a:t>Déplacer la route du formulaire dans une autre définition</a:t>
+            </a:r>
+          </a:p>
+          <a:p>
+            <a:r>
+              <a:rPr lang="fr-FR" dirty="0" smtClean="0"/>
+              <a:t>Comment on fait ?</a:t>
+            </a:r>
+          </a:p>
+          <a:p>
+            <a:pPr lvl="1"/>
+            <a:r>
+              <a:rPr lang="fr-FR" dirty="0" smtClean="0"/>
+              <a:t>Créer et charger un </a:t>
+            </a:r>
+            <a:r>
+              <a:rPr lang="fr-FR" b="1" dirty="0" err="1" smtClean="0"/>
+              <a:t>RestaurantController</a:t>
+            </a:r>
+            <a:r>
+              <a:rPr lang="fr-FR" dirty="0" smtClean="0"/>
+              <a:t> qui redirige vers le </a:t>
+            </a:r>
+            <a:r>
+              <a:rPr lang="fr-FR" b="1" dirty="0" err="1" smtClean="0"/>
+              <a:t>CustomerController</a:t>
+            </a:r>
+            <a:r>
+              <a:rPr lang="fr-FR" dirty="0" smtClean="0"/>
+              <a:t> si il n’y a pas de </a:t>
+            </a:r>
+            <a:r>
+              <a:rPr lang="fr-FR" b="1" dirty="0" err="1" smtClean="0"/>
+              <a:t>customer</a:t>
+            </a:r>
+            <a:r>
+              <a:rPr lang="fr-FR" dirty="0" smtClean="0"/>
+              <a:t> courant</a:t>
+            </a:r>
+          </a:p>
+          <a:p>
+            <a:pPr lvl="1"/>
+            <a:r>
+              <a:rPr lang="fr-FR" dirty="0" smtClean="0"/>
+              <a:t>Faire que la route ‘/’ pointe désormais sur le </a:t>
+            </a:r>
+            <a:r>
+              <a:rPr lang="fr-FR" b="1" dirty="0" err="1" smtClean="0"/>
+              <a:t>RestaurantController</a:t>
+            </a:r>
+            <a:endParaRPr lang="fr-FR" b="1" dirty="0" smtClean="0"/>
+          </a:p>
+          <a:p>
+            <a:pPr lvl="1"/>
+            <a:r>
+              <a:rPr lang="fr-FR" dirty="0" smtClean="0"/>
+              <a:t>Associer </a:t>
+            </a:r>
+            <a:r>
+              <a:rPr lang="fr-FR" dirty="0"/>
+              <a:t>la route au </a:t>
+            </a:r>
+            <a:r>
+              <a:rPr lang="fr-FR" dirty="0" err="1"/>
+              <a:t>template</a:t>
+            </a:r>
+            <a:r>
+              <a:rPr lang="fr-FR" dirty="0"/>
+              <a:t>(vide) </a:t>
+            </a:r>
+            <a:r>
+              <a:rPr lang="fr-FR" b="1" dirty="0" err="1" smtClean="0"/>
+              <a:t>restaurant.html</a:t>
+            </a:r>
+            <a:endParaRPr lang="fr-FR" b="1" dirty="0" smtClean="0"/>
+          </a:p>
+          <a:p>
+            <a:pPr lvl="1"/>
+            <a:r>
+              <a:rPr lang="fr-FR" dirty="0" smtClean="0"/>
+              <a:t>Associer le </a:t>
             </a:r>
             <a:r>
               <a:rPr lang="fr-FR" b="1" dirty="0" err="1"/>
+              <a:t>CustomerController</a:t>
+            </a:r>
+            <a:r>
+              <a:rPr lang="fr-FR" dirty="0"/>
+              <a:t> </a:t>
+            </a:r>
+            <a:r>
+              <a:rPr lang="fr-FR" dirty="0" smtClean="0"/>
+              <a:t>à la route ‘/</a:t>
+            </a:r>
+            <a:r>
+              <a:rPr lang="fr-FR" dirty="0" err="1" smtClean="0"/>
+              <a:t>customer</a:t>
+            </a:r>
+            <a:r>
+              <a:rPr lang="fr-FR" dirty="0" smtClean="0"/>
+              <a:t>’</a:t>
+            </a:r>
+          </a:p>
+          <a:p>
+            <a:pPr lvl="1"/>
+            <a:r>
+              <a:rPr lang="fr-FR" dirty="0" smtClean="0"/>
+              <a:t>Rediriger de </a:t>
+            </a:r>
+            <a:r>
+              <a:rPr lang="fr-FR" b="1" dirty="0" err="1"/>
+              <a:t>CustomerController</a:t>
+            </a:r>
+            <a:r>
+              <a:rPr lang="fr-FR" dirty="0"/>
+              <a:t> </a:t>
+            </a:r>
+            <a:r>
+              <a:rPr lang="fr-FR" b="1" dirty="0" smtClean="0"/>
+              <a:t> </a:t>
+            </a:r>
+            <a:r>
+              <a:rPr lang="fr-FR" dirty="0" smtClean="0"/>
+              <a:t>vers</a:t>
+            </a:r>
+            <a:r>
+              <a:rPr lang="fr-FR" b="1" dirty="0" smtClean="0"/>
+              <a:t> </a:t>
+            </a:r>
+            <a:r>
+              <a:rPr lang="fr-FR" b="1" dirty="0" err="1" smtClean="0"/>
               <a:t>RestaurantController</a:t>
             </a:r>
-            <a:endParaRPr lang="fr-FR" b="1" dirty="0" smtClean="0"/>
-          </a:p>
-          <a:p>
-            <a:r>
-              <a:rPr lang="fr-FR" dirty="0" smtClean="0"/>
-              <a:t>Comment on fait ?</a:t>
-            </a:r>
-          </a:p>
-          <a:p>
-            <a:pPr lvl="1"/>
-            <a:r>
-              <a:rPr lang="fr-FR" dirty="0" smtClean="0"/>
-              <a:t>Rajouter la dépendance du scope</a:t>
-            </a:r>
-          </a:p>
-          <a:p>
-            <a:pPr lvl="1"/>
-            <a:r>
-              <a:rPr lang="fr-FR" dirty="0" smtClean="0"/>
-              <a:t>Enrichir le scope avec une liste d’objets représentant des restaurants:</a:t>
-            </a:r>
-          </a:p>
-          <a:p>
-            <a:pPr lvl="2"/>
-            <a:r>
-              <a:rPr lang="en-US" dirty="0"/>
-              <a:t>"</a:t>
-            </a:r>
-            <a:r>
-              <a:rPr lang="en-US" dirty="0" err="1"/>
-              <a:t>id":"angular</a:t>
-            </a:r>
-            <a:r>
-              <a:rPr lang="en-US" dirty="0"/>
-              <a:t>",</a:t>
-            </a:r>
-          </a:p>
-          <a:p>
-            <a:pPr lvl="2"/>
-            <a:r>
-              <a:rPr lang="en-US" dirty="0"/>
-              <a:t>"</a:t>
-            </a:r>
-            <a:r>
-              <a:rPr lang="en-US" dirty="0" err="1"/>
-              <a:t>name":"Angular</a:t>
-            </a:r>
-            <a:r>
-              <a:rPr lang="en-US" dirty="0"/>
-              <a:t> Pizza",</a:t>
-            </a:r>
-          </a:p>
-          <a:p>
-            <a:pPr lvl="2"/>
-            <a:r>
-              <a:rPr lang="en-US" dirty="0"/>
-              <a:t>"</a:t>
-            </a:r>
-            <a:r>
-              <a:rPr lang="en-US" dirty="0" err="1"/>
-              <a:t>cuisine":"pizza</a:t>
-            </a:r>
-            <a:r>
-              <a:rPr lang="en-US" dirty="0"/>
-              <a:t>",</a:t>
-            </a:r>
-          </a:p>
-          <a:p>
-            <a:pPr lvl="2"/>
-            <a:r>
-              <a:rPr lang="en-US" dirty="0"/>
-              <a:t>"price":1,</a:t>
-            </a:r>
-          </a:p>
-          <a:p>
-            <a:pPr lvl="2"/>
-            <a:r>
-              <a:rPr lang="en-US" dirty="0"/>
-              <a:t>"rating":5,</a:t>
-            </a:r>
-          </a:p>
-          <a:p>
-            <a:pPr lvl="2"/>
-            <a:r>
-              <a:rPr lang="en-US" dirty="0"/>
-              <a:t>"</a:t>
-            </a:r>
-            <a:r>
-              <a:rPr lang="en-US" dirty="0" err="1"/>
-              <a:t>description":"Home</a:t>
-            </a:r>
-            <a:r>
-              <a:rPr lang="en-US" dirty="0"/>
-              <a:t> of the </a:t>
-            </a:r>
-            <a:r>
-              <a:rPr lang="en-US" dirty="0" err="1"/>
-              <a:t>superheroic</a:t>
-            </a:r>
-            <a:r>
-              <a:rPr lang="en-US" dirty="0"/>
-              <a:t> pizza!"</a:t>
-            </a:r>
-            <a:endParaRPr lang="fr-FR" dirty="0" smtClean="0"/>
-          </a:p>
-          <a:p>
-            <a:pPr lvl="2"/>
-            <a:endParaRPr lang="fr-FR" dirty="0" smtClean="0"/>
+            <a:r>
+              <a:rPr lang="fr-FR" dirty="0" smtClean="0"/>
+              <a:t> quand les informations sont validées</a:t>
+            </a:r>
           </a:p>
           <a:p>
             <a:pPr lvl="1"/>
@@ -5441,7 +5601,7 @@
         <p:spPr>
           <a:xfrm>
             <a:off x="827584" y="836712"/>
-            <a:ext cx="5277294" cy="646331"/>
+            <a:ext cx="5559635" cy="646331"/>
           </a:xfrm>
           <a:prstGeom prst="rect">
             <a:avLst/>
@@ -5456,11 +5616,7 @@
           <a:p>
             <a:r>
               <a:rPr lang="fr-FR" b="1" dirty="0" smtClean="0"/>
-              <a:t>Créer une liste de restaurants sur le </a:t>
-            </a:r>
-            <a:r>
-              <a:rPr lang="fr-FR" b="1" dirty="0" err="1" smtClean="0"/>
-              <a:t>controleur</a:t>
+              <a:t>Route vers une liste de restaurants et redirection</a:t>
             </a:r>
             <a:endParaRPr lang="fr-FR" b="1" dirty="0"/>
           </a:p>
@@ -5529,7 +5685,7 @@
             </a:r>
             <a:r>
               <a:rPr lang="fr-FR" noProof="0" dirty="0" smtClean="0"/>
-              <a:t> 11 </a:t>
+              <a:t> 10 </a:t>
             </a:r>
             <a:endParaRPr lang="en-US" noProof="0" dirty="0"/>
           </a:p>
@@ -5553,7 +5709,7 @@
         </p:spPr>
         <p:txBody>
           <a:bodyPr>
-            <a:normAutofit/>
+            <a:normAutofit fontScale="92500" lnSpcReduction="10000"/>
           </a:bodyPr>
           <a:lstStyle/>
           <a:p>
@@ -5566,7 +5722,7 @@
             <a:pPr lvl="1"/>
             <a:r>
               <a:rPr lang="fr-FR" dirty="0" smtClean="0"/>
-              <a:t>Une vue statique qui liste des restaurants</a:t>
+              <a:t>La vue liste de restaurant statique</a:t>
             </a:r>
           </a:p>
           <a:p>
@@ -5579,21 +5735,13 @@
             <a:pPr lvl="1"/>
             <a:r>
               <a:rPr lang="fr-FR" dirty="0" smtClean="0"/>
-              <a:t>Rajouter le </a:t>
-            </a:r>
-            <a:r>
-              <a:rPr lang="fr-FR" dirty="0" err="1" smtClean="0"/>
-              <a:t>databinding</a:t>
-            </a:r>
-            <a:r>
-              <a:rPr lang="fr-FR" dirty="0" smtClean="0"/>
-              <a:t> pour que les données soient générées dynamiquement en fonction de celles du </a:t>
-            </a:r>
-            <a:r>
-              <a:rPr lang="fr-FR" dirty="0" err="1" smtClean="0"/>
-              <a:t>controleur</a:t>
-            </a:r>
-            <a:endParaRPr lang="fr-FR" dirty="0" smtClean="0"/>
+              <a:t>Rajouter une liste de restaurants sur le </a:t>
+            </a:r>
+            <a:r>
+              <a:rPr lang="fr-FR" b="1" dirty="0" err="1"/>
+              <a:t>RestaurantController</a:t>
+            </a:r>
+            <a:endParaRPr lang="fr-FR" b="1" dirty="0" smtClean="0"/>
           </a:p>
           <a:p>
             <a:r>
@@ -5605,50 +5753,96 @@
             <a:pPr lvl="1"/>
             <a:r>
               <a:rPr lang="fr-FR" dirty="0" smtClean="0"/>
-              <a:t>Utilisation de la directive </a:t>
-            </a:r>
-            <a:r>
-              <a:rPr lang="fr-FR" b="1" dirty="0" err="1" smtClean="0"/>
-              <a:t>ng-repeat</a:t>
-            </a:r>
-            <a:endParaRPr lang="fr-FR" b="1" dirty="0" smtClean="0"/>
-          </a:p>
-          <a:p>
-            <a:pPr lvl="1"/>
-            <a:r>
-              <a:rPr lang="fr-FR" dirty="0" smtClean="0"/>
-              <a:t>Les images sont stockées sous la forme:</a:t>
+              <a:t>Rajouter la dépendance du scope</a:t>
+            </a:r>
+          </a:p>
+          <a:p>
+            <a:pPr lvl="1"/>
+            <a:r>
+              <a:rPr lang="fr-FR" dirty="0" smtClean="0"/>
+              <a:t>Enrichir le scope avec une liste d’objets représentant des restaurants:</a:t>
             </a:r>
           </a:p>
           <a:p>
             <a:pPr lvl="2"/>
             <a:r>
-              <a:rPr lang="pl-PL" dirty="0"/>
-              <a:t>/</a:t>
-            </a:r>
-            <a:r>
-              <a:rPr lang="pl-PL" dirty="0" err="1"/>
-              <a:t>img</a:t>
-            </a:r>
-            <a:r>
-              <a:rPr lang="pl-PL" dirty="0"/>
-              <a:t>/</a:t>
-            </a:r>
-            <a:r>
-              <a:rPr lang="pl-PL" dirty="0" err="1"/>
-              <a:t>restaurants</a:t>
-            </a:r>
-            <a:r>
-              <a:rPr lang="pl-PL" dirty="0"/>
-              <a:t>/&lt;</a:t>
-            </a:r>
-            <a:r>
-              <a:rPr lang="pl-PL" dirty="0" err="1"/>
-              <a:t>restaurant.id</a:t>
-            </a:r>
-            <a:r>
-              <a:rPr lang="pl-PL" dirty="0"/>
-              <a:t>&gt;.jpg</a:t>
+              <a:rPr lang="en-US" dirty="0"/>
+              <a:t>"</a:t>
+            </a:r>
+            <a:r>
+              <a:rPr lang="en-US" dirty="0" err="1"/>
+              <a:t>id":"angular</a:t>
+            </a:r>
+            <a:r>
+              <a:rPr lang="en-US" dirty="0"/>
+              <a:t>",</a:t>
+            </a:r>
+          </a:p>
+          <a:p>
+            <a:pPr lvl="2"/>
+            <a:r>
+              <a:rPr lang="en-US" dirty="0"/>
+              <a:t>"</a:t>
+            </a:r>
+            <a:r>
+              <a:rPr lang="en-US" dirty="0" err="1"/>
+              <a:t>name":"Angular</a:t>
+            </a:r>
+            <a:r>
+              <a:rPr lang="en-US" dirty="0"/>
+              <a:t> Pizza",</a:t>
+            </a:r>
+          </a:p>
+          <a:p>
+            <a:pPr lvl="2"/>
+            <a:r>
+              <a:rPr lang="en-US" dirty="0"/>
+              <a:t>"</a:t>
+            </a:r>
+            <a:r>
+              <a:rPr lang="en-US" dirty="0" err="1"/>
+              <a:t>cuisine":"pizza</a:t>
+            </a:r>
+            <a:r>
+              <a:rPr lang="en-US" dirty="0"/>
+              <a:t>",</a:t>
+            </a:r>
+          </a:p>
+          <a:p>
+            <a:pPr lvl="2"/>
+            <a:r>
+              <a:rPr lang="en-US" dirty="0"/>
+              <a:t>"price":1,</a:t>
+            </a:r>
+          </a:p>
+          <a:p>
+            <a:pPr lvl="2"/>
+            <a:r>
+              <a:rPr lang="en-US" dirty="0"/>
+              <a:t>"rating":5,</a:t>
+            </a:r>
+          </a:p>
+          <a:p>
+            <a:pPr lvl="2"/>
+            <a:r>
+              <a:rPr lang="en-US" dirty="0"/>
+              <a:t>"</a:t>
+            </a:r>
+            <a:r>
+              <a:rPr lang="en-US" dirty="0" err="1"/>
+              <a:t>description":"Home</a:t>
+            </a:r>
+            <a:r>
+              <a:rPr lang="en-US" dirty="0"/>
+              <a:t> of the </a:t>
+            </a:r>
+            <a:r>
+              <a:rPr lang="en-US" dirty="0" err="1"/>
+              <a:t>superheroic</a:t>
+            </a:r>
+            <a:r>
+              <a:rPr lang="en-US" dirty="0"/>
+              <a:t> pizza!"</a:t>
             </a:r>
             <a:endParaRPr lang="fr-FR" dirty="0" smtClean="0"/>
           </a:p>
@@ -5681,7 +5875,7 @@
         <p:spPr>
           <a:xfrm>
             <a:off x="827584" y="836712"/>
-            <a:ext cx="4726361" cy="646331"/>
+            <a:ext cx="5277294" cy="646331"/>
           </a:xfrm>
           <a:prstGeom prst="rect">
             <a:avLst/>
@@ -5696,7 +5890,11 @@
           <a:p>
             <a:r>
               <a:rPr lang="fr-FR" b="1" dirty="0" smtClean="0"/>
-              <a:t>Dynamiser la vue qui liste les restaurants</a:t>
+              <a:t>Créer une liste de restaurants sur le </a:t>
+            </a:r>
+            <a:r>
+              <a:rPr lang="fr-FR" b="1" dirty="0" err="1" smtClean="0"/>
+              <a:t>controleur</a:t>
             </a:r>
             <a:endParaRPr lang="fr-FR" b="1" dirty="0"/>
           </a:p>
@@ -5765,7 +5963,7 @@
             </a:r>
             <a:r>
               <a:rPr lang="fr-FR" noProof="0" dirty="0" smtClean="0"/>
-              <a:t> 12 </a:t>
+              <a:t> 11 </a:t>
             </a:r>
             <a:endParaRPr lang="en-US" noProof="0" dirty="0"/>
           </a:p>
@@ -5802,29 +6000,34 @@
             <a:pPr lvl="1"/>
             <a:r>
               <a:rPr lang="fr-FR" dirty="0" smtClean="0"/>
-              <a:t>Une vue liée à des données </a:t>
+              <a:t>Une vue statique qui liste des restaurants</a:t>
+            </a:r>
+          </a:p>
+          <a:p>
+            <a:r>
+              <a:rPr lang="fr-FR" dirty="0" smtClean="0"/>
+              <a:t>Ce que l’on veut</a:t>
+            </a:r>
+          </a:p>
+          <a:p>
+            <a:pPr lvl="1"/>
+            <a:r>
+              <a:rPr lang="fr-FR" dirty="0" smtClean="0"/>
+              <a:t>Rajouter le </a:t>
             </a:r>
             <a:r>
               <a:rPr lang="fr-FR" dirty="0" err="1" smtClean="0"/>
-              <a:t>mockées</a:t>
-            </a:r>
-            <a:r>
-              <a:rPr lang="fr-FR" dirty="0" smtClean="0"/>
-              <a:t> sur le contrôleur</a:t>
-            </a:r>
-          </a:p>
-          <a:p>
-            <a:r>
-              <a:rPr lang="fr-FR" dirty="0" smtClean="0"/>
-              <a:t>Ce que l’on veut</a:t>
-            </a:r>
-          </a:p>
-          <a:p>
-            <a:pPr lvl="1"/>
-            <a:r>
-              <a:rPr lang="fr-FR" dirty="0" smtClean="0"/>
-              <a:t>Utiliser des données récupérer par un appel serveur</a:t>
-            </a:r>
+              <a:t>databinding</a:t>
+            </a:r>
+            <a:r>
+              <a:rPr lang="fr-FR" dirty="0" smtClean="0"/>
+              <a:t> pour que les données soient générées dynamiquement en fonction de celles du </a:t>
+            </a:r>
+            <a:r>
+              <a:rPr lang="fr-FR" dirty="0" err="1" smtClean="0"/>
+              <a:t>controleur</a:t>
+            </a:r>
+            <a:endParaRPr lang="fr-FR" dirty="0" smtClean="0"/>
           </a:p>
           <a:p>
             <a:r>
@@ -5836,11 +6039,11 @@
             <a:pPr lvl="1"/>
             <a:r>
               <a:rPr lang="fr-FR" dirty="0" smtClean="0"/>
-              <a:t>Injecter le service $http dans le </a:t>
+              <a:t>Utilisation de la directive </a:t>
             </a:r>
             <a:r>
               <a:rPr lang="fr-FR" b="1" dirty="0" err="1" smtClean="0"/>
-              <a:t>RestaurantsController</a:t>
+              <a:t>ng-repeat</a:t>
             </a:r>
             <a:endParaRPr lang="fr-FR" b="1" dirty="0" smtClean="0"/>
           </a:p>
@@ -5848,20 +6051,44 @@
             <a:pPr lvl="1"/>
             <a:r>
               <a:rPr lang="fr-FR" dirty="0" smtClean="0"/>
-              <a:t>Récupérer la liste de restaurant en utilisant la méthode </a:t>
-            </a:r>
-            <a:r>
-              <a:rPr lang="fr-FR" b="1" dirty="0" smtClean="0"/>
-              <a:t>$</a:t>
-            </a:r>
-            <a:r>
-              <a:rPr lang="fr-FR" b="1" dirty="0" err="1" smtClean="0"/>
-              <a:t>http.get</a:t>
-            </a:r>
-            <a:r>
-              <a:rPr lang="fr-FR" b="1" dirty="0" smtClean="0"/>
-              <a:t>()</a:t>
-            </a:r>
+              <a:t>Les images sont stockées sous la forme:</a:t>
+            </a:r>
+          </a:p>
+          <a:p>
+            <a:pPr lvl="2"/>
+            <a:r>
+              <a:rPr lang="pl-PL" dirty="0"/>
+              <a:t>/</a:t>
+            </a:r>
+            <a:r>
+              <a:rPr lang="pl-PL" dirty="0" err="1"/>
+              <a:t>img</a:t>
+            </a:r>
+            <a:r>
+              <a:rPr lang="pl-PL" dirty="0"/>
+              <a:t>/</a:t>
+            </a:r>
+            <a:r>
+              <a:rPr lang="pl-PL" dirty="0" err="1"/>
+              <a:t>restaurants</a:t>
+            </a:r>
+            <a:r>
+              <a:rPr lang="pl-PL" dirty="0"/>
+              <a:t>/&lt;</a:t>
+            </a:r>
+            <a:r>
+              <a:rPr lang="pl-PL" dirty="0" err="1"/>
+              <a:t>restaurant.id</a:t>
+            </a:r>
+            <a:r>
+              <a:rPr lang="pl-PL" dirty="0"/>
+              <a:t>&gt;.jpg</a:t>
+            </a:r>
+            <a:endParaRPr lang="fr-FR" dirty="0" smtClean="0"/>
+          </a:p>
+          <a:p>
+            <a:pPr lvl="2"/>
+            <a:endParaRPr lang="fr-FR" dirty="0" smtClean="0"/>
           </a:p>
           <a:p>
             <a:pPr lvl="1"/>
@@ -5888,7 +6115,7 @@
         <p:spPr>
           <a:xfrm>
             <a:off x="827584" y="836712"/>
-            <a:ext cx="3914165" cy="369332"/>
+            <a:ext cx="4726361" cy="646331"/>
           </a:xfrm>
           <a:prstGeom prst="rect">
             <a:avLst/>
@@ -5902,9 +6129,13 @@
           <a:lstStyle/>
           <a:p>
             <a:r>
-              <a:rPr lang="fr-FR" dirty="0"/>
-              <a:t>Récupérer les données avec $HTTP</a:t>
-            </a:r>
+              <a:rPr lang="fr-FR" b="1" dirty="0" smtClean="0"/>
+              <a:t>Dynamiser la vue qui liste les restaurants</a:t>
+            </a:r>
+            <a:endParaRPr lang="fr-FR" b="1" dirty="0"/>
+          </a:p>
+          <a:p>
+            <a:endParaRPr lang="fr-FR" dirty="0"/>
           </a:p>
         </p:txBody>
       </p:sp>
@@ -5968,7 +6199,7 @@
             </a:r>
             <a:r>
               <a:rPr lang="fr-FR" noProof="0" dirty="0" smtClean="0"/>
-              <a:t> 13 </a:t>
+              <a:t> 12 </a:t>
             </a:r>
             <a:endParaRPr lang="en-US" noProof="0" dirty="0"/>
           </a:p>
@@ -6005,15 +6236,15 @@
             <a:pPr lvl="1"/>
             <a:r>
               <a:rPr lang="fr-FR" dirty="0" smtClean="0"/>
-              <a:t>Une page de restaurants alimentée par $</a:t>
+              <a:t>Une vue liée à des données </a:t>
             </a:r>
             <a:r>
               <a:rPr lang="fr-FR" dirty="0" err="1" smtClean="0"/>
-              <a:t>http.get</a:t>
-            </a:r>
-            <a:r>
-              <a:rPr lang="fr-FR" dirty="0" smtClean="0"/>
-              <a:t>()</a:t>
+              <a:t>mockées</a:t>
+            </a:r>
+            <a:r>
+              <a:rPr lang="fr-FR" dirty="0" smtClean="0"/>
+              <a:t> sur le contrôleur</a:t>
             </a:r>
           </a:p>
           <a:p>
@@ -6026,15 +6257,7 @@
             <a:pPr lvl="1"/>
             <a:r>
               <a:rPr lang="fr-FR" dirty="0" smtClean="0"/>
-              <a:t>Simplifier la récupération de donnée en utilisant </a:t>
-            </a:r>
-            <a:r>
-              <a:rPr lang="fr-FR" b="1" dirty="0" smtClean="0"/>
-              <a:t>$ressource </a:t>
-            </a:r>
-            <a:r>
-              <a:rPr lang="fr-FR" dirty="0" smtClean="0"/>
-              <a:t>au lieu de $http</a:t>
+              <a:t>Utiliser des données récupérer par un appel serveur</a:t>
             </a:r>
           </a:p>
           <a:p>
@@ -6047,56 +6270,19 @@
             <a:pPr lvl="1"/>
             <a:r>
               <a:rPr lang="fr-FR" dirty="0" smtClean="0"/>
-              <a:t>Rajouter la dépendance sur </a:t>
-            </a:r>
-            <a:r>
-              <a:rPr lang="fr-FR" b="1" dirty="0" err="1" smtClean="0"/>
-              <a:t>ngResource</a:t>
-            </a:r>
-            <a:r>
-              <a:rPr lang="fr-FR" dirty="0" smtClean="0"/>
-              <a:t> dans le module de notre application</a:t>
-            </a:r>
-          </a:p>
-          <a:p>
-            <a:pPr lvl="1"/>
-            <a:r>
-              <a:rPr lang="fr-FR" dirty="0" smtClean="0"/>
-              <a:t>Créer la ressource </a:t>
-            </a:r>
-            <a:r>
-              <a:rPr lang="fr-FR" b="1" dirty="0" smtClean="0"/>
-              <a:t>Restaurant</a:t>
-            </a:r>
-          </a:p>
-          <a:p>
-            <a:pPr lvl="1"/>
-            <a:r>
-              <a:rPr lang="fr-FR" dirty="0" smtClean="0"/>
-              <a:t>Injecter la ressource </a:t>
-            </a:r>
-            <a:r>
-              <a:rPr lang="fr-FR" b="1" dirty="0" smtClean="0"/>
-              <a:t>Restaurant</a:t>
-            </a:r>
-            <a:r>
-              <a:rPr lang="fr-FR" dirty="0" smtClean="0"/>
-              <a:t> dans le </a:t>
+              <a:t>Injecter le service $http dans le </a:t>
             </a:r>
             <a:r>
               <a:rPr lang="fr-FR" b="1" dirty="0" err="1" smtClean="0"/>
               <a:t>RestaurantsController</a:t>
             </a:r>
-            <a:r>
-              <a:rPr lang="fr-FR" dirty="0" smtClean="0"/>
-              <a:t>.</a:t>
-            </a:r>
-          </a:p>
-          <a:p>
-            <a:pPr lvl="1"/>
-            <a:r>
-              <a:rPr lang="fr-FR" dirty="0" smtClean="0"/>
-              <a:t>Remplacer l’appel </a:t>
+            <a:endParaRPr lang="fr-FR" b="1" dirty="0" smtClean="0"/>
+          </a:p>
+          <a:p>
+            <a:pPr lvl="1"/>
+            <a:r>
+              <a:rPr lang="fr-FR" dirty="0" smtClean="0"/>
+              <a:t>Récupérer la liste de restaurant en utilisant la méthode </a:t>
             </a:r>
             <a:r>
               <a:rPr lang="fr-FR" b="1" dirty="0" smtClean="0"/>
@@ -6108,28 +6294,8 @@
             </a:r>
             <a:r>
               <a:rPr lang="fr-FR" b="1" dirty="0" smtClean="0"/>
-              <a:t>() </a:t>
-            </a:r>
-            <a:r>
-              <a:rPr lang="fr-FR" dirty="0" smtClean="0"/>
-              <a:t>par </a:t>
-            </a:r>
-            <a:r>
-              <a:rPr lang="fr-FR" b="1" dirty="0" err="1" smtClean="0"/>
-              <a:t>Restaurant.query</a:t>
-            </a:r>
-            <a:r>
-              <a:rPr lang="fr-FR" b="1" dirty="0" smtClean="0"/>
               <a:t>()</a:t>
             </a:r>
-            <a:r>
-              <a:rPr lang="fr-FR" dirty="0" smtClean="0"/>
-              <a:t>.</a:t>
-            </a:r>
-          </a:p>
-          <a:p>
-            <a:pPr lvl="1"/>
-            <a:endParaRPr lang="fr-FR" dirty="0" smtClean="0"/>
           </a:p>
           <a:p>
             <a:pPr lvl="1"/>
@@ -6156,7 +6322,7 @@
         <p:spPr>
           <a:xfrm>
             <a:off x="827584" y="836712"/>
-            <a:ext cx="5328802" cy="646331"/>
+            <a:ext cx="3914165" cy="369332"/>
           </a:xfrm>
           <a:prstGeom prst="rect">
             <a:avLst/>
@@ -6170,20 +6336,16 @@
           <a:lstStyle/>
           <a:p>
             <a:r>
-              <a:rPr lang="fr-FR" b="1" dirty="0" smtClean="0"/>
-              <a:t>Remplacer $http par une ressource Restaurant</a:t>
-            </a:r>
-            <a:endParaRPr lang="fr-FR" b="1" dirty="0"/>
-          </a:p>
-          <a:p>
-            <a:endParaRPr lang="fr-FR" dirty="0"/>
+              <a:rPr lang="fr-FR" dirty="0"/>
+              <a:t>Récupérer les données avec $HTTP</a:t>
+            </a:r>
           </a:p>
         </p:txBody>
       </p:sp>
     </p:spTree>
     <p:extLst>
       <p:ext uri="{BB962C8B-B14F-4D97-AF65-F5344CB8AC3E}">
-        <p14:creationId xmlns:p14="http://schemas.microsoft.com/office/powerpoint/2010/main" val="1495303984"/>
+        <p14:creationId xmlns:p14="http://schemas.microsoft.com/office/powerpoint/2010/main" val="2849521412"/>
       </p:ext>
     </p:extLst>
   </p:cSld>
@@ -6240,7 +6402,7 @@
             </a:r>
             <a:r>
               <a:rPr lang="fr-FR" noProof="0" dirty="0" smtClean="0"/>
-              <a:t> 14 </a:t>
+              <a:t> 13 </a:t>
             </a:r>
             <a:endParaRPr lang="en-US" noProof="0" dirty="0"/>
           </a:p>
@@ -6277,7 +6439,15 @@
             <a:pPr lvl="1"/>
             <a:r>
               <a:rPr lang="fr-FR" dirty="0" smtClean="0"/>
-              <a:t>Une liste de restaurant</a:t>
+              <a:t>Une page de restaurants alimentée par $</a:t>
+            </a:r>
+            <a:r>
+              <a:rPr lang="fr-FR" dirty="0" err="1" smtClean="0"/>
+              <a:t>http.get</a:t>
+            </a:r>
+            <a:r>
+              <a:rPr lang="fr-FR" dirty="0" smtClean="0"/>
+              <a:t>()</a:t>
             </a:r>
           </a:p>
           <a:p>
@@ -6290,7 +6460,15 @@
             <a:pPr lvl="1"/>
             <a:r>
               <a:rPr lang="fr-FR" dirty="0" smtClean="0"/>
-              <a:t>Rajouter les informations de livraisons</a:t>
+              <a:t>Simplifier la récupération de donnée en utilisant </a:t>
+            </a:r>
+            <a:r>
+              <a:rPr lang="fr-FR" b="1" dirty="0" smtClean="0"/>
+              <a:t>$ressource </a:t>
+            </a:r>
+            <a:r>
+              <a:rPr lang="fr-FR" dirty="0" smtClean="0"/>
+              <a:t>au lieu de $http</a:t>
             </a:r>
           </a:p>
           <a:p>
@@ -6303,11 +6481,37 @@
             <a:pPr lvl="1"/>
             <a:r>
               <a:rPr lang="fr-FR" dirty="0" smtClean="0"/>
-              <a:t>Injecter le service </a:t>
+              <a:t>Rajouter la dépendance sur </a:t>
             </a:r>
             <a:r>
               <a:rPr lang="fr-FR" b="1" dirty="0" err="1" smtClean="0"/>
-              <a:t>customer</a:t>
+              <a:t>ngResource</a:t>
+            </a:r>
+            <a:r>
+              <a:rPr lang="fr-FR" dirty="0" smtClean="0"/>
+              <a:t> dans le module de notre application</a:t>
+            </a:r>
+          </a:p>
+          <a:p>
+            <a:pPr lvl="1"/>
+            <a:r>
+              <a:rPr lang="fr-FR" dirty="0" smtClean="0"/>
+              <a:t>Créer la ressource </a:t>
+            </a:r>
+            <a:r>
+              <a:rPr lang="fr-FR" b="1" dirty="0" smtClean="0"/>
+              <a:t>Restaurant</a:t>
+            </a:r>
+          </a:p>
+          <a:p>
+            <a:pPr lvl="1"/>
+            <a:r>
+              <a:rPr lang="fr-FR" dirty="0" smtClean="0"/>
+              <a:t>Injecter la ressource </a:t>
+            </a:r>
+            <a:r>
+              <a:rPr lang="fr-FR" b="1" dirty="0" smtClean="0"/>
+              <a:t>Restaurant</a:t>
             </a:r>
             <a:r>
               <a:rPr lang="fr-FR" dirty="0" smtClean="0"/>
@@ -6317,23 +6521,49 @@
               <a:rPr lang="fr-FR" b="1" dirty="0" err="1" smtClean="0"/>
               <a:t>RestaurantsController</a:t>
             </a:r>
-            <a:endParaRPr lang="fr-FR" b="1" dirty="0" smtClean="0"/>
-          </a:p>
-          <a:p>
-            <a:pPr lvl="1"/>
-            <a:r>
-              <a:rPr lang="fr-FR" dirty="0" smtClean="0"/>
-              <a:t>Mettre à jour la vue en fonction des données du service </a:t>
-            </a:r>
-            <a:r>
-              <a:rPr lang="fr-FR" b="1" dirty="0" err="1"/>
-              <a:t>customer</a:t>
-            </a:r>
-            <a:r>
-              <a:rPr lang="fr-FR" b="1" dirty="0"/>
-              <a:t> </a:t>
-            </a:r>
-            <a:endParaRPr lang="fr-FR" b="1" dirty="0" smtClean="0"/>
+            <a:r>
+              <a:rPr lang="fr-FR" dirty="0" smtClean="0"/>
+              <a:t>.</a:t>
+            </a:r>
+          </a:p>
+          <a:p>
+            <a:pPr lvl="1"/>
+            <a:r>
+              <a:rPr lang="fr-FR" dirty="0" smtClean="0"/>
+              <a:t>Remplacer l’appel </a:t>
+            </a:r>
+            <a:r>
+              <a:rPr lang="fr-FR" b="1" dirty="0" smtClean="0"/>
+              <a:t>$</a:t>
+            </a:r>
+            <a:r>
+              <a:rPr lang="fr-FR" b="1" dirty="0" err="1" smtClean="0"/>
+              <a:t>http.get</a:t>
+            </a:r>
+            <a:r>
+              <a:rPr lang="fr-FR" b="1" dirty="0" smtClean="0"/>
+              <a:t>() </a:t>
+            </a:r>
+            <a:r>
+              <a:rPr lang="fr-FR" dirty="0" smtClean="0"/>
+              <a:t>par </a:t>
+            </a:r>
+            <a:r>
+              <a:rPr lang="fr-FR" b="1" dirty="0" err="1" smtClean="0"/>
+              <a:t>Restaurant.query</a:t>
+            </a:r>
+            <a:r>
+              <a:rPr lang="fr-FR" b="1" dirty="0" smtClean="0"/>
+              <a:t>()</a:t>
+            </a:r>
+            <a:r>
+              <a:rPr lang="fr-FR" dirty="0" smtClean="0"/>
+              <a:t>.</a:t>
+            </a:r>
+          </a:p>
+          <a:p>
+            <a:pPr lvl="1"/>
+            <a:endParaRPr lang="fr-FR" dirty="0" smtClean="0"/>
           </a:p>
           <a:p>
             <a:pPr lvl="1"/>
@@ -6360,7 +6590,7 @@
         <p:spPr>
           <a:xfrm>
             <a:off x="827584" y="836712"/>
-            <a:ext cx="6021187" cy="646331"/>
+            <a:ext cx="5328802" cy="646331"/>
           </a:xfrm>
           <a:prstGeom prst="rect">
             <a:avLst/>
@@ -6375,7 +6605,7 @@
           <a:p>
             <a:r>
               <a:rPr lang="fr-FR" b="1" dirty="0" smtClean="0"/>
-              <a:t>Brancher les informations de livraison de l’utilisateur</a:t>
+              <a:t>Remplacer $http par une ressource Restaurant</a:t>
             </a:r>
             <a:endParaRPr lang="fr-FR" b="1" dirty="0"/>
           </a:p>
@@ -6444,7 +6674,7 @@
             </a:r>
             <a:r>
               <a:rPr lang="fr-FR" noProof="0" dirty="0" smtClean="0"/>
-              <a:t> 15 </a:t>
+              <a:t> 14 </a:t>
             </a:r>
             <a:endParaRPr lang="en-US" noProof="0" dirty="0"/>
           </a:p>
@@ -6481,57 +6711,45 @@
             <a:pPr lvl="1"/>
             <a:r>
               <a:rPr lang="fr-FR" dirty="0" smtClean="0"/>
-              <a:t>Le label « nombre de restaurants » indépendants du nombre réel (1 restaurant</a:t>
-            </a:r>
-            <a:r>
-              <a:rPr lang="fr-FR" dirty="0" smtClean="0">
-                <a:solidFill>
-                  <a:srgbClr val="FF0000"/>
-                </a:solidFill>
-              </a:rPr>
-              <a:t>s</a:t>
-            </a:r>
-            <a:r>
-              <a:rPr lang="fr-FR" dirty="0" smtClean="0"/>
+              <a:t>Une liste de restaurant</a:t>
+            </a:r>
+          </a:p>
+          <a:p>
+            <a:r>
+              <a:rPr lang="fr-FR" dirty="0" smtClean="0"/>
+              <a:t>Ce que l’on veut</a:t>
+            </a:r>
+          </a:p>
+          <a:p>
+            <a:pPr lvl="1"/>
+            <a:r>
+              <a:rPr lang="fr-FR" dirty="0" smtClean="0"/>
+              <a:t>Rajouter les informations de livraisons</a:t>
+            </a:r>
+          </a:p>
+          <a:p>
+            <a:r>
+              <a:rPr lang="fr-FR" dirty="0" smtClean="0"/>
+              <a:t>Comment on fait ?</a:t>
+            </a:r>
+          </a:p>
+          <a:p>
+            <a:pPr lvl="1"/>
+            <a:r>
+              <a:rPr lang="fr-FR" dirty="0" smtClean="0"/>
+              <a:t>Mettre </a:t>
+            </a:r>
+            <a:r>
+              <a:rPr lang="fr-FR" dirty="0" smtClean="0"/>
+              <a:t>à jour la vue en fonction des données du service </a:t>
+            </a:r>
+            <a:r>
+              <a:rPr lang="fr-FR" b="1" dirty="0" err="1"/>
+              <a:t>customer</a:t>
+            </a:r>
+            <a:r>
+              <a:rPr lang="fr-FR" b="1" dirty="0"/>
               <a:t> </a:t>
-            </a:r>
-            <a:r>
-              <a:rPr lang="fr-FR" dirty="0" err="1" smtClean="0"/>
-              <a:t>found</a:t>
-            </a:r>
-            <a:r>
-              <a:rPr lang="fr-FR" dirty="0" smtClean="0"/>
-              <a:t>!)</a:t>
-            </a:r>
-          </a:p>
-          <a:p>
-            <a:r>
-              <a:rPr lang="fr-FR" dirty="0" smtClean="0"/>
-              <a:t>Ce que l’on veut</a:t>
-            </a:r>
-          </a:p>
-          <a:p>
-            <a:pPr lvl="1"/>
-            <a:r>
-              <a:rPr lang="fr-FR" dirty="0" smtClean="0"/>
-              <a:t>Changer le message en fonction du nombre de restaurants</a:t>
-            </a:r>
-          </a:p>
-          <a:p>
-            <a:r>
-              <a:rPr lang="fr-FR" dirty="0" smtClean="0"/>
-              <a:t>Comment on fait ?</a:t>
-            </a:r>
-          </a:p>
-          <a:p>
-            <a:pPr lvl="1"/>
-            <a:r>
-              <a:rPr lang="fr-FR" dirty="0" smtClean="0"/>
-              <a:t>Remplacer le label par la directive </a:t>
-            </a:r>
-            <a:r>
-              <a:rPr lang="fr-FR" b="1" dirty="0" err="1" smtClean="0"/>
-              <a:t>ng-pluralize</a:t>
             </a:r>
             <a:endParaRPr lang="fr-FR" b="1" dirty="0" smtClean="0"/>
           </a:p>
@@ -6560,7 +6778,7 @@
         <p:spPr>
           <a:xfrm>
             <a:off x="827584" y="836712"/>
-            <a:ext cx="2929408" cy="646331"/>
+            <a:ext cx="6021187" cy="646331"/>
           </a:xfrm>
           <a:prstGeom prst="rect">
             <a:avLst/>
@@ -6575,19 +6793,7 @@
           <a:p>
             <a:r>
               <a:rPr lang="fr-FR" b="1" dirty="0" smtClean="0"/>
-              <a:t>Utilisation de </a:t>
-            </a:r>
-            <a:r>
-              <a:rPr lang="fr-FR" b="1" dirty="0" err="1" smtClean="0"/>
-              <a:t>ng</a:t>
-            </a:r>
-            <a:r>
-              <a:rPr lang="fr-FR" b="1" dirty="0" err="1"/>
-              <a:t>P</a:t>
-            </a:r>
-            <a:r>
-              <a:rPr lang="fr-FR" b="1" dirty="0" err="1" smtClean="0"/>
-              <a:t>luralize</a:t>
+              <a:t>Brancher les informations de livraison de l’utilisateur</a:t>
             </a:r>
             <a:endParaRPr lang="fr-FR" b="1" dirty="0"/>
           </a:p>
@@ -6656,15 +6862,7 @@
             </a:r>
             <a:r>
               <a:rPr lang="fr-FR" noProof="0" dirty="0" smtClean="0"/>
-              <a:t> </a:t>
-            </a:r>
-            <a:r>
-              <a:rPr lang="fr-FR" dirty="0" smtClean="0"/>
-              <a:t>16-17</a:t>
-            </a:r>
-            <a:r>
-              <a:rPr lang="fr-FR" noProof="0" dirty="0" smtClean="0"/>
-              <a:t> </a:t>
+              <a:t> 15 </a:t>
             </a:r>
             <a:endParaRPr lang="en-US" noProof="0" dirty="0"/>
           </a:p>
@@ -6701,7 +6899,27 @@
             <a:pPr lvl="1"/>
             <a:r>
               <a:rPr lang="fr-FR" dirty="0" smtClean="0"/>
-              <a:t>Une vue représentant la liste des restaurants</a:t>
+              <a:t>Le label « nombre de restaurants » indépendants du nombre réel (1 restaurant</a:t>
+            </a:r>
+            <a:r>
+              <a:rPr lang="fr-FR" dirty="0" smtClean="0">
+                <a:solidFill>
+                  <a:srgbClr val="FF0000"/>
+                </a:solidFill>
+              </a:rPr>
+              <a:t>s</a:t>
+            </a:r>
+            <a:r>
+              <a:rPr lang="fr-FR" dirty="0" smtClean="0"/>
+              <a:t> </a:t>
+            </a:r>
+            <a:r>
+              <a:rPr lang="fr-FR" dirty="0" err="1" smtClean="0"/>
+              <a:t>found</a:t>
+            </a:r>
+            <a:r>
+              <a:rPr lang="fr-FR" dirty="0" smtClean="0"/>
+              <a:t>!)</a:t>
             </a:r>
           </a:p>
           <a:p>
@@ -6714,7 +6932,7 @@
             <a:pPr lvl="1"/>
             <a:r>
               <a:rPr lang="fr-FR" dirty="0" smtClean="0"/>
-              <a:t>Afficher le menu d’un restaurant lorsqu’il est sélectionné dans la liste</a:t>
+              <a:t>Changer le message en fonction du nombre de restaurants</a:t>
             </a:r>
           </a:p>
           <a:p>
@@ -6727,80 +6945,13 @@
             <a:pPr lvl="1"/>
             <a:r>
               <a:rPr lang="fr-FR" dirty="0" smtClean="0"/>
-              <a:t>Créer la vue statique </a:t>
+              <a:t>Remplacer le label par la directive </a:t>
             </a:r>
             <a:r>
               <a:rPr lang="fr-FR" b="1" dirty="0" err="1" smtClean="0"/>
-              <a:t>views</a:t>
-            </a:r>
-            <a:r>
-              <a:rPr lang="fr-FR" b="1" dirty="0" smtClean="0"/>
-              <a:t>/</a:t>
-            </a:r>
-            <a:r>
-              <a:rPr lang="fr-FR" b="1" dirty="0" err="1" smtClean="0"/>
-              <a:t>menu.html</a:t>
+              <a:t>ng-pluralize</a:t>
             </a:r>
             <a:endParaRPr lang="fr-FR" b="1" dirty="0" smtClean="0"/>
-          </a:p>
-          <a:p>
-            <a:pPr lvl="1"/>
-            <a:r>
-              <a:rPr lang="fr-FR" dirty="0" smtClean="0"/>
-              <a:t>Créer un contrôleur vide </a:t>
-            </a:r>
-            <a:r>
-              <a:rPr lang="fr-FR" b="1" dirty="0" err="1" smtClean="0"/>
-              <a:t>MenuController</a:t>
-            </a:r>
-            <a:endParaRPr lang="fr-FR" b="1" dirty="0" smtClean="0"/>
-          </a:p>
-          <a:p>
-            <a:pPr lvl="1"/>
-            <a:r>
-              <a:rPr lang="fr-FR" dirty="0" smtClean="0"/>
-              <a:t>Créer la route paramétrée </a:t>
-            </a:r>
-            <a:r>
-              <a:rPr lang="fr-FR" b="1" dirty="0" smtClean="0"/>
-              <a:t>‘/menu/:</a:t>
-            </a:r>
-            <a:r>
-              <a:rPr lang="fr-FR" b="1" dirty="0" err="1" smtClean="0"/>
-              <a:t>restaurantId</a:t>
-            </a:r>
-            <a:r>
-              <a:rPr lang="fr-FR" b="1" dirty="0" smtClean="0"/>
-              <a:t>’</a:t>
-            </a:r>
-            <a:r>
-              <a:rPr lang="fr-FR" dirty="0" smtClean="0"/>
-              <a:t> qui pointe sur le </a:t>
-            </a:r>
-            <a:r>
-              <a:rPr lang="fr-FR" b="1" dirty="0" err="1" smtClean="0"/>
-              <a:t>MenuController</a:t>
-            </a:r>
-            <a:r>
-              <a:rPr lang="fr-FR" dirty="0" smtClean="0"/>
-              <a:t> et la vue </a:t>
-            </a:r>
-            <a:r>
-              <a:rPr lang="fr-FR" b="1" dirty="0" err="1" smtClean="0"/>
-              <a:t>views</a:t>
-            </a:r>
-            <a:r>
-              <a:rPr lang="fr-FR" b="1" dirty="0" smtClean="0"/>
-              <a:t>/</a:t>
-            </a:r>
-            <a:r>
-              <a:rPr lang="fr-FR" b="1" dirty="0" err="1" smtClean="0"/>
-              <a:t>menu.html</a:t>
-            </a:r>
-            <a:r>
-              <a:rPr lang="fr-FR" dirty="0" smtClean="0"/>
-              <a:t>.</a:t>
-            </a:r>
           </a:p>
           <a:p>
             <a:pPr lvl="1"/>
@@ -6827,7 +6978,7 @@
         <p:spPr>
           <a:xfrm>
             <a:off x="827584" y="836712"/>
-            <a:ext cx="4199775" cy="646331"/>
+            <a:ext cx="2929408" cy="646331"/>
           </a:xfrm>
           <a:prstGeom prst="rect">
             <a:avLst/>
@@ -6841,9 +6992,22 @@
           <a:lstStyle/>
           <a:p>
             <a:r>
-              <a:rPr lang="fr-FR" b="1" dirty="0"/>
-              <a:t>Collecter les données de l’utilisateur</a:t>
-            </a:r>
+              <a:rPr lang="fr-FR" b="1" dirty="0" smtClean="0"/>
+              <a:t>Utilisation de </a:t>
+            </a:r>
+            <a:r>
+              <a:rPr lang="fr-FR" b="1" dirty="0" err="1" smtClean="0"/>
+              <a:t>ng</a:t>
+            </a:r>
+            <a:r>
+              <a:rPr lang="fr-FR" b="1" dirty="0" err="1"/>
+              <a:t>P</a:t>
+            </a:r>
+            <a:r>
+              <a:rPr lang="fr-FR" b="1" dirty="0" err="1" smtClean="0"/>
+              <a:t>luralize</a:t>
+            </a:r>
+            <a:endParaRPr lang="fr-FR" b="1" dirty="0"/>
           </a:p>
           <a:p>
             <a:endParaRPr lang="fr-FR" dirty="0"/>
@@ -6914,7 +7078,7 @@
             </a:r>
             <a:r>
               <a:rPr lang="fr-FR" dirty="0" smtClean="0"/>
-              <a:t>18</a:t>
+              <a:t>16</a:t>
             </a:r>
             <a:endParaRPr lang="en-US" noProof="0" dirty="0"/>
           </a:p>
@@ -6951,80 +7115,105 @@
             <a:pPr lvl="1"/>
             <a:r>
               <a:rPr lang="fr-FR" dirty="0" smtClean="0"/>
-              <a:t>Une message pour les informations de livraisons dans la vue </a:t>
+              <a:t>Une vue représentant la liste des restaurants</a:t>
+            </a:r>
+          </a:p>
+          <a:p>
+            <a:r>
+              <a:rPr lang="fr-FR" dirty="0" smtClean="0"/>
+              <a:t>Ce que l’on veut</a:t>
+            </a:r>
+          </a:p>
+          <a:p>
+            <a:pPr lvl="1"/>
+            <a:r>
+              <a:rPr lang="fr-FR" dirty="0" smtClean="0"/>
+              <a:t>Afficher le menu d’un restaurant lorsqu’il est sélectionné dans la liste</a:t>
+            </a:r>
+          </a:p>
+          <a:p>
+            <a:r>
+              <a:rPr lang="fr-FR" dirty="0" smtClean="0"/>
+              <a:t>Comment on fait ?</a:t>
+            </a:r>
+          </a:p>
+          <a:p>
+            <a:pPr lvl="1"/>
+            <a:r>
+              <a:rPr lang="fr-FR" dirty="0" smtClean="0"/>
+              <a:t>Créer la vue statique </a:t>
             </a:r>
             <a:r>
               <a:rPr lang="fr-FR" b="1" dirty="0" err="1" smtClean="0"/>
-              <a:t>restaurants.html</a:t>
+              <a:t>views</a:t>
+            </a:r>
+            <a:r>
+              <a:rPr lang="fr-FR" b="1" dirty="0" smtClean="0"/>
+              <a:t>/</a:t>
+            </a:r>
+            <a:r>
+              <a:rPr lang="fr-FR" b="1" dirty="0" err="1" smtClean="0"/>
+              <a:t>menu.html</a:t>
             </a:r>
             <a:endParaRPr lang="fr-FR" b="1" dirty="0" smtClean="0"/>
           </a:p>
           <a:p>
-            <a:r>
-              <a:rPr lang="fr-FR" dirty="0" smtClean="0"/>
-              <a:t>Ce que l’on veut</a:t>
-            </a:r>
-          </a:p>
-          <a:p>
-            <a:pPr lvl="1"/>
-            <a:r>
-              <a:rPr lang="fr-FR" dirty="0" smtClean="0"/>
-              <a:t>Extraire ce message pour en faire un composant réutilisable</a:t>
-            </a:r>
-          </a:p>
-          <a:p>
-            <a:r>
-              <a:rPr lang="fr-FR" dirty="0" smtClean="0"/>
-              <a:t>Comment on fait ?</a:t>
-            </a:r>
-          </a:p>
-          <a:p>
-            <a:pPr lvl="1"/>
-            <a:r>
-              <a:rPr lang="fr-FR" dirty="0" smtClean="0"/>
-              <a:t>Créer la directive </a:t>
+            <a:pPr lvl="1"/>
+            <a:r>
+              <a:rPr lang="fr-FR" dirty="0" smtClean="0"/>
+              <a:t>Créer un contrôleur vide </a:t>
             </a:r>
             <a:r>
               <a:rPr lang="fr-FR" b="1" dirty="0" err="1" smtClean="0"/>
-              <a:t>fmDeliverTo</a:t>
-            </a:r>
-            <a:r>
-              <a:rPr lang="fr-FR" dirty="0" smtClean="0"/>
-              <a:t>. Le composant devra utiliser un </a:t>
-            </a:r>
-            <a:r>
-              <a:rPr lang="fr-FR" dirty="0" err="1" smtClean="0"/>
-              <a:t>template</a:t>
-            </a:r>
-            <a:r>
-              <a:rPr lang="fr-FR" dirty="0" smtClean="0"/>
-              <a:t> localisé dans</a:t>
-            </a:r>
-          </a:p>
-          <a:p>
-            <a:pPr lvl="2"/>
-            <a:r>
-              <a:rPr lang="en-US" dirty="0" err="1"/>
-              <a:t>js</a:t>
-            </a:r>
-            <a:r>
-              <a:rPr lang="en-US" dirty="0"/>
-              <a:t>/directives/</a:t>
-            </a:r>
-            <a:r>
-              <a:rPr lang="en-US" dirty="0" err="1"/>
-              <a:t>fmDeliverTo.html</a:t>
-            </a:r>
-            <a:r>
-              <a:rPr lang="fr-FR" dirty="0" smtClean="0"/>
-              <a:t> 	</a:t>
-            </a:r>
-          </a:p>
-          <a:p>
-            <a:pPr lvl="1"/>
-            <a:r>
-              <a:rPr lang="fr-FR" dirty="0" smtClean="0"/>
-              <a:t>Remplacer le html de la vue par la directive</a:t>
+              <a:t>MenuController</a:t>
+            </a:r>
+            <a:endParaRPr lang="fr-FR" b="1" dirty="0" smtClean="0"/>
+          </a:p>
+          <a:p>
+            <a:pPr lvl="1"/>
+            <a:r>
+              <a:rPr lang="fr-FR" dirty="0" smtClean="0"/>
+              <a:t>Créer la route paramétrée </a:t>
+            </a:r>
+            <a:r>
+              <a:rPr lang="fr-FR" b="1" dirty="0" smtClean="0"/>
+              <a:t>‘/menu/:</a:t>
+            </a:r>
+            <a:r>
+              <a:rPr lang="fr-FR" b="1" dirty="0" err="1" smtClean="0"/>
+              <a:t>restaurantId</a:t>
+            </a:r>
+            <a:r>
+              <a:rPr lang="fr-FR" b="1" dirty="0" smtClean="0"/>
+              <a:t>’</a:t>
+            </a:r>
+            <a:r>
+              <a:rPr lang="fr-FR" dirty="0" smtClean="0"/>
+              <a:t> qui pointe sur le </a:t>
+            </a:r>
+            <a:r>
+              <a:rPr lang="fr-FR" b="1" dirty="0" err="1" smtClean="0"/>
+              <a:t>MenuController</a:t>
+            </a:r>
+            <a:r>
+              <a:rPr lang="fr-FR" dirty="0" smtClean="0"/>
+              <a:t> et la vue </a:t>
+            </a:r>
+            <a:r>
+              <a:rPr lang="fr-FR" b="1" dirty="0" err="1" smtClean="0"/>
+              <a:t>views</a:t>
+            </a:r>
+            <a:r>
+              <a:rPr lang="fr-FR" b="1" dirty="0" smtClean="0"/>
+              <a:t>/</a:t>
+            </a:r>
+            <a:r>
+              <a:rPr lang="fr-FR" b="1" dirty="0" err="1" smtClean="0"/>
+              <a:t>menu.html</a:t>
+            </a:r>
+            <a:r>
+              <a:rPr lang="fr-FR" dirty="0" smtClean="0"/>
+              <a:t>.</a:t>
             </a:r>
           </a:p>
           <a:p>
@@ -7052,7 +7241,7 @@
         <p:spPr>
           <a:xfrm>
             <a:off x="827584" y="836712"/>
-            <a:ext cx="3993401" cy="646331"/>
+            <a:ext cx="3737546" cy="646331"/>
           </a:xfrm>
           <a:prstGeom prst="rect">
             <a:avLst/>
@@ -7067,11 +7256,7 @@
           <a:p>
             <a:r>
               <a:rPr lang="fr-FR" b="1" dirty="0" smtClean="0"/>
-              <a:t>Rajouter une directive </a:t>
-            </a:r>
-            <a:r>
-              <a:rPr lang="fr-FR" b="1" dirty="0" err="1" smtClean="0"/>
-              <a:t>fmDeliverTo</a:t>
+              <a:t>Afficher le menu d’un restaurant</a:t>
             </a:r>
             <a:endParaRPr lang="fr-FR" b="1" dirty="0"/>
           </a:p>
@@ -7140,7 +7325,11 @@
             </a:r>
             <a:r>
               <a:rPr lang="fr-FR" noProof="0" dirty="0" smtClean="0"/>
-              <a:t> 19 </a:t>
+              <a:t> </a:t>
+            </a:r>
+            <a:r>
+              <a:rPr lang="fr-FR" dirty="0" smtClean="0"/>
+              <a:t>17</a:t>
             </a:r>
             <a:endParaRPr lang="en-US" noProof="0" dirty="0"/>
           </a:p>
@@ -7177,8 +7366,13 @@
             <a:pPr lvl="1"/>
             <a:r>
               <a:rPr lang="fr-FR" dirty="0" smtClean="0"/>
-              <a:t>Une vue menu statique</a:t>
-            </a:r>
+              <a:t>Une message pour les informations de livraisons dans la vue </a:t>
+            </a:r>
+            <a:r>
+              <a:rPr lang="fr-FR" b="1" dirty="0" err="1" smtClean="0"/>
+              <a:t>restaurants.html</a:t>
+            </a:r>
+            <a:endParaRPr lang="fr-FR" b="1" dirty="0" smtClean="0"/>
           </a:p>
           <a:p>
             <a:r>
@@ -7190,7 +7384,7 @@
             <a:pPr lvl="1"/>
             <a:r>
               <a:rPr lang="fr-FR" dirty="0" smtClean="0"/>
-              <a:t>Dynamiser la vue avec les données réelles du serveur</a:t>
+              <a:t>Extraire ce message pour en faire un composant réutilisable</a:t>
             </a:r>
           </a:p>
           <a:p>
@@ -7203,28 +7397,49 @@
             <a:pPr lvl="1"/>
             <a:r>
               <a:rPr lang="fr-FR" dirty="0" smtClean="0"/>
-              <a:t>Récupérer les informations d’un restaurant à l’aide de la ressource Restaurant (pensez à utiliser $</a:t>
+              <a:t>Créer la directive </a:t>
+            </a:r>
+            <a:r>
+              <a:rPr lang="fr-FR" b="1" dirty="0" err="1" smtClean="0"/>
+              <a:t>fmDeliverTo</a:t>
+            </a:r>
+            <a:r>
+              <a:rPr lang="fr-FR" dirty="0" smtClean="0"/>
+              <a:t>. Le composant devra utiliser un </a:t>
             </a:r>
             <a:r>
               <a:rPr lang="fr-FR" dirty="0" err="1" smtClean="0"/>
-              <a:t>routeParams</a:t>
-            </a:r>
-            <a:r>
-              <a:rPr lang="fr-FR" dirty="0" smtClean="0"/>
-              <a:t>)</a:t>
-            </a:r>
-          </a:p>
-          <a:p>
-            <a:pPr marL="914400" lvl="2" indent="0">
-              <a:buNone/>
-            </a:pPr>
-            <a:endParaRPr lang="fr-FR" dirty="0" smtClean="0"/>
-          </a:p>
-          <a:p>
-            <a:pPr lvl="1"/>
-            <a:r>
-              <a:rPr lang="fr-FR" dirty="0" smtClean="0"/>
-              <a:t>Dynamiser la vue à l’aide des données récupérées</a:t>
+              <a:t>template</a:t>
+            </a:r>
+            <a:r>
+              <a:rPr lang="fr-FR" dirty="0" smtClean="0"/>
+              <a:t> localisé dans</a:t>
+            </a:r>
+          </a:p>
+          <a:p>
+            <a:pPr lvl="2"/>
+            <a:r>
+              <a:rPr lang="en-US" dirty="0" err="1"/>
+              <a:t>js</a:t>
+            </a:r>
+            <a:r>
+              <a:rPr lang="en-US" dirty="0"/>
+              <a:t>/directives/</a:t>
+            </a:r>
+            <a:r>
+              <a:rPr lang="en-US" dirty="0" err="1"/>
+              <a:t>fmDeliverTo.html</a:t>
+            </a:r>
+            <a:r>
+              <a:rPr lang="fr-FR" dirty="0" smtClean="0"/>
+              <a:t> 	</a:t>
+            </a:r>
+          </a:p>
+          <a:p>
+            <a:pPr lvl="1"/>
+            <a:r>
+              <a:rPr lang="fr-FR" dirty="0" smtClean="0"/>
+              <a:t>Remplacer le html de la vue par la directive</a:t>
             </a:r>
           </a:p>
           <a:p>
@@ -7252,7 +7467,7 @@
         <p:spPr>
           <a:xfrm>
             <a:off x="827584" y="836712"/>
-            <a:ext cx="2763384" cy="646331"/>
+            <a:ext cx="3993401" cy="646331"/>
           </a:xfrm>
           <a:prstGeom prst="rect">
             <a:avLst/>
@@ -7267,7 +7482,11 @@
           <a:p>
             <a:r>
               <a:rPr lang="fr-FR" b="1" dirty="0" smtClean="0"/>
-              <a:t>Dynamiser la vue menu</a:t>
+              <a:t>Rajouter une directive </a:t>
+            </a:r>
+            <a:r>
+              <a:rPr lang="fr-FR" b="1" dirty="0" err="1" smtClean="0"/>
+              <a:t>fmDeliverTo</a:t>
             </a:r>
             <a:endParaRPr lang="fr-FR" b="1" dirty="0"/>
           </a:p>
@@ -7336,7 +7555,11 @@
             </a:r>
             <a:r>
               <a:rPr lang="fr-FR" noProof="0" dirty="0" smtClean="0"/>
-              <a:t> 20 </a:t>
+              <a:t> </a:t>
+            </a:r>
+            <a:r>
+              <a:rPr lang="fr-FR" noProof="0" dirty="0" smtClean="0"/>
+              <a:t>18 </a:t>
             </a:r>
             <a:endParaRPr lang="en-US" noProof="0" dirty="0"/>
           </a:p>
@@ -7373,7 +7596,7 @@
             <a:pPr lvl="1"/>
             <a:r>
               <a:rPr lang="fr-FR" dirty="0" smtClean="0"/>
-              <a:t>Les prix et les votes sont affichés sous forme de nombre</a:t>
+              <a:t>Une vue menu statique</a:t>
             </a:r>
           </a:p>
           <a:p>
@@ -7386,7 +7609,7 @@
             <a:pPr lvl="1"/>
             <a:r>
               <a:rPr lang="fr-FR" dirty="0" smtClean="0"/>
-              <a:t>Un filtre qui transforme ces valeurs en utilisant les symboles $ et ★</a:t>
+              <a:t>Dynamiser la vue avec les données réelles du serveur</a:t>
             </a:r>
           </a:p>
           <a:p>
@@ -7399,74 +7622,33 @@
             <a:pPr lvl="1"/>
             <a:r>
               <a:rPr lang="fr-FR" dirty="0" smtClean="0"/>
-              <a:t>Créer un filtre </a:t>
-            </a:r>
-            <a:r>
-              <a:rPr lang="fr-FR" b="1" dirty="0" smtClean="0"/>
-              <a:t>dollars</a:t>
-            </a:r>
-            <a:r>
-              <a:rPr lang="fr-FR" dirty="0" smtClean="0"/>
-              <a:t> (fichier </a:t>
+              <a:t>Récupérer les informations d’un restaurant à l’aide de la ressource Restaurant (pensez à utiliser $</a:t>
             </a:r>
             <a:r>
               <a:rPr lang="fr-FR" dirty="0" err="1" smtClean="0"/>
-              <a:t>dollar.js</a:t>
-            </a:r>
-            <a:r>
-              <a:rPr lang="fr-FR" dirty="0" smtClean="0"/>
-              <a:t>) qui retourne autant de ’$’ que le nombre filtré (ex: 2 -&gt; $$)</a:t>
-            </a:r>
-          </a:p>
-          <a:p>
-            <a:pPr lvl="1"/>
-            <a:r>
-              <a:rPr lang="fr-FR" dirty="0" smtClean="0"/>
-              <a:t>Créer un filtre </a:t>
-            </a:r>
-            <a:r>
-              <a:rPr lang="fr-FR" b="1" dirty="0" smtClean="0"/>
-              <a:t>stars</a:t>
-            </a:r>
-            <a:r>
-              <a:rPr lang="fr-FR" dirty="0" smtClean="0"/>
-              <a:t> </a:t>
-            </a:r>
-            <a:r>
-              <a:rPr lang="fr-FR" dirty="0"/>
-              <a:t>(</a:t>
-            </a:r>
-            <a:r>
-              <a:rPr lang="fr-FR" dirty="0" smtClean="0"/>
-              <a:t>fichier </a:t>
-            </a:r>
-            <a:r>
-              <a:rPr lang="fr-FR" dirty="0" err="1" smtClean="0"/>
-              <a:t>stars.js</a:t>
-            </a:r>
-            <a:r>
-              <a:rPr lang="fr-FR" dirty="0"/>
-              <a:t>) </a:t>
-            </a:r>
-            <a:r>
-              <a:rPr lang="fr-FR" dirty="0" smtClean="0"/>
-              <a:t>qui retourne autant de ’ ★’ que le nombre filtré (ex: 3 -&gt; ★★★)</a:t>
-            </a:r>
-          </a:p>
-          <a:p>
-            <a:pPr lvl="2"/>
-            <a:r>
-              <a:rPr lang="fr-FR" dirty="0" smtClean="0"/>
-              <a:t>Le caractère </a:t>
-            </a:r>
-            <a:r>
-              <a:rPr lang="fr-FR" dirty="0" err="1" smtClean="0"/>
-              <a:t>unicode</a:t>
-            </a:r>
-            <a:r>
-              <a:rPr lang="fr-FR" dirty="0" smtClean="0"/>
-              <a:t> de ★ est \u2605</a:t>
-            </a:r>
+              <a:t>routeParams</a:t>
+            </a:r>
+            <a:r>
+              <a:rPr lang="fr-FR" dirty="0" smtClean="0"/>
+              <a:t>)</a:t>
+            </a:r>
+          </a:p>
+          <a:p>
+            <a:pPr marL="914400" lvl="2" indent="0">
+              <a:buNone/>
+            </a:pPr>
+            <a:endParaRPr lang="fr-FR" dirty="0" smtClean="0"/>
+          </a:p>
+          <a:p>
+            <a:pPr lvl="1"/>
+            <a:r>
+              <a:rPr lang="fr-FR" dirty="0" smtClean="0"/>
+              <a:t>Dynamiser la vue à l’aide des données récupérées</a:t>
+            </a:r>
+          </a:p>
+          <a:p>
+            <a:pPr lvl="1"/>
+            <a:endParaRPr lang="fr-FR" dirty="0" smtClean="0"/>
           </a:p>
           <a:p>
             <a:pPr lvl="1"/>
@@ -7489,7 +7671,7 @@
         <p:spPr>
           <a:xfrm>
             <a:off x="827584" y="836712"/>
-            <a:ext cx="1865302" cy="646331"/>
+            <a:ext cx="2763384" cy="646331"/>
           </a:xfrm>
           <a:prstGeom prst="rect">
             <a:avLst/>
@@ -7504,15 +7686,7 @@
           <a:p>
             <a:r>
               <a:rPr lang="fr-FR" b="1" dirty="0" smtClean="0"/>
-              <a:t>Filtres ‘</a:t>
-            </a:r>
-            <a:r>
-              <a:rPr lang="en-US" dirty="0"/>
-              <a:t>★</a:t>
-            </a:r>
-            <a:r>
-              <a:rPr lang="fr-FR" b="1" dirty="0" smtClean="0"/>
-              <a:t>’ et ‘$’</a:t>
+              <a:t>Dynamiser la vue menu</a:t>
             </a:r>
             <a:endParaRPr lang="fr-FR" b="1" dirty="0"/>
           </a:p>
@@ -7837,7 +8011,15 @@
             </a:r>
             <a:r>
               <a:rPr lang="fr-FR" noProof="0" dirty="0" smtClean="0"/>
-              <a:t> 21 </a:t>
+              <a:t> </a:t>
+            </a:r>
+            <a:r>
+              <a:rPr lang="fr-FR" dirty="0" smtClean="0"/>
+              <a:t>19</a:t>
+            </a:r>
+            <a:r>
+              <a:rPr lang="fr-FR" noProof="0" dirty="0" smtClean="0"/>
+              <a:t> </a:t>
             </a:r>
             <a:endParaRPr lang="en-US" noProof="0" dirty="0"/>
           </a:p>
@@ -7861,7 +8043,7 @@
         </p:spPr>
         <p:txBody>
           <a:bodyPr>
-            <a:normAutofit fontScale="92500" lnSpcReduction="20000"/>
+            <a:normAutofit/>
           </a:bodyPr>
           <a:lstStyle/>
           <a:p>
@@ -7874,197 +8056,100 @@
             <a:pPr lvl="1"/>
             <a:r>
               <a:rPr lang="fr-FR" dirty="0" smtClean="0"/>
-              <a:t>Des filtres pour visualiser des </a:t>
+              <a:t>Les prix et les votes sont affichés sous forme de nombre</a:t>
+            </a:r>
+          </a:p>
+          <a:p>
+            <a:r>
+              <a:rPr lang="fr-FR" dirty="0" smtClean="0"/>
+              <a:t>Ce que l’on veut</a:t>
+            </a:r>
+          </a:p>
+          <a:p>
+            <a:pPr lvl="1"/>
+            <a:r>
+              <a:rPr lang="fr-FR" dirty="0" smtClean="0"/>
+              <a:t>Un filtre qui transforme ces valeurs en utilisant les symboles $ et ★</a:t>
+            </a:r>
+          </a:p>
+          <a:p>
+            <a:r>
+              <a:rPr lang="fr-FR" dirty="0" smtClean="0"/>
+              <a:t>Comment on fait ?</a:t>
+            </a:r>
+          </a:p>
+          <a:p>
+            <a:pPr lvl="1"/>
+            <a:r>
+              <a:rPr lang="fr-FR" dirty="0" smtClean="0"/>
+              <a:t>Créer un filtre </a:t>
+            </a:r>
+            <a:r>
+              <a:rPr lang="fr-FR" b="1" dirty="0" smtClean="0"/>
+              <a:t>dollars</a:t>
+            </a:r>
+            <a:r>
+              <a:rPr lang="fr-FR" dirty="0" smtClean="0"/>
+              <a:t> (fichier </a:t>
+            </a:r>
+            <a:r>
+              <a:rPr lang="fr-FR" dirty="0" err="1" smtClean="0"/>
+              <a:t>dollar.js</a:t>
+            </a:r>
+            <a:r>
+              <a:rPr lang="fr-FR" dirty="0" smtClean="0"/>
+              <a:t>) qui retourne autant de ’$’ que le nombre filtré (ex: 2 -&gt; $$)</a:t>
+            </a:r>
+          </a:p>
+          <a:p>
+            <a:pPr lvl="1"/>
+            <a:r>
+              <a:rPr lang="fr-FR" dirty="0" smtClean="0"/>
+              <a:t>Créer un filtre </a:t>
+            </a:r>
+            <a:r>
+              <a:rPr lang="fr-FR" b="1" dirty="0" smtClean="0"/>
+              <a:t>stars</a:t>
+            </a:r>
+            <a:r>
+              <a:rPr lang="fr-FR" dirty="0" smtClean="0"/>
+              <a:t> </a:t>
             </a:r>
             <a:r>
               <a:rPr lang="fr-FR" dirty="0"/>
-              <a:t>‘</a:t>
-            </a:r>
-            <a:r>
-              <a:rPr lang="en-US" dirty="0"/>
-              <a:t>★</a:t>
+              <a:t>(</a:t>
+            </a:r>
+            <a:r>
+              <a:rPr lang="fr-FR" dirty="0" smtClean="0"/>
+              <a:t>fichier </a:t>
+            </a:r>
+            <a:r>
+              <a:rPr lang="fr-FR" dirty="0" err="1" smtClean="0"/>
+              <a:t>stars.js</a:t>
             </a:r>
             <a:r>
               <a:rPr lang="fr-FR" dirty="0"/>
-              <a:t>’ et ‘$</a:t>
-            </a:r>
-            <a:r>
-              <a:rPr lang="fr-FR" dirty="0" smtClean="0"/>
-              <a:t>’ </a:t>
-            </a:r>
-          </a:p>
-          <a:p>
-            <a:r>
-              <a:rPr lang="fr-FR" dirty="0" smtClean="0"/>
-              <a:t>Ce que l’on veut</a:t>
-            </a:r>
-          </a:p>
-          <a:p>
-            <a:pPr lvl="1"/>
-            <a:r>
-              <a:rPr lang="fr-FR" dirty="0" smtClean="0"/>
-              <a:t>Utiliser une directive pour permettre le </a:t>
+              <a:t>) </a:t>
+            </a:r>
+            <a:r>
+              <a:rPr lang="fr-FR" dirty="0" smtClean="0"/>
+              <a:t>qui retourne autant de ’ ★’ que le nombre filtré (ex: 3 -&gt; ★★★)</a:t>
+            </a:r>
+          </a:p>
+          <a:p>
+            <a:pPr lvl="2"/>
+            <a:r>
+              <a:rPr lang="fr-FR" dirty="0" smtClean="0"/>
+              <a:t>Le caractère </a:t>
             </a:r>
             <a:r>
               <a:rPr lang="fr-FR" dirty="0" err="1" smtClean="0"/>
-              <a:t>databinding</a:t>
-            </a:r>
-            <a:r>
-              <a:rPr lang="fr-FR" dirty="0" smtClean="0"/>
-              <a:t> bidirectionnel</a:t>
-            </a:r>
-          </a:p>
-          <a:p>
-            <a:r>
-              <a:rPr lang="fr-FR" dirty="0" smtClean="0"/>
-              <a:t>Comment on fait ?</a:t>
-            </a:r>
-          </a:p>
-          <a:p>
-            <a:pPr lvl="1"/>
-            <a:r>
-              <a:rPr lang="fr-FR" dirty="0" smtClean="0"/>
-              <a:t>Créer le fichier </a:t>
-            </a:r>
-            <a:r>
-              <a:rPr lang="fr-FR" dirty="0" err="1" smtClean="0"/>
-              <a:t>fmRating.js</a:t>
-            </a:r>
-            <a:r>
-              <a:rPr lang="fr-FR" dirty="0" smtClean="0"/>
-              <a:t> et l’importer à la place des filtres</a:t>
-            </a:r>
-          </a:p>
-          <a:p>
-            <a:pPr lvl="1"/>
-            <a:r>
-              <a:rPr lang="fr-FR" dirty="0" smtClean="0"/>
-              <a:t>Rajouter sur le </a:t>
-            </a:r>
-            <a:r>
-              <a:rPr lang="fr-FR" dirty="0" err="1" smtClean="0"/>
-              <a:t>RestaurantController</a:t>
-            </a:r>
-            <a:r>
-              <a:rPr lang="fr-FR" dirty="0" smtClean="0"/>
-              <a:t> un objet de filtre avec les propriétés :</a:t>
-            </a:r>
-          </a:p>
-          <a:p>
-            <a:pPr lvl="2"/>
-            <a:r>
-              <a:rPr lang="fr-FR" dirty="0"/>
-              <a:t>c</a:t>
-            </a:r>
-            <a:r>
-              <a:rPr lang="fr-FR" dirty="0" smtClean="0"/>
-              <a:t>uisine</a:t>
-            </a:r>
-          </a:p>
-          <a:p>
-            <a:pPr lvl="2"/>
-            <a:r>
-              <a:rPr lang="fr-FR" dirty="0" err="1"/>
-              <a:t>p</a:t>
-            </a:r>
-            <a:r>
-              <a:rPr lang="fr-FR" dirty="0" err="1" smtClean="0"/>
-              <a:t>rice</a:t>
-            </a:r>
-            <a:endParaRPr lang="fr-FR" dirty="0" smtClean="0"/>
-          </a:p>
-          <a:p>
-            <a:pPr lvl="2"/>
-            <a:r>
-              <a:rPr lang="fr-FR" dirty="0" smtClean="0"/>
-              <a:t>rating</a:t>
-            </a:r>
-          </a:p>
-          <a:p>
-            <a:pPr lvl="1"/>
-            <a:r>
-              <a:rPr lang="fr-FR" dirty="0" smtClean="0"/>
-              <a:t>Dans la directive</a:t>
-            </a:r>
-          </a:p>
-          <a:p>
-            <a:pPr lvl="2"/>
-            <a:r>
-              <a:rPr lang="fr-FR" dirty="0" smtClean="0"/>
-              <a:t>Créer un scope isolé avec </a:t>
-            </a:r>
-            <a:r>
-              <a:rPr lang="fr-FR" dirty="0" err="1" smtClean="0"/>
-              <a:t>symbol</a:t>
-            </a:r>
-            <a:r>
-              <a:rPr lang="fr-FR" dirty="0" smtClean="0"/>
-              <a:t>, max et </a:t>
-            </a:r>
-            <a:r>
-              <a:rPr lang="fr-FR" dirty="0" err="1" smtClean="0"/>
-              <a:t>readonly</a:t>
-            </a:r>
-            <a:endParaRPr lang="fr-FR" dirty="0" smtClean="0"/>
-          </a:p>
-          <a:p>
-            <a:pPr lvl="2"/>
-            <a:r>
-              <a:rPr lang="fr-FR" dirty="0" smtClean="0"/>
-              <a:t>Setter  max et </a:t>
-            </a:r>
-            <a:r>
-              <a:rPr lang="fr-FR" dirty="0" err="1" smtClean="0"/>
-              <a:t>symbol</a:t>
-            </a:r>
-            <a:r>
-              <a:rPr lang="fr-FR" dirty="0" smtClean="0"/>
-              <a:t> par défaut</a:t>
-            </a:r>
-          </a:p>
-          <a:p>
-            <a:pPr lvl="2"/>
-            <a:r>
-              <a:rPr lang="fr-FR" dirty="0" smtClean="0"/>
-              <a:t>Utiliser le </a:t>
-            </a:r>
-            <a:r>
-              <a:rPr lang="fr-FR" dirty="0" err="1" smtClean="0"/>
-              <a:t>template</a:t>
-            </a:r>
-            <a:r>
-              <a:rPr lang="fr-FR" dirty="0" smtClean="0"/>
-              <a:t> </a:t>
-            </a:r>
-            <a:r>
-              <a:rPr lang="en-US" dirty="0" err="1" smtClean="0"/>
-              <a:t>fmRating.html</a:t>
-            </a:r>
-            <a:endParaRPr lang="en-US" dirty="0" smtClean="0"/>
-          </a:p>
-          <a:p>
-            <a:pPr lvl="2"/>
-            <a:r>
-              <a:rPr lang="fr-FR" dirty="0" smtClean="0"/>
-              <a:t>I</a:t>
-            </a:r>
-            <a:r>
-              <a:rPr lang="en-US" dirty="0" err="1" smtClean="0"/>
-              <a:t>mpleménter</a:t>
-            </a:r>
-            <a:r>
-              <a:rPr lang="en-US" dirty="0" smtClean="0"/>
-              <a:t> les </a:t>
-            </a:r>
-            <a:r>
-              <a:rPr lang="en-US" dirty="0" err="1" smtClean="0"/>
-              <a:t>méthodes</a:t>
-            </a:r>
-            <a:r>
-              <a:rPr lang="en-US" dirty="0" smtClean="0"/>
-              <a:t> enter, leave et select</a:t>
-            </a:r>
-            <a:endParaRPr lang="fr-FR" dirty="0" smtClean="0"/>
+              <a:t>unicode</a:t>
+            </a:r>
+            <a:r>
+              <a:rPr lang="fr-FR" dirty="0" smtClean="0"/>
+              <a:t> de ★ est \u2605</a:t>
+            </a:r>
           </a:p>
           <a:p>
             <a:pPr lvl="1"/>
@@ -8087,7 +8172,7 @@
         <p:spPr>
           <a:xfrm>
             <a:off x="827584" y="836712"/>
-            <a:ext cx="2224174" cy="646331"/>
+            <a:ext cx="1865302" cy="646331"/>
           </a:xfrm>
           <a:prstGeom prst="rect">
             <a:avLst/>
@@ -8102,11 +8187,15 @@
           <a:p>
             <a:r>
               <a:rPr lang="fr-FR" b="1" dirty="0" smtClean="0"/>
-              <a:t>Directive </a:t>
-            </a:r>
-            <a:r>
-              <a:rPr lang="fr-FR" b="1" dirty="0" err="1" smtClean="0"/>
-              <a:t>fmRating</a:t>
+              <a:t>Filtres ‘</a:t>
+            </a:r>
+            <a:r>
+              <a:rPr lang="en-US" dirty="0"/>
+              <a:t>★</a:t>
+            </a:r>
+            <a:r>
+              <a:rPr lang="fr-FR" b="1" dirty="0" smtClean="0"/>
+              <a:t>’ et ‘$’</a:t>
             </a:r>
             <a:endParaRPr lang="fr-FR" b="1" dirty="0"/>
           </a:p>
@@ -8175,7 +8264,11 @@
             </a:r>
             <a:r>
               <a:rPr lang="fr-FR" noProof="0" dirty="0" smtClean="0"/>
-              <a:t> 22 </a:t>
+              <a:t> </a:t>
+            </a:r>
+            <a:r>
+              <a:rPr lang="fr-FR" noProof="0" dirty="0" smtClean="0"/>
+              <a:t>20 </a:t>
             </a:r>
             <a:endParaRPr lang="en-US" noProof="0" dirty="0"/>
           </a:p>
@@ -8199,7 +8292,7 @@
         </p:spPr>
         <p:txBody>
           <a:bodyPr>
-            <a:normAutofit/>
+            <a:normAutofit fontScale="92500" lnSpcReduction="20000"/>
           </a:bodyPr>
           <a:lstStyle/>
           <a:p>
@@ -8212,7 +8305,23 @@
             <a:pPr lvl="1"/>
             <a:r>
               <a:rPr lang="fr-FR" dirty="0" smtClean="0"/>
-              <a:t>Des filtres qui ne filtrent pas</a:t>
+              <a:t>Des filtres pour visualiser des </a:t>
+            </a:r>
+            <a:r>
+              <a:rPr lang="fr-FR" dirty="0"/>
+              <a:t>‘</a:t>
+            </a:r>
+            <a:r>
+              <a:rPr lang="en-US" dirty="0"/>
+              <a:t>★</a:t>
+            </a:r>
+            <a:r>
+              <a:rPr lang="fr-FR" dirty="0"/>
+              <a:t>’ et ‘$</a:t>
+            </a:r>
+            <a:r>
+              <a:rPr lang="fr-FR" dirty="0" smtClean="0"/>
+              <a:t>’ </a:t>
             </a:r>
           </a:p>
           <a:p>
@@ -8225,7 +8334,15 @@
             <a:pPr lvl="1"/>
             <a:r>
               <a:rPr lang="fr-FR" dirty="0" smtClean="0"/>
-              <a:t>Pouvoir filtrer la liste des restaurants</a:t>
+              <a:t>Utiliser une directive pour permettre le </a:t>
+            </a:r>
+            <a:r>
+              <a:rPr lang="fr-FR" dirty="0" err="1" smtClean="0"/>
+              <a:t>databinding</a:t>
+            </a:r>
+            <a:r>
+              <a:rPr lang="fr-FR" dirty="0" smtClean="0"/>
+              <a:t> bidirectionnel</a:t>
             </a:r>
           </a:p>
           <a:p>
@@ -8238,59 +8355,146 @@
             <a:pPr lvl="1"/>
             <a:r>
               <a:rPr lang="fr-FR" dirty="0" smtClean="0"/>
-              <a:t>Faire un </a:t>
-            </a:r>
-            <a:r>
-              <a:rPr lang="fr-FR" b="1" dirty="0" err="1" smtClean="0"/>
-              <a:t>watch</a:t>
-            </a:r>
-            <a:r>
-              <a:rPr lang="fr-FR" dirty="0" smtClean="0"/>
-              <a:t> sur l’objet </a:t>
+              <a:t>Créer le fichier </a:t>
             </a:r>
             <a:r>
               <a:rPr lang="fr-FR" dirty="0" err="1" smtClean="0"/>
-              <a:t>filter</a:t>
+              <a:t>fmRating.js</a:t>
+            </a:r>
+            <a:r>
+              <a:rPr lang="fr-FR" dirty="0" smtClean="0"/>
+              <a:t> et l’importer à la place des filtres</a:t>
+            </a:r>
+          </a:p>
+          <a:p>
+            <a:pPr lvl="1"/>
+            <a:r>
+              <a:rPr lang="fr-FR" dirty="0" smtClean="0"/>
+              <a:t>Rajouter sur le </a:t>
+            </a:r>
+            <a:r>
+              <a:rPr lang="fr-FR" dirty="0" err="1" smtClean="0"/>
+              <a:t>RestaurantController</a:t>
+            </a:r>
+            <a:r>
+              <a:rPr lang="fr-FR" dirty="0" smtClean="0"/>
+              <a:t> un objet de filtre avec les propriétés :</a:t>
+            </a:r>
+          </a:p>
+          <a:p>
+            <a:pPr lvl="2"/>
+            <a:r>
+              <a:rPr lang="fr-FR" dirty="0"/>
+              <a:t>c</a:t>
+            </a:r>
+            <a:r>
+              <a:rPr lang="fr-FR" dirty="0" smtClean="0"/>
+              <a:t>uisine</a:t>
+            </a:r>
+          </a:p>
+          <a:p>
+            <a:pPr lvl="2"/>
+            <a:r>
+              <a:rPr lang="fr-FR" dirty="0" err="1"/>
+              <a:t>p</a:t>
+            </a:r>
+            <a:r>
+              <a:rPr lang="fr-FR" dirty="0" err="1" smtClean="0"/>
+              <a:t>rice</a:t>
             </a:r>
             <a:endParaRPr lang="fr-FR" dirty="0" smtClean="0"/>
           </a:p>
           <a:p>
-            <a:pPr lvl="1"/>
-            <a:r>
-              <a:rPr lang="fr-FR" dirty="0" smtClean="0"/>
-              <a:t>Implémenter la fonction de filtre pour retourner un sous-ensemble de restaurants</a:t>
-            </a:r>
-          </a:p>
-          <a:p>
             <a:pPr lvl="2"/>
             <a:r>
               <a:rPr lang="fr-FR" dirty="0" smtClean="0"/>
-              <a:t>Collection initiales dans </a:t>
+              <a:t>rating</a:t>
+            </a:r>
+          </a:p>
+          <a:p>
+            <a:pPr lvl="1"/>
+            <a:r>
+              <a:rPr lang="fr-FR" dirty="0" smtClean="0"/>
+              <a:t>Dans la directive</a:t>
+            </a:r>
+          </a:p>
+          <a:p>
+            <a:pPr lvl="2"/>
+            <a:r>
+              <a:rPr lang="fr-FR" dirty="0" smtClean="0"/>
+              <a:t>Créer un scope isolé avec </a:t>
             </a:r>
             <a:r>
               <a:rPr lang="fr-FR" dirty="0" err="1" smtClean="0"/>
-              <a:t>allRestaurants</a:t>
+              <a:t>symbol</a:t>
+            </a:r>
+            <a:r>
+              <a:rPr lang="fr-FR" dirty="0" smtClean="0"/>
+              <a:t>, max et </a:t>
+            </a:r>
+            <a:r>
+              <a:rPr lang="fr-FR" dirty="0" err="1" smtClean="0"/>
+              <a:t>readonly</a:t>
             </a:r>
             <a:endParaRPr lang="fr-FR" dirty="0" smtClean="0"/>
           </a:p>
           <a:p>
             <a:pPr lvl="2"/>
             <a:r>
+              <a:rPr lang="fr-FR" dirty="0" smtClean="0"/>
+              <a:t>Setter  max et </a:t>
+            </a:r>
+            <a:r>
               <a:rPr lang="fr-FR" dirty="0" err="1" smtClean="0"/>
-              <a:t>Angular.forEach</a:t>
-            </a:r>
-            <a:r>
-              <a:rPr lang="fr-FR" dirty="0" smtClean="0"/>
-              <a:t>() pour mettre à jour $</a:t>
+              <a:t>symbol</a:t>
+            </a:r>
+            <a:r>
+              <a:rPr lang="fr-FR" dirty="0" smtClean="0"/>
+              <a:t> par défaut</a:t>
+            </a:r>
+          </a:p>
+          <a:p>
+            <a:pPr lvl="2"/>
+            <a:r>
+              <a:rPr lang="fr-FR" dirty="0" smtClean="0"/>
+              <a:t>Utiliser le </a:t>
             </a:r>
             <a:r>
               <a:rPr lang="fr-FR" dirty="0" err="1" smtClean="0"/>
-              <a:t>scope.restaurants</a:t>
-            </a:r>
-            <a:endParaRPr lang="fr-FR" dirty="0" smtClean="0"/>
-          </a:p>
-          <a:p>
-            <a:pPr lvl="1"/>
+              <a:t>template</a:t>
+            </a:r>
+            <a:r>
+              <a:rPr lang="fr-FR" dirty="0" smtClean="0"/>
+              <a:t> </a:t>
+            </a:r>
+            <a:r>
+              <a:rPr lang="en-US" dirty="0" err="1" smtClean="0"/>
+              <a:t>fmRating.html</a:t>
+            </a:r>
+            <a:endParaRPr lang="en-US" dirty="0" smtClean="0"/>
+          </a:p>
+          <a:p>
+            <a:pPr lvl="2"/>
+            <a:r>
+              <a:rPr lang="fr-FR" dirty="0" smtClean="0"/>
+              <a:t>I</a:t>
+            </a:r>
+            <a:r>
+              <a:rPr lang="en-US" dirty="0" err="1" smtClean="0"/>
+              <a:t>mpleménter</a:t>
+            </a:r>
+            <a:r>
+              <a:rPr lang="en-US" dirty="0" smtClean="0"/>
+              <a:t> les </a:t>
+            </a:r>
+            <a:r>
+              <a:rPr lang="en-US" dirty="0" err="1" smtClean="0"/>
+              <a:t>méthodes</a:t>
+            </a:r>
+            <a:r>
+              <a:rPr lang="en-US" dirty="0" smtClean="0"/>
+              <a:t> enter, leave et select</a:t>
+            </a:r>
             <a:endParaRPr lang="fr-FR" dirty="0" smtClean="0"/>
           </a:p>
           <a:p>
@@ -8314,7 +8518,7 @@
         <p:spPr>
           <a:xfrm>
             <a:off x="827584" y="836712"/>
-            <a:ext cx="2237136" cy="369332"/>
+            <a:ext cx="2224174" cy="646331"/>
           </a:xfrm>
           <a:prstGeom prst="rect">
             <a:avLst/>
@@ -8329,8 +8533,15 @@
           <a:p>
             <a:r>
               <a:rPr lang="fr-FR" b="1" dirty="0" smtClean="0"/>
-              <a:t>Filtrer les données</a:t>
-            </a:r>
+              <a:t>Directive </a:t>
+            </a:r>
+            <a:r>
+              <a:rPr lang="fr-FR" b="1" dirty="0" err="1" smtClean="0"/>
+              <a:t>fmRating</a:t>
+            </a:r>
+            <a:endParaRPr lang="fr-FR" b="1" dirty="0"/>
+          </a:p>
+          <a:p>
             <a:endParaRPr lang="fr-FR" dirty="0"/>
           </a:p>
         </p:txBody>
@@ -8395,7 +8606,11 @@
             </a:r>
             <a:r>
               <a:rPr lang="fr-FR" noProof="0" dirty="0" smtClean="0"/>
-              <a:t> 23 </a:t>
+              <a:t> </a:t>
+            </a:r>
+            <a:r>
+              <a:rPr lang="fr-FR" noProof="0" dirty="0" smtClean="0"/>
+              <a:t>21</a:t>
             </a:r>
             <a:endParaRPr lang="en-US" noProof="0" dirty="0"/>
           </a:p>
@@ -8432,7 +8647,7 @@
             <a:pPr lvl="1"/>
             <a:r>
               <a:rPr lang="fr-FR" dirty="0" smtClean="0"/>
-              <a:t>Une liste statique de type cuisine</a:t>
+              <a:t>Des filtres qui ne filtrent pas</a:t>
             </a:r>
           </a:p>
           <a:p>
@@ -8445,11 +8660,8 @@
             <a:pPr lvl="1"/>
             <a:r>
               <a:rPr lang="fr-FR" dirty="0" smtClean="0"/>
-              <a:t>Une liste dynamique</a:t>
-            </a:r>
-          </a:p>
-          <a:p>
-            <a:endParaRPr lang="fr-FR" dirty="0"/>
+              <a:t>Pouvoir filtrer la liste des restaurants</a:t>
+            </a:r>
           </a:p>
           <a:p>
             <a:r>
@@ -8461,8 +8673,56 @@
             <a:pPr lvl="1"/>
             <a:r>
               <a:rPr lang="fr-FR" dirty="0" smtClean="0"/>
-              <a:t>?????</a:t>
-            </a:r>
+              <a:t>Faire un </a:t>
+            </a:r>
+            <a:r>
+              <a:rPr lang="fr-FR" b="1" dirty="0" err="1" smtClean="0"/>
+              <a:t>watch</a:t>
+            </a:r>
+            <a:r>
+              <a:rPr lang="fr-FR" dirty="0" smtClean="0"/>
+              <a:t> sur l’objet </a:t>
+            </a:r>
+            <a:r>
+              <a:rPr lang="fr-FR" dirty="0" err="1" smtClean="0"/>
+              <a:t>filter</a:t>
+            </a:r>
+            <a:endParaRPr lang="fr-FR" dirty="0" smtClean="0"/>
+          </a:p>
+          <a:p>
+            <a:pPr lvl="1"/>
+            <a:r>
+              <a:rPr lang="fr-FR" dirty="0" smtClean="0"/>
+              <a:t>Implémenter la fonction de filtre pour retourner un sous-ensemble de restaurants</a:t>
+            </a:r>
+          </a:p>
+          <a:p>
+            <a:pPr lvl="2"/>
+            <a:r>
+              <a:rPr lang="fr-FR" dirty="0" smtClean="0"/>
+              <a:t>Collection initiales dans </a:t>
+            </a:r>
+            <a:r>
+              <a:rPr lang="fr-FR" dirty="0" err="1" smtClean="0"/>
+              <a:t>allRestaurants</a:t>
+            </a:r>
+            <a:endParaRPr lang="fr-FR" dirty="0" smtClean="0"/>
+          </a:p>
+          <a:p>
+            <a:pPr lvl="2"/>
+            <a:r>
+              <a:rPr lang="fr-FR" dirty="0" err="1" smtClean="0"/>
+              <a:t>Angular.forEach</a:t>
+            </a:r>
+            <a:r>
+              <a:rPr lang="fr-FR" dirty="0" smtClean="0"/>
+              <a:t>() pour mettre à jour $</a:t>
+            </a:r>
+            <a:r>
+              <a:rPr lang="fr-FR" dirty="0" err="1" smtClean="0"/>
+              <a:t>scope.restaurants</a:t>
+            </a:r>
+            <a:endParaRPr lang="fr-FR" dirty="0" smtClean="0"/>
           </a:p>
           <a:p>
             <a:pPr lvl="1"/>
@@ -8489,7 +8749,7 @@
         <p:spPr>
           <a:xfrm>
             <a:off x="827584" y="836712"/>
-            <a:ext cx="3019689" cy="646331"/>
+            <a:ext cx="2237136" cy="369332"/>
           </a:xfrm>
           <a:prstGeom prst="rect">
             <a:avLst/>
@@ -8504,19 +8764,8 @@
           <a:p>
             <a:r>
               <a:rPr lang="fr-FR" b="1" dirty="0" smtClean="0"/>
-              <a:t>Directive </a:t>
-            </a:r>
-            <a:r>
-              <a:rPr lang="hu-HU" b="1" dirty="0"/>
-              <a:t>fmCheckboxList</a:t>
-            </a:r>
-            <a:r>
-              <a:rPr lang="fr-FR" b="1" dirty="0" smtClean="0"/>
-              <a:t> </a:t>
-            </a:r>
-            <a:endParaRPr lang="fr-FR" b="1" dirty="0"/>
-          </a:p>
-          <a:p>
+              <a:t>Filtrer les données</a:t>
+            </a:r>
             <a:endParaRPr lang="fr-FR" dirty="0"/>
           </a:p>
         </p:txBody>
@@ -8581,7 +8830,11 @@
             </a:r>
             <a:r>
               <a:rPr lang="fr-FR" noProof="0" dirty="0" smtClean="0"/>
-              <a:t> 24 </a:t>
+              <a:t> </a:t>
+            </a:r>
+            <a:r>
+              <a:rPr lang="fr-FR" noProof="0" dirty="0" smtClean="0"/>
+              <a:t>22 </a:t>
             </a:r>
             <a:endParaRPr lang="en-US" noProof="0" dirty="0"/>
           </a:p>
@@ -8605,7 +8858,7 @@
         </p:spPr>
         <p:txBody>
           <a:bodyPr>
-            <a:normAutofit lnSpcReduction="10000"/>
+            <a:normAutofit/>
           </a:bodyPr>
           <a:lstStyle/>
           <a:p>
@@ -8618,7 +8871,7 @@
             <a:pPr lvl="1"/>
             <a:r>
               <a:rPr lang="fr-FR" dirty="0" smtClean="0"/>
-              <a:t>La liste de restaurant est affichée toujours dans le même ordre</a:t>
+              <a:t>Une liste statique de type cuisine</a:t>
             </a:r>
           </a:p>
           <a:p>
@@ -8631,8 +8884,11 @@
             <a:pPr lvl="1"/>
             <a:r>
               <a:rPr lang="fr-FR" dirty="0" smtClean="0"/>
-              <a:t>Pouvoir trier la liste</a:t>
-            </a:r>
+              <a:t>Une liste dynamique</a:t>
+            </a:r>
+          </a:p>
+          <a:p>
+            <a:endParaRPr lang="fr-FR" dirty="0"/>
           </a:p>
           <a:p>
             <a:r>
@@ -8644,147 +8900,105 @@
             <a:pPr lvl="1"/>
             <a:r>
               <a:rPr lang="fr-FR" dirty="0" smtClean="0"/>
-              <a:t>Dans le </a:t>
+              <a:t>Dans le sens </a:t>
+            </a:r>
+            <a:r>
+              <a:rPr lang="en-US" dirty="0"/>
+              <a:t>model -&gt; </a:t>
+            </a:r>
+            <a:r>
+              <a:rPr lang="en-US" dirty="0" smtClean="0"/>
+              <a:t>view en </a:t>
+            </a:r>
+            <a:r>
+              <a:rPr lang="en-US" dirty="0" err="1" smtClean="0"/>
+              <a:t>implémentant</a:t>
+            </a:r>
+            <a:r>
+              <a:rPr lang="en-US" dirty="0" smtClean="0"/>
+              <a:t> la </a:t>
+            </a:r>
+            <a:r>
+              <a:rPr lang="en-US" dirty="0" err="1" smtClean="0"/>
+              <a:t>méthode</a:t>
+            </a:r>
+            <a:r>
+              <a:rPr lang="en-US" dirty="0" smtClean="0"/>
+              <a:t> </a:t>
+            </a:r>
+            <a:r>
+              <a:rPr lang="fr-FR" b="1" dirty="0" err="1"/>
+              <a:t>ngModel</a:t>
+            </a:r>
+            <a:r>
+              <a:rPr lang="fr-FR" b="1" dirty="0"/>
+              <a:t>.$</a:t>
+            </a:r>
+            <a:r>
+              <a:rPr lang="fr-FR" b="1" dirty="0" err="1" smtClean="0"/>
+              <a:t>render</a:t>
+            </a:r>
+            <a:r>
+              <a:rPr lang="fr-FR" dirty="0" smtClean="0"/>
+              <a:t> et avec </a:t>
+            </a:r>
+            <a:r>
+              <a:rPr lang="fi-FI" b="1" dirty="0" err="1"/>
+              <a:t>ngModel.$</a:t>
+            </a:r>
+            <a:r>
+              <a:rPr lang="fi-FI" b="1" dirty="0" err="1" smtClean="0"/>
+              <a:t>modelValue</a:t>
+            </a:r>
+            <a:endParaRPr lang="fi-FI" b="1" dirty="0" smtClean="0"/>
+          </a:p>
+          <a:p>
+            <a:pPr lvl="1"/>
+            <a:r>
+              <a:rPr lang="fi-FI" dirty="0" err="1" smtClean="0"/>
+              <a:t>Dans</a:t>
+            </a:r>
+            <a:r>
+              <a:rPr lang="fi-FI" dirty="0" smtClean="0"/>
+              <a:t> le</a:t>
+            </a:r>
+            <a:r>
+              <a:rPr lang="fr-FR" dirty="0" smtClean="0"/>
+              <a:t>	sens </a:t>
             </a:r>
             <a:r>
               <a:rPr lang="fr-FR" dirty="0" err="1" smtClean="0"/>
-              <a:t>RestaurantController</a:t>
-            </a:r>
-            <a:endParaRPr lang="fr-FR" dirty="0" smtClean="0"/>
-          </a:p>
-          <a:p>
-            <a:pPr lvl="2"/>
-            <a:r>
-              <a:rPr lang="fr-FR" dirty="0" smtClean="0"/>
-              <a:t>Rajouter </a:t>
-            </a:r>
-            <a:r>
-              <a:rPr lang="fr-FR" dirty="0" err="1" smtClean="0"/>
-              <a:t>sortBy</a:t>
-            </a:r>
-            <a:r>
-              <a:rPr lang="fr-FR" dirty="0" smtClean="0"/>
+              <a:t>view</a:t>
+            </a:r>
+            <a:r>
+              <a:rPr lang="fr-FR" dirty="0" smtClean="0"/>
+              <a:t> -&gt; model  en appelant la méthode </a:t>
+            </a:r>
+            <a:r>
+              <a:rPr lang="en-US" b="1" dirty="0" err="1"/>
+              <a:t>ngModel</a:t>
+            </a:r>
+            <a:r>
+              <a:rPr lang="en-US" b="1" dirty="0"/>
+              <a:t>.$</a:t>
+            </a:r>
+            <a:r>
+              <a:rPr lang="en-US" b="1" dirty="0" err="1" smtClean="0"/>
+              <a:t>setViewValue</a:t>
+            </a:r>
+            <a:r>
+              <a:rPr lang="en-US" b="1" dirty="0" smtClean="0"/>
               <a:t> </a:t>
             </a:r>
             <a:r>
-              <a:rPr lang="fr-FR" dirty="0"/>
-              <a:t>et </a:t>
-            </a:r>
-            <a:r>
-              <a:rPr lang="fr-FR" dirty="0" err="1" smtClean="0"/>
-              <a:t>sortAsc</a:t>
-            </a:r>
-            <a:r>
-              <a:rPr lang="fr-FR" dirty="0" smtClean="0"/>
-              <a:t> sur l’objet </a:t>
-            </a:r>
-            <a:r>
-              <a:rPr lang="fr-FR" dirty="0" err="1" smtClean="0"/>
-              <a:t>filter</a:t>
-            </a:r>
-            <a:endParaRPr lang="fr-FR" dirty="0" smtClean="0"/>
-          </a:p>
-          <a:p>
-            <a:pPr lvl="2"/>
-            <a:r>
-              <a:rPr lang="fr-FR" dirty="0" smtClean="0"/>
-              <a:t>Implémenter </a:t>
-            </a:r>
-            <a:r>
-              <a:rPr lang="fr-FR" dirty="0"/>
-              <a:t>la fonction </a:t>
-            </a:r>
-            <a:r>
-              <a:rPr lang="fr-FR" dirty="0" err="1" smtClean="0"/>
-              <a:t>sortBy</a:t>
-            </a:r>
-            <a:r>
-              <a:rPr lang="fr-FR" dirty="0" smtClean="0"/>
-              <a:t> qui met à jour les valeurs de tri en fonction de la clé passée</a:t>
-            </a:r>
-          </a:p>
-          <a:p>
-            <a:pPr lvl="2"/>
-            <a:r>
-              <a:rPr lang="fr-FR" dirty="0" smtClean="0"/>
-              <a:t>Implémenter </a:t>
-            </a:r>
-            <a:r>
-              <a:rPr lang="fr-FR" dirty="0"/>
-              <a:t>la fonction </a:t>
-            </a:r>
-            <a:r>
-              <a:rPr lang="fr-FR" dirty="0" err="1" smtClean="0"/>
-              <a:t>sortIconFor</a:t>
-            </a:r>
-            <a:r>
-              <a:rPr lang="fr-FR" dirty="0" smtClean="0"/>
-              <a:t> qui retourne </a:t>
-            </a:r>
-            <a:r>
-              <a:rPr lang="fr-FR" dirty="0" err="1" smtClean="0"/>
-              <a:t>l’ic</a:t>
-            </a:r>
-            <a:r>
-              <a:rPr lang="sk-SK" dirty="0" smtClean="0"/>
-              <a:t>ô</a:t>
-            </a:r>
-            <a:r>
-              <a:rPr lang="fr-FR" dirty="0" smtClean="0"/>
-              <a:t>ne de tri en fonction de la clé</a:t>
-            </a:r>
-          </a:p>
-          <a:p>
-            <a:pPr lvl="2"/>
-            <a:r>
-              <a:rPr lang="fr-FR" dirty="0" smtClean="0"/>
-              <a:t>Rajouter dans la fonction </a:t>
-            </a:r>
-            <a:r>
-              <a:rPr lang="cs-CZ" dirty="0" err="1" smtClean="0"/>
-              <a:t>filterAndSortRestaurants</a:t>
-            </a:r>
-            <a:r>
-              <a:rPr lang="cs-CZ" dirty="0" smtClean="0"/>
-              <a:t> </a:t>
-            </a:r>
-            <a:r>
-              <a:rPr lang="cs-CZ" dirty="0" err="1" smtClean="0"/>
-              <a:t>l‘implémentation</a:t>
-            </a:r>
-            <a:r>
-              <a:rPr lang="cs-CZ" dirty="0" smtClean="0"/>
-              <a:t> </a:t>
-            </a:r>
-            <a:r>
-              <a:rPr lang="cs-CZ" dirty="0" err="1" smtClean="0"/>
-              <a:t>du</a:t>
-            </a:r>
-            <a:r>
-              <a:rPr lang="cs-CZ" dirty="0" smtClean="0"/>
-              <a:t> </a:t>
-            </a:r>
-            <a:r>
-              <a:rPr lang="cs-CZ" dirty="0" err="1" smtClean="0"/>
-              <a:t>tri</a:t>
-            </a:r>
-            <a:r>
-              <a:rPr lang="cs-CZ" dirty="0" smtClean="0"/>
-              <a:t> (</a:t>
-            </a:r>
-            <a:r>
-              <a:rPr lang="en-US" dirty="0"/>
-              <a:t>$</a:t>
-            </a:r>
-            <a:r>
               <a:rPr lang="en-US" dirty="0" err="1" smtClean="0"/>
-              <a:t>scope.restaurants.sort</a:t>
+              <a:t>dans</a:t>
             </a:r>
             <a:r>
               <a:rPr lang="en-US" dirty="0" smtClean="0"/>
-              <a:t>())</a:t>
-            </a:r>
-            <a:endParaRPr lang="fr-FR" dirty="0" smtClean="0"/>
+              <a:t> un listener de click</a:t>
+            </a:r>
+            <a:endParaRPr lang="fr-FR" b="1" dirty="0" smtClean="0"/>
           </a:p>
           <a:p>
             <a:pPr lvl="1"/>
@@ -8811,7 +9025,7 @@
         <p:spPr>
           <a:xfrm>
             <a:off x="827584" y="836712"/>
-            <a:ext cx="1543850" cy="369332"/>
+            <a:ext cx="3019689" cy="646331"/>
           </a:xfrm>
           <a:prstGeom prst="rect">
             <a:avLst/>
@@ -8826,8 +9040,19 @@
           <a:p>
             <a:r>
               <a:rPr lang="fr-FR" b="1" dirty="0" smtClean="0"/>
-              <a:t>Rajout du tri</a:t>
-            </a:r>
+              <a:t>Directive </a:t>
+            </a:r>
+            <a:r>
+              <a:rPr lang="hu-HU" b="1" dirty="0"/>
+              <a:t>fmCheckboxList</a:t>
+            </a:r>
+            <a:r>
+              <a:rPr lang="fr-FR" b="1" dirty="0" smtClean="0"/>
+              <a:t> </a:t>
+            </a:r>
+            <a:endParaRPr lang="fr-FR" b="1" dirty="0"/>
+          </a:p>
+          <a:p>
             <a:endParaRPr lang="fr-FR" dirty="0"/>
           </a:p>
         </p:txBody>
@@ -8892,7 +9117,11 @@
             </a:r>
             <a:r>
               <a:rPr lang="fr-FR" noProof="0" dirty="0" smtClean="0"/>
-              <a:t> 25 </a:t>
+              <a:t> </a:t>
+            </a:r>
+            <a:r>
+              <a:rPr lang="fr-FR" noProof="0" dirty="0" smtClean="0"/>
+              <a:t>23 </a:t>
             </a:r>
             <a:endParaRPr lang="en-US" noProof="0" dirty="0"/>
           </a:p>
@@ -8916,7 +9145,7 @@
         </p:spPr>
         <p:txBody>
           <a:bodyPr>
-            <a:normAutofit/>
+            <a:normAutofit lnSpcReduction="10000"/>
           </a:bodyPr>
           <a:lstStyle/>
           <a:p>
@@ -8929,7 +9158,7 @@
             <a:pPr lvl="1"/>
             <a:r>
               <a:rPr lang="fr-FR" dirty="0" smtClean="0"/>
-              <a:t>La vue menu ne permet pas de commander</a:t>
+              <a:t>La liste de restaurant est affichée toujours dans le même ordre</a:t>
             </a:r>
           </a:p>
           <a:p>
@@ -8942,7 +9171,7 @@
             <a:pPr lvl="1"/>
             <a:r>
               <a:rPr lang="fr-FR" dirty="0" smtClean="0"/>
-              <a:t>Pouvoir ajouter des éléments du menu dans le panier	</a:t>
+              <a:t>Pouvoir trier la liste</a:t>
             </a:r>
           </a:p>
           <a:p>
@@ -8955,35 +9184,147 @@
             <a:pPr lvl="1"/>
             <a:r>
               <a:rPr lang="fr-FR" dirty="0" smtClean="0"/>
-              <a:t>Créer un service </a:t>
-            </a:r>
-            <a:r>
-              <a:rPr lang="fr-FR" b="1" dirty="0" err="1" smtClean="0"/>
-              <a:t>cart</a:t>
-            </a:r>
-            <a:r>
-              <a:rPr lang="fr-FR" dirty="0" smtClean="0"/>
-              <a:t> qui garde les éléments commandés</a:t>
-            </a:r>
-          </a:p>
-          <a:p>
-            <a:pPr lvl="1"/>
-            <a:r>
-              <a:rPr lang="fr-FR" dirty="0" smtClean="0"/>
-              <a:t>Injecter ce service dans le </a:t>
-            </a:r>
-            <a:r>
-              <a:rPr lang="fr-FR" b="1" dirty="0" err="1" smtClean="0"/>
-              <a:t>MenuController</a:t>
-            </a:r>
-            <a:endParaRPr lang="fr-FR" b="1" dirty="0"/>
-          </a:p>
-          <a:p>
-            <a:pPr lvl="1"/>
-            <a:r>
-              <a:rPr lang="fr-FR" dirty="0" smtClean="0"/>
-              <a:t>Faire le lien pour pouvoir ajouter des éléments</a:t>
-            </a:r>
+              <a:t>Dans le </a:t>
+            </a:r>
+            <a:r>
+              <a:rPr lang="fr-FR" dirty="0" err="1" smtClean="0"/>
+              <a:t>RestaurantController</a:t>
+            </a:r>
+            <a:endParaRPr lang="fr-FR" dirty="0" smtClean="0"/>
+          </a:p>
+          <a:p>
+            <a:pPr lvl="2"/>
+            <a:r>
+              <a:rPr lang="fr-FR" dirty="0" smtClean="0"/>
+              <a:t>Rajouter </a:t>
+            </a:r>
+            <a:r>
+              <a:rPr lang="fr-FR" dirty="0" err="1" smtClean="0"/>
+              <a:t>sortBy</a:t>
+            </a:r>
+            <a:r>
+              <a:rPr lang="fr-FR" dirty="0" smtClean="0"/>
+              <a:t> </a:t>
+            </a:r>
+            <a:r>
+              <a:rPr lang="fr-FR" dirty="0"/>
+              <a:t>et </a:t>
+            </a:r>
+            <a:r>
+              <a:rPr lang="fr-FR" dirty="0" err="1" smtClean="0"/>
+              <a:t>sortAsc</a:t>
+            </a:r>
+            <a:r>
+              <a:rPr lang="fr-FR" dirty="0" smtClean="0"/>
+              <a:t> sur l’objet </a:t>
+            </a:r>
+            <a:r>
+              <a:rPr lang="fr-FR" dirty="0" err="1" smtClean="0"/>
+              <a:t>filter</a:t>
+            </a:r>
+            <a:endParaRPr lang="fr-FR" dirty="0" smtClean="0"/>
+          </a:p>
+          <a:p>
+            <a:pPr lvl="2"/>
+            <a:r>
+              <a:rPr lang="fr-FR" dirty="0" smtClean="0"/>
+              <a:t>Implémenter </a:t>
+            </a:r>
+            <a:r>
+              <a:rPr lang="fr-FR" dirty="0"/>
+              <a:t>la fonction </a:t>
+            </a:r>
+            <a:r>
+              <a:rPr lang="fr-FR" dirty="0" err="1" smtClean="0"/>
+              <a:t>sortBy</a:t>
+            </a:r>
+            <a:r>
+              <a:rPr lang="fr-FR" dirty="0" smtClean="0"/>
+              <a:t> qui met à jour les valeurs de tri en fonction de la clé passée</a:t>
+            </a:r>
+          </a:p>
+          <a:p>
+            <a:pPr lvl="2"/>
+            <a:r>
+              <a:rPr lang="fr-FR" dirty="0" smtClean="0"/>
+              <a:t>Implémenter </a:t>
+            </a:r>
+            <a:r>
+              <a:rPr lang="fr-FR" dirty="0"/>
+              <a:t>la fonction </a:t>
+            </a:r>
+            <a:r>
+              <a:rPr lang="fr-FR" dirty="0" err="1" smtClean="0"/>
+              <a:t>sortIconFor</a:t>
+            </a:r>
+            <a:r>
+              <a:rPr lang="fr-FR" dirty="0" smtClean="0"/>
+              <a:t> qui retourne </a:t>
+            </a:r>
+            <a:r>
+              <a:rPr lang="fr-FR" dirty="0" err="1" smtClean="0"/>
+              <a:t>l’ic</a:t>
+            </a:r>
+            <a:r>
+              <a:rPr lang="sk-SK" dirty="0" smtClean="0"/>
+              <a:t>ô</a:t>
+            </a:r>
+            <a:r>
+              <a:rPr lang="fr-FR" dirty="0" smtClean="0"/>
+              <a:t>ne de tri en fonction de la clé</a:t>
+            </a:r>
+          </a:p>
+          <a:p>
+            <a:pPr lvl="2"/>
+            <a:r>
+              <a:rPr lang="fr-FR" dirty="0" smtClean="0"/>
+              <a:t>Rajouter dans la fonction </a:t>
+            </a:r>
+            <a:r>
+              <a:rPr lang="cs-CZ" dirty="0" err="1" smtClean="0"/>
+              <a:t>filterAndSortRestaurants</a:t>
+            </a:r>
+            <a:r>
+              <a:rPr lang="cs-CZ" dirty="0" smtClean="0"/>
+              <a:t> </a:t>
+            </a:r>
+            <a:r>
+              <a:rPr lang="cs-CZ" dirty="0" err="1" smtClean="0"/>
+              <a:t>l‘implémentation</a:t>
+            </a:r>
+            <a:r>
+              <a:rPr lang="cs-CZ" dirty="0" smtClean="0"/>
+              <a:t> </a:t>
+            </a:r>
+            <a:r>
+              <a:rPr lang="cs-CZ" dirty="0" err="1" smtClean="0"/>
+              <a:t>du</a:t>
+            </a:r>
+            <a:r>
+              <a:rPr lang="cs-CZ" dirty="0" smtClean="0"/>
+              <a:t> </a:t>
+            </a:r>
+            <a:r>
+              <a:rPr lang="cs-CZ" dirty="0" err="1" smtClean="0"/>
+              <a:t>tri</a:t>
+            </a:r>
+            <a:r>
+              <a:rPr lang="cs-CZ" dirty="0" smtClean="0"/>
+              <a:t> (</a:t>
+            </a:r>
+            <a:r>
+              <a:rPr lang="en-US" dirty="0"/>
+              <a:t>$</a:t>
+            </a:r>
+            <a:r>
+              <a:rPr lang="en-US" dirty="0" err="1" smtClean="0"/>
+              <a:t>scope.restaurants.sort</a:t>
+            </a:r>
+            <a:r>
+              <a:rPr lang="en-US" dirty="0" smtClean="0"/>
+              <a:t>())</a:t>
+            </a:r>
+            <a:endParaRPr lang="fr-FR" dirty="0" smtClean="0"/>
           </a:p>
           <a:p>
             <a:pPr lvl="1"/>
@@ -9010,7 +9351,7 @@
         <p:spPr>
           <a:xfrm>
             <a:off x="827584" y="836712"/>
-            <a:ext cx="3557885" cy="646331"/>
+            <a:ext cx="1543850" cy="369332"/>
           </a:xfrm>
           <a:prstGeom prst="rect">
             <a:avLst/>
@@ -9025,11 +9366,8 @@
           <a:p>
             <a:r>
               <a:rPr lang="fr-FR" b="1" dirty="0" smtClean="0"/>
-              <a:t>Ajouter et supprimer du panier</a:t>
-            </a:r>
-            <a:endParaRPr lang="fr-FR" b="1" dirty="0"/>
-          </a:p>
-          <a:p>
+              <a:t>Rajout du tri</a:t>
+            </a:r>
             <a:endParaRPr lang="fr-FR" dirty="0"/>
           </a:p>
         </p:txBody>
@@ -9094,7 +9432,11 @@
             </a:r>
             <a:r>
               <a:rPr lang="fr-FR" noProof="0" dirty="0" smtClean="0"/>
-              <a:t> 26 </a:t>
+              <a:t> </a:t>
+            </a:r>
+            <a:r>
+              <a:rPr lang="fr-FR" noProof="0" dirty="0" smtClean="0"/>
+              <a:t>24 </a:t>
             </a:r>
             <a:endParaRPr lang="en-US" noProof="0" dirty="0"/>
           </a:p>
@@ -9131,7 +9473,7 @@
             <a:pPr lvl="1"/>
             <a:r>
               <a:rPr lang="fr-FR" dirty="0" smtClean="0"/>
-              <a:t>Bah on n’a pas de vue pour commander</a:t>
+              <a:t>La vue menu ne permet pas de commander</a:t>
             </a:r>
           </a:p>
           <a:p>
@@ -9144,7 +9486,7 @@
             <a:pPr lvl="1"/>
             <a:r>
               <a:rPr lang="fr-FR" dirty="0" smtClean="0"/>
-              <a:t>Une vue statique de commande de menu</a:t>
+              <a:t>Pouvoir ajouter des éléments du menu dans le panier	</a:t>
             </a:r>
           </a:p>
           <a:p>
@@ -9157,55 +9499,39 @@
             <a:pPr lvl="1"/>
             <a:r>
               <a:rPr lang="fr-FR" dirty="0" smtClean="0"/>
-              <a:t>Créer un </a:t>
+              <a:t>Créer un service </a:t>
             </a:r>
             <a:r>
               <a:rPr lang="fr-FR" b="1" dirty="0" err="1" smtClean="0"/>
-              <a:t>CheckoutController</a:t>
-            </a:r>
-            <a:r>
-              <a:rPr lang="fr-FR" dirty="0" smtClean="0"/>
-              <a:t>.</a:t>
-            </a:r>
-          </a:p>
-          <a:p>
-            <a:pPr lvl="1"/>
-            <a:r>
-              <a:rPr lang="fr-FR" dirty="0" smtClean="0"/>
-              <a:t>Mettre la vue statique dans </a:t>
+              <a:t>cart</a:t>
+            </a:r>
+            <a:r>
+              <a:rPr lang="fr-FR" dirty="0" smtClean="0"/>
+              <a:t> qui garde les éléments commandés</a:t>
+            </a:r>
+          </a:p>
+          <a:p>
+            <a:pPr lvl="1"/>
+            <a:r>
+              <a:rPr lang="fr-FR" dirty="0" smtClean="0"/>
+              <a:t>Injecter ce service dans le </a:t>
             </a:r>
             <a:r>
               <a:rPr lang="fr-FR" b="1" dirty="0" err="1" smtClean="0"/>
-              <a:t>views</a:t>
-            </a:r>
-            <a:r>
-              <a:rPr lang="fr-FR" b="1" dirty="0" smtClean="0"/>
-              <a:t>/</a:t>
-            </a:r>
-            <a:r>
-              <a:rPr lang="fr-FR" b="1" dirty="0" err="1" smtClean="0"/>
-              <a:t>checkout.html</a:t>
-            </a:r>
-            <a:r>
-              <a:rPr lang="fr-FR" dirty="0" smtClean="0"/>
-              <a:t>.</a:t>
-            </a:r>
-          </a:p>
-          <a:p>
-            <a:pPr lvl="1"/>
-            <a:r>
-              <a:rPr lang="fr-FR" dirty="0" smtClean="0"/>
-              <a:t>Rajouter une nouvelle route </a:t>
-            </a:r>
-            <a:r>
-              <a:rPr lang="fr-FR" b="1" dirty="0" smtClean="0"/>
-              <a:t>/</a:t>
-            </a:r>
-            <a:r>
-              <a:rPr lang="fr-FR" b="1" dirty="0" err="1" smtClean="0"/>
-              <a:t>checkout</a:t>
-            </a:r>
-            <a:endParaRPr lang="fr-FR" b="1" dirty="0" smtClean="0"/>
+              <a:t>MenuController</a:t>
+            </a:r>
+            <a:endParaRPr lang="fr-FR" b="1" dirty="0"/>
+          </a:p>
+          <a:p>
+            <a:pPr lvl="1"/>
+            <a:r>
+              <a:rPr lang="fr-FR" dirty="0" smtClean="0"/>
+              <a:t>Faire le lien pour pouvoir ajouter des éléments</a:t>
+            </a:r>
+          </a:p>
+          <a:p>
+            <a:pPr lvl="1"/>
+            <a:endParaRPr lang="fr-FR" dirty="0" smtClean="0"/>
           </a:p>
           <a:p>
             <a:pPr lvl="1"/>
@@ -9228,7 +9554,7 @@
         <p:spPr>
           <a:xfrm>
             <a:off x="827584" y="836712"/>
-            <a:ext cx="3177685" cy="646331"/>
+            <a:ext cx="3557885" cy="646331"/>
           </a:xfrm>
           <a:prstGeom prst="rect">
             <a:avLst/>
@@ -9243,7 +9569,7 @@
           <a:p>
             <a:r>
               <a:rPr lang="fr-FR" b="1" dirty="0" smtClean="0"/>
-              <a:t>Vue de commande statique</a:t>
+              <a:t>Ajouter et supprimer du panier</a:t>
             </a:r>
             <a:endParaRPr lang="fr-FR" b="1" dirty="0"/>
           </a:p>
@@ -9312,7 +9638,11 @@
             </a:r>
             <a:r>
               <a:rPr lang="fr-FR" noProof="0" dirty="0" smtClean="0"/>
-              <a:t> 27 </a:t>
+              <a:t> </a:t>
+            </a:r>
+            <a:r>
+              <a:rPr lang="fr-FR" noProof="0" dirty="0" smtClean="0"/>
+              <a:t>25 </a:t>
             </a:r>
             <a:endParaRPr lang="en-US" noProof="0" dirty="0"/>
           </a:p>
@@ -9336,7 +9666,7 @@
         </p:spPr>
         <p:txBody>
           <a:bodyPr>
-            <a:normAutofit lnSpcReduction="10000"/>
+            <a:normAutofit/>
           </a:bodyPr>
           <a:lstStyle/>
           <a:p>
@@ -9349,7 +9679,7 @@
             <a:pPr lvl="1"/>
             <a:r>
               <a:rPr lang="fr-FR" dirty="0" smtClean="0"/>
-              <a:t>Une vue de commande statique</a:t>
+              <a:t>Bah on n’a pas de vue pour commander</a:t>
             </a:r>
           </a:p>
           <a:p>
@@ -9362,14 +9692,7 @@
             <a:pPr lvl="1"/>
             <a:r>
               <a:rPr lang="fr-FR" dirty="0" smtClean="0"/>
-              <a:t>Récupérer les informations du panier</a:t>
-            </a:r>
-          </a:p>
-          <a:p>
-            <a:pPr lvl="1"/>
-            <a:r>
-              <a:rPr lang="fr-FR" dirty="0" smtClean="0"/>
-              <a:t>Permettre la commande</a:t>
+              <a:t>Une vue statique de commande de menu</a:t>
             </a:r>
           </a:p>
           <a:p>
@@ -9382,50 +9705,7 @@
             <a:pPr lvl="1"/>
             <a:r>
               <a:rPr lang="fr-FR" dirty="0" smtClean="0"/>
-              <a:t>Injecter le service </a:t>
-            </a:r>
-            <a:r>
-              <a:rPr lang="fr-FR" b="1" dirty="0" err="1" smtClean="0"/>
-              <a:t>cart</a:t>
-            </a:r>
-            <a:r>
-              <a:rPr lang="fr-FR" dirty="0" smtClean="0"/>
-              <a:t> dans le </a:t>
-            </a:r>
-            <a:r>
-              <a:rPr lang="fr-FR" b="1" dirty="0" err="1"/>
-              <a:t>CheckoutController</a:t>
-            </a:r>
-            <a:r>
-              <a:rPr lang="fr-FR" dirty="0"/>
-              <a:t> </a:t>
-            </a:r>
-            <a:endParaRPr lang="fr-FR" dirty="0" smtClean="0"/>
-          </a:p>
-          <a:p>
-            <a:pPr lvl="1"/>
-            <a:r>
-              <a:rPr lang="fr-FR" dirty="0" smtClean="0"/>
-              <a:t>Dynamiser la vue avec le contenu du panier</a:t>
-            </a:r>
-          </a:p>
-          <a:p>
-            <a:pPr lvl="1"/>
-            <a:r>
-              <a:rPr lang="fr-FR" dirty="0" smtClean="0"/>
-              <a:t>Implémenter la méthode </a:t>
-            </a:r>
-            <a:r>
-              <a:rPr lang="fr-FR" b="1" dirty="0" err="1" smtClean="0"/>
-              <a:t>purchase</a:t>
-            </a:r>
-            <a:r>
-              <a:rPr lang="fr-FR" b="1" dirty="0" smtClean="0"/>
-              <a:t>()</a:t>
-            </a:r>
-            <a:r>
-              <a:rPr lang="fr-FR" dirty="0" smtClean="0"/>
-              <a:t> dans le </a:t>
+              <a:t>Créer un </a:t>
             </a:r>
             <a:r>
               <a:rPr lang="fr-FR" b="1" dirty="0" err="1" smtClean="0"/>
@@ -9433,34 +9713,47 @@
             </a:r>
             <a:r>
               <a:rPr lang="fr-FR" dirty="0" smtClean="0"/>
-              <a:t> qui soumet la commande et vide le panier</a:t>
-            </a:r>
-          </a:p>
-          <a:p>
-            <a:pPr lvl="1"/>
-            <a:r>
-              <a:rPr lang="fr-FR" dirty="0" smtClean="0"/>
-              <a:t>En réponse au serveur, on redirige l’utilisateur vers l’url </a:t>
-            </a:r>
-          </a:p>
-          <a:p>
-            <a:pPr lvl="2"/>
+              <a:t>.</a:t>
+            </a:r>
+          </a:p>
+          <a:p>
+            <a:pPr lvl="1"/>
+            <a:r>
+              <a:rPr lang="fr-FR" dirty="0" smtClean="0"/>
+              <a:t>Mettre la vue statique dans </a:t>
+            </a:r>
+            <a:r>
+              <a:rPr lang="fr-FR" b="1" dirty="0" err="1" smtClean="0"/>
+              <a:t>views</a:t>
+            </a:r>
             <a:r>
               <a:rPr lang="fr-FR" b="1" dirty="0" smtClean="0"/>
               <a:t>/</a:t>
             </a:r>
             <a:r>
               <a:rPr lang="fr-FR" b="1" dirty="0" err="1" smtClean="0"/>
-              <a:t>thank-you?orderId</a:t>
+              <a:t>checkout.html</a:t>
+            </a:r>
+            <a:r>
+              <a:rPr lang="fr-FR" dirty="0" smtClean="0"/>
+              <a:t>.</a:t>
+            </a:r>
+          </a:p>
+          <a:p>
+            <a:pPr lvl="1"/>
+            <a:r>
+              <a:rPr lang="fr-FR" dirty="0" smtClean="0"/>
+              <a:t>Rajouter une nouvelle route </a:t>
             </a:r>
             <a:r>
               <a:rPr lang="fr-FR" b="1" dirty="0" smtClean="0"/>
-              <a:t>=xxx</a:t>
-            </a:r>
-          </a:p>
-          <a:p>
-            <a:pPr lvl="1"/>
-            <a:endParaRPr lang="fr-FR" dirty="0" smtClean="0"/>
+              <a:t>/</a:t>
+            </a:r>
+            <a:r>
+              <a:rPr lang="fr-FR" b="1" dirty="0" err="1" smtClean="0"/>
+              <a:t>checkout</a:t>
+            </a:r>
+            <a:endParaRPr lang="fr-FR" b="1" dirty="0" smtClean="0"/>
           </a:p>
           <a:p>
             <a:pPr lvl="1"/>
@@ -9483,7 +9776,7 @@
         <p:spPr>
           <a:xfrm>
             <a:off x="827584" y="836712"/>
-            <a:ext cx="3699901" cy="646331"/>
+            <a:ext cx="3177685" cy="646331"/>
           </a:xfrm>
           <a:prstGeom prst="rect">
             <a:avLst/>
@@ -9498,7 +9791,7 @@
           <a:p>
             <a:r>
               <a:rPr lang="fr-FR" b="1" dirty="0" smtClean="0"/>
-              <a:t>Dynamiser la vue de commande</a:t>
+              <a:t>Vue de commande statique</a:t>
             </a:r>
             <a:endParaRPr lang="fr-FR" b="1" dirty="0"/>
           </a:p>
@@ -9567,7 +9860,11 @@
             </a:r>
             <a:r>
               <a:rPr lang="fr-FR" noProof="0" dirty="0" smtClean="0"/>
-              <a:t> 28 </a:t>
+              <a:t> </a:t>
+            </a:r>
+            <a:r>
+              <a:rPr lang="fr-FR" noProof="0" dirty="0" smtClean="0"/>
+              <a:t>26</a:t>
             </a:r>
             <a:endParaRPr lang="en-US" noProof="0" dirty="0"/>
           </a:p>
@@ -9591,7 +9888,7 @@
         </p:spPr>
         <p:txBody>
           <a:bodyPr>
-            <a:normAutofit/>
+            <a:normAutofit fontScale="92500" lnSpcReduction="20000"/>
           </a:bodyPr>
           <a:lstStyle/>
           <a:p>
@@ -9604,7 +9901,7 @@
             <a:pPr lvl="1"/>
             <a:r>
               <a:rPr lang="fr-FR" dirty="0" smtClean="0"/>
-              <a:t>rien</a:t>
+              <a:t>Une vue de commande statique</a:t>
             </a:r>
           </a:p>
           <a:p>
@@ -9617,7 +9914,14 @@
             <a:pPr lvl="1"/>
             <a:r>
               <a:rPr lang="fr-FR" dirty="0" smtClean="0"/>
-              <a:t>Une page statique de confirmation</a:t>
+              <a:t>Récupérer les informations du panier</a:t>
+            </a:r>
+          </a:p>
+          <a:p>
+            <a:pPr lvl="1"/>
+            <a:r>
+              <a:rPr lang="fr-FR" dirty="0" smtClean="0"/>
+              <a:t>Permettre la commande</a:t>
             </a:r>
           </a:p>
           <a:p>
@@ -9630,63 +9934,124 @@
             <a:pPr lvl="1"/>
             <a:r>
               <a:rPr lang="fr-FR" dirty="0" smtClean="0"/>
-              <a:t>Créer le </a:t>
+              <a:t>Injecter le service </a:t>
             </a:r>
             <a:r>
               <a:rPr lang="fr-FR" b="1" dirty="0" err="1" smtClean="0"/>
-              <a:t>ThankYouController</a:t>
-            </a:r>
-            <a:r>
-              <a:rPr lang="fr-FR" dirty="0" smtClean="0"/>
-              <a:t>.</a:t>
-            </a:r>
-          </a:p>
-          <a:p>
-            <a:pPr lvl="1"/>
-            <a:r>
-              <a:rPr lang="fr-FR" dirty="0" smtClean="0"/>
-              <a:t>Place la vue </a:t>
-            </a:r>
+              <a:t>cart</a:t>
+            </a:r>
+            <a:r>
+              <a:rPr lang="fr-FR" dirty="0" smtClean="0"/>
+              <a:t> dans le </a:t>
+            </a:r>
+            <a:r>
+              <a:rPr lang="fr-FR" b="1" dirty="0" err="1"/>
+              <a:t>CheckoutController</a:t>
+            </a:r>
+            <a:r>
+              <a:rPr lang="fr-FR" dirty="0"/>
+              <a:t> </a:t>
+            </a:r>
+            <a:endParaRPr lang="fr-FR" dirty="0" smtClean="0"/>
+          </a:p>
+          <a:p>
+            <a:pPr lvl="1"/>
+            <a:r>
+              <a:rPr lang="fr-FR" dirty="0" smtClean="0"/>
+              <a:t>Dynamiser la vue avec le contenu du </a:t>
+            </a:r>
+            <a:r>
+              <a:rPr lang="fr-FR" dirty="0" smtClean="0"/>
+              <a:t>panier</a:t>
+            </a:r>
+          </a:p>
+          <a:p>
+            <a:pPr lvl="2"/>
             <a:r>
               <a:rPr lang="fr-FR" dirty="0" err="1" smtClean="0"/>
-              <a:t>checkout</a:t>
-            </a:r>
-            <a:r>
-              <a:rPr lang="fr-FR" dirty="0" smtClean="0"/>
-              <a:t> statique dans </a:t>
+              <a:t>D</a:t>
+            </a:r>
+            <a:r>
+              <a:rPr lang="fr-FR" dirty="0" err="1" smtClean="0"/>
+              <a:t>eliver</a:t>
+            </a:r>
+            <a:r>
+              <a:rPr lang="fr-FR" dirty="0" smtClean="0"/>
+              <a:t> to</a:t>
+            </a:r>
+            <a:endParaRPr lang="fr-FR" dirty="0" smtClean="0"/>
+          </a:p>
+          <a:p>
+            <a:pPr lvl="2"/>
+            <a:r>
+              <a:rPr lang="fr-FR" dirty="0" smtClean="0"/>
+              <a:t>V</a:t>
+            </a:r>
+            <a:r>
+              <a:rPr lang="fr-FR" dirty="0" smtClean="0"/>
+              <a:t>alidation du formulaire</a:t>
+            </a:r>
+          </a:p>
+          <a:p>
+            <a:pPr lvl="2"/>
+            <a:r>
+              <a:rPr lang="fr-FR" dirty="0" smtClean="0"/>
+              <a:t>C</a:t>
+            </a:r>
+            <a:r>
+              <a:rPr lang="fr-FR" dirty="0" smtClean="0"/>
+              <a:t>ontenu du panier</a:t>
+            </a:r>
+            <a:endParaRPr lang="fr-FR" dirty="0" smtClean="0"/>
+          </a:p>
+          <a:p>
+            <a:pPr lvl="1"/>
+            <a:r>
+              <a:rPr lang="fr-FR" dirty="0" smtClean="0"/>
+              <a:t>Implémenter la méthode </a:t>
             </a:r>
             <a:r>
               <a:rPr lang="fr-FR" b="1" dirty="0" err="1" smtClean="0"/>
-              <a:t>views</a:t>
-            </a:r>
+              <a:t>purchase</a:t>
+            </a:r>
+            <a:r>
+              <a:rPr lang="fr-FR" b="1" dirty="0" smtClean="0"/>
+              <a:t>()</a:t>
+            </a:r>
+            <a:r>
+              <a:rPr lang="fr-FR" dirty="0" smtClean="0"/>
+              <a:t> dans le </a:t>
+            </a:r>
+            <a:r>
+              <a:rPr lang="fr-FR" b="1" dirty="0" err="1" smtClean="0"/>
+              <a:t>CheckoutController</a:t>
+            </a:r>
+            <a:r>
+              <a:rPr lang="fr-FR" dirty="0" smtClean="0"/>
+              <a:t> qui soumet la commande et vide le panier</a:t>
+            </a:r>
+          </a:p>
+          <a:p>
+            <a:pPr lvl="1"/>
+            <a:r>
+              <a:rPr lang="fr-FR" dirty="0" smtClean="0"/>
+              <a:t>En réponse au serveur, on redirige l’utilisateur vers l’url </a:t>
+            </a:r>
+          </a:p>
+          <a:p>
+            <a:pPr lvl="2"/>
             <a:r>
               <a:rPr lang="fr-FR" b="1" dirty="0" smtClean="0"/>
               <a:t>/</a:t>
             </a:r>
             <a:r>
               <a:rPr lang="fr-FR" b="1" dirty="0" err="1" smtClean="0"/>
-              <a:t>thank-you.html</a:t>
-            </a:r>
-            <a:r>
-              <a:rPr lang="fr-FR" dirty="0" smtClean="0"/>
-              <a:t>.</a:t>
-            </a:r>
-          </a:p>
-          <a:p>
-            <a:pPr lvl="1"/>
-            <a:r>
-              <a:rPr lang="fr-FR" dirty="0"/>
-              <a:t>Rajouter une nouvelle route </a:t>
+              <a:t>thank-you?orderId</a:t>
             </a:r>
             <a:r>
               <a:rPr lang="fr-FR" b="1" dirty="0" smtClean="0"/>
-              <a:t>/</a:t>
-            </a:r>
-            <a:r>
-              <a:rPr lang="fr-FR" b="1" dirty="0" err="1" smtClean="0"/>
-              <a:t>thank-you</a:t>
-            </a:r>
-            <a:endParaRPr lang="fr-FR" b="1" dirty="0"/>
+              <a:t>=xxx</a:t>
+            </a:r>
           </a:p>
           <a:p>
             <a:pPr lvl="1"/>
@@ -9713,7 +10078,7 @@
         <p:spPr>
           <a:xfrm>
             <a:off x="827584" y="836712"/>
-            <a:ext cx="4024033" cy="646331"/>
+            <a:ext cx="3699901" cy="646331"/>
           </a:xfrm>
           <a:prstGeom prst="rect">
             <a:avLst/>
@@ -9728,7 +10093,7 @@
           <a:p>
             <a:r>
               <a:rPr lang="fr-FR" b="1" dirty="0" smtClean="0"/>
-              <a:t>Vue de confirmation de commande</a:t>
+              <a:t>Dynamiser la vue de commande</a:t>
             </a:r>
             <a:endParaRPr lang="fr-FR" b="1" dirty="0"/>
           </a:p>
@@ -9797,7 +10162,245 @@
             </a:r>
             <a:r>
               <a:rPr lang="fr-FR" noProof="0" dirty="0" smtClean="0"/>
-              <a:t> 29 </a:t>
+              <a:t> </a:t>
+            </a:r>
+            <a:r>
+              <a:rPr lang="fr-FR" noProof="0" dirty="0" smtClean="0"/>
+              <a:t>27 </a:t>
+            </a:r>
+            <a:endParaRPr lang="en-US" noProof="0" dirty="0"/>
+          </a:p>
+        </p:txBody>
+      </p:sp>
+      <p:sp>
+        <p:nvSpPr>
+          <p:cNvPr id="4" name="Espace réservé du contenu 3"/>
+          <p:cNvSpPr>
+            <a:spLocks noGrp="1"/>
+          </p:cNvSpPr>
+          <p:nvPr>
+            <p:ph idx="1"/>
+          </p:nvPr>
+        </p:nvSpPr>
+        <p:spPr>
+          <a:xfrm>
+            <a:off x="921168" y="1340768"/>
+            <a:ext cx="8115328" cy="5517232"/>
+          </a:xfrm>
+        </p:spPr>
+        <p:txBody>
+          <a:bodyPr>
+            <a:normAutofit/>
+          </a:bodyPr>
+          <a:lstStyle/>
+          <a:p>
+            <a:r>
+              <a:rPr lang="fr-FR" dirty="0" smtClean="0"/>
+              <a:t>Ce que l’on a :</a:t>
+            </a:r>
+          </a:p>
+          <a:p>
+            <a:pPr lvl="1"/>
+            <a:r>
+              <a:rPr lang="fr-FR" dirty="0" smtClean="0"/>
+              <a:t>rien</a:t>
+            </a:r>
+          </a:p>
+          <a:p>
+            <a:r>
+              <a:rPr lang="fr-FR" dirty="0" smtClean="0"/>
+              <a:t>Ce que l’on veut</a:t>
+            </a:r>
+          </a:p>
+          <a:p>
+            <a:pPr lvl="1"/>
+            <a:r>
+              <a:rPr lang="fr-FR" dirty="0" smtClean="0"/>
+              <a:t>Une page statique de confirmation</a:t>
+            </a:r>
+          </a:p>
+          <a:p>
+            <a:r>
+              <a:rPr lang="fr-FR" dirty="0" smtClean="0"/>
+              <a:t>Comment on fait ?</a:t>
+            </a:r>
+          </a:p>
+          <a:p>
+            <a:pPr lvl="1"/>
+            <a:r>
+              <a:rPr lang="fr-FR" dirty="0" smtClean="0"/>
+              <a:t>Créer le </a:t>
+            </a:r>
+            <a:r>
+              <a:rPr lang="fr-FR" b="1" dirty="0" err="1" smtClean="0"/>
+              <a:t>ThankYouController</a:t>
+            </a:r>
+            <a:r>
+              <a:rPr lang="fr-FR" dirty="0" smtClean="0"/>
+              <a:t>.</a:t>
+            </a:r>
+          </a:p>
+          <a:p>
+            <a:pPr lvl="1"/>
+            <a:r>
+              <a:rPr lang="fr-FR" dirty="0" smtClean="0"/>
+              <a:t>Place la vue </a:t>
+            </a:r>
+            <a:r>
+              <a:rPr lang="fr-FR" dirty="0" err="1" smtClean="0"/>
+              <a:t>checkout</a:t>
+            </a:r>
+            <a:r>
+              <a:rPr lang="fr-FR" dirty="0" smtClean="0"/>
+              <a:t> statique dans </a:t>
+            </a:r>
+            <a:r>
+              <a:rPr lang="fr-FR" b="1" dirty="0" err="1" smtClean="0"/>
+              <a:t>views</a:t>
+            </a:r>
+            <a:r>
+              <a:rPr lang="fr-FR" b="1" dirty="0" smtClean="0"/>
+              <a:t>/</a:t>
+            </a:r>
+            <a:r>
+              <a:rPr lang="fr-FR" b="1" dirty="0" err="1" smtClean="0"/>
+              <a:t>thank-you.html</a:t>
+            </a:r>
+            <a:r>
+              <a:rPr lang="fr-FR" dirty="0" smtClean="0"/>
+              <a:t>.</a:t>
+            </a:r>
+          </a:p>
+          <a:p>
+            <a:pPr lvl="1"/>
+            <a:r>
+              <a:rPr lang="fr-FR" dirty="0"/>
+              <a:t>Rajouter une nouvelle route </a:t>
+            </a:r>
+            <a:r>
+              <a:rPr lang="fr-FR" b="1" dirty="0" smtClean="0"/>
+              <a:t>/</a:t>
+            </a:r>
+            <a:r>
+              <a:rPr lang="fr-FR" b="1" dirty="0" err="1" smtClean="0"/>
+              <a:t>thank-you</a:t>
+            </a:r>
+            <a:endParaRPr lang="fr-FR" b="1" dirty="0"/>
+          </a:p>
+          <a:p>
+            <a:pPr lvl="1"/>
+            <a:endParaRPr lang="fr-FR" dirty="0" smtClean="0"/>
+          </a:p>
+          <a:p>
+            <a:pPr lvl="1"/>
+            <a:endParaRPr lang="fr-FR" dirty="0" smtClean="0"/>
+          </a:p>
+          <a:p>
+            <a:pPr marL="0" indent="0">
+              <a:buNone/>
+            </a:pPr>
+            <a:endParaRPr lang="fr-FR" dirty="0" smtClean="0"/>
+          </a:p>
+        </p:txBody>
+      </p:sp>
+      <p:sp>
+        <p:nvSpPr>
+          <p:cNvPr id="2" name="ZoneTexte 1"/>
+          <p:cNvSpPr txBox="1"/>
+          <p:nvPr/>
+        </p:nvSpPr>
+        <p:spPr>
+          <a:xfrm>
+            <a:off x="827584" y="836712"/>
+            <a:ext cx="4024033" cy="646331"/>
+          </a:xfrm>
+          <a:prstGeom prst="rect">
+            <a:avLst/>
+          </a:prstGeom>
+          <a:noFill/>
+        </p:spPr>
+        <p:txBody>
+          <a:bodyPr wrap="none" rtlCol="0">
+            <a:spAutoFit/>
+          </a:bodyPr>
+          <a:lstStyle/>
+          <a:p>
+            <a:r>
+              <a:rPr lang="fr-FR" b="1" dirty="0" smtClean="0"/>
+              <a:t>Vue de confirmation de commande</a:t>
+            </a:r>
+            <a:endParaRPr lang="fr-FR" b="1" dirty="0"/>
+          </a:p>
+          <a:p>
+            <a:endParaRPr lang="fr-FR" dirty="0"/>
+          </a:p>
+        </p:txBody>
+      </p:sp>
+    </p:spTree>
+    <p:extLst>
+      <p:ext uri="{BB962C8B-B14F-4D97-AF65-F5344CB8AC3E}">
+        <p14:creationId xmlns:p14="http://schemas.microsoft.com/office/powerpoint/2010/main" val="1495303984"/>
+      </p:ext>
+    </p:extLst>
+  </p:cSld>
+  <p:clrMapOvr>
+    <a:masterClrMapping/>
+  </p:clrMapOvr>
+  <p:timing>
+    <p:tnLst>
+      <p:par>
+        <p:cTn xmlns:p14="http://schemas.microsoft.com/office/powerpoint/2010/main" id="1" dur="indefinite" restart="never" nodeType="tmRoot"/>
+      </p:par>
+    </p:tnLst>
+  </p:timing>
+</p:sld>
+</file>
+
+<file path=ppt/slides/slide29.xml><?xml version="1.0" encoding="utf-8"?>
+<p:sld xmlns:a="http://schemas.openxmlformats.org/drawingml/2006/main" xmlns:r="http://schemas.openxmlformats.org/officeDocument/2006/relationships" xmlns:p="http://schemas.openxmlformats.org/presentationml/2006/main">
+  <p:cSld>
+    <p:spTree>
+      <p:nvGrpSpPr>
+        <p:cNvPr id="1" name=""/>
+        <p:cNvGrpSpPr/>
+        <p:nvPr/>
+      </p:nvGrpSpPr>
+      <p:grpSpPr>
+        <a:xfrm>
+          <a:off x="0" y="0"/>
+          <a:ext cx="0" cy="0"/>
+          <a:chOff x="0" y="0"/>
+          <a:chExt cx="0" cy="0"/>
+        </a:xfrm>
+      </p:grpSpPr>
+      <p:sp>
+        <p:nvSpPr>
+          <p:cNvPr id="3" name="Titre 2"/>
+          <p:cNvSpPr>
+            <a:spLocks noGrp="1"/>
+          </p:cNvSpPr>
+          <p:nvPr>
+            <p:ph type="title"/>
+          </p:nvPr>
+        </p:nvSpPr>
+        <p:spPr/>
+        <p:txBody>
+          <a:bodyPr>
+            <a:normAutofit fontScale="90000"/>
+          </a:bodyPr>
+          <a:lstStyle/>
+          <a:p>
+            <a:r>
+              <a:rPr lang="fr-FR" noProof="0" dirty="0" err="1" smtClean="0"/>
+              <a:t>Step</a:t>
+            </a:r>
+            <a:r>
+              <a:rPr lang="fr-FR" noProof="0" dirty="0" smtClean="0"/>
+              <a:t> </a:t>
+            </a:r>
+            <a:r>
+              <a:rPr lang="fr-FR" noProof="0" dirty="0" smtClean="0"/>
+              <a:t>28 </a:t>
             </a:r>
             <a:endParaRPr lang="en-US" noProof="0" dirty="0"/>
           </a:p>
@@ -10165,14 +10768,10 @@
             </a:r>
             <a:r>
               <a:rPr lang="fr-FR" dirty="0" smtClean="0"/>
-              <a:t> </a:t>
-            </a:r>
-            <a:r>
-              <a:rPr lang="fr-FR" smtClean="0"/>
-              <a:t>qui </a:t>
-            </a:r>
-            <a:r>
-              <a:rPr lang="fr-FR" smtClean="0"/>
+              <a:t> qui </a:t>
+            </a:r>
+            <a:r>
+              <a:rPr lang="fr-FR" dirty="0" smtClean="0"/>
               <a:t>appellera </a:t>
             </a:r>
             <a:r>
@@ -10742,12 +11341,8 @@
               <a:t> </a:t>
             </a:r>
             <a:r>
-              <a:rPr lang="fr-FR" dirty="0"/>
-              <a:t>6</a:t>
-            </a:r>
-            <a:r>
               <a:rPr lang="fr-FR" noProof="0" dirty="0" smtClean="0"/>
-              <a:t> </a:t>
+              <a:t>5 </a:t>
             </a:r>
             <a:endParaRPr lang="en-US" noProof="0" dirty="0"/>
           </a:p>
@@ -10784,11 +11379,23 @@
             <a:pPr lvl="1"/>
             <a:r>
               <a:rPr lang="fr-FR" dirty="0" smtClean="0"/>
-              <a:t>Toute l’application est dans </a:t>
+              <a:t>Un formulaire fonctionnel </a:t>
+            </a:r>
+            <a:r>
+              <a:rPr lang="fr-FR" dirty="0" smtClean="0"/>
+              <a:t>qui </a:t>
+            </a:r>
+            <a:r>
+              <a:rPr lang="fr-FR" dirty="0" smtClean="0"/>
+              <a:t>ne fait pas </a:t>
             </a:r>
             <a:r>
               <a:rPr lang="fr-FR" dirty="0" err="1" smtClean="0"/>
-              <a:t>index.html</a:t>
+              <a:t>persisiter</a:t>
+            </a:r>
+            <a:r>
+              <a:rPr lang="fr-FR" dirty="0" smtClean="0"/>
+              <a:t> les données saisies</a:t>
             </a:r>
             <a:endParaRPr lang="fr-FR" dirty="0" smtClean="0"/>
           </a:p>
@@ -10802,16 +11409,21 @@
             <a:pPr lvl="1"/>
             <a:r>
               <a:rPr lang="fr-FR" dirty="0" smtClean="0"/>
-              <a:t>Extraire l’interface utilisateur dans des fichiers sép</a:t>
-            </a:r>
-            <a:r>
-              <a:rPr lang="fr-FR" dirty="0"/>
-              <a:t>a</a:t>
-            </a:r>
-            <a:r>
-              <a:rPr lang="fr-FR" dirty="0" smtClean="0"/>
-              <a:t>rés et utiliser des routes</a:t>
-            </a:r>
+              <a:t>faire </a:t>
+            </a:r>
+            <a:r>
+              <a:rPr lang="fr-FR" dirty="0" smtClean="0"/>
+              <a:t>persister les données saisies dans le </a:t>
+            </a:r>
+            <a:r>
+              <a:rPr lang="fr-FR" dirty="0" err="1" smtClean="0"/>
+              <a:t>localStorage</a:t>
+            </a:r>
+            <a:r>
+              <a:rPr lang="fr-FR" dirty="0" smtClean="0"/>
+              <a:t> lorsque le formulaire est soumis</a:t>
+            </a:r>
+            <a:endParaRPr lang="fr-FR" dirty="0" smtClean="0"/>
           </a:p>
           <a:p>
             <a:r>
@@ -10823,77 +11435,72 @@
             <a:pPr lvl="1"/>
             <a:r>
               <a:rPr lang="fr-FR" dirty="0" smtClean="0"/>
-              <a:t>Copier le code du formulaire de </a:t>
+              <a:t>Utiliser le service </a:t>
             </a:r>
             <a:r>
               <a:rPr lang="fr-FR" b="1" dirty="0" err="1" smtClean="0"/>
-              <a:t>index.html</a:t>
+              <a:t>customer</a:t>
             </a:r>
             <a:r>
               <a:rPr lang="fr-FR" dirty="0" smtClean="0"/>
               <a:t> dans </a:t>
             </a:r>
             <a:r>
-              <a:rPr lang="fr-FR" b="1" dirty="0" err="1" smtClean="0"/>
-              <a:t>views</a:t>
-            </a:r>
-            <a:r>
-              <a:rPr lang="fr-FR" b="1" dirty="0" smtClean="0"/>
-              <a:t>/</a:t>
-            </a:r>
-            <a:r>
-              <a:rPr lang="fr-FR" b="1" dirty="0" err="1" smtClean="0"/>
-              <a:t>customer.html</a:t>
-            </a:r>
-            <a:endParaRPr lang="fr-FR" b="1" dirty="0" smtClean="0"/>
-          </a:p>
-          <a:p>
-            <a:pPr lvl="1"/>
-            <a:r>
-              <a:rPr lang="fr-FR" dirty="0" smtClean="0"/>
-              <a:t>Introduire à la place du code retiré, une directive </a:t>
-            </a:r>
-            <a:r>
-              <a:rPr lang="fr-FR" b="1" dirty="0" err="1" smtClean="0"/>
-              <a:t>ng-view</a:t>
-            </a:r>
-            <a:endParaRPr lang="fr-FR" b="1" dirty="0" smtClean="0"/>
-          </a:p>
-          <a:p>
-            <a:pPr lvl="1"/>
-            <a:r>
-              <a:rPr lang="fr-FR" dirty="0" smtClean="0"/>
-              <a:t>Définir une route dans le fichier </a:t>
-            </a:r>
-            <a:r>
-              <a:rPr lang="fr-FR" dirty="0" err="1" smtClean="0"/>
-              <a:t>app.js</a:t>
-            </a:r>
-            <a:r>
-              <a:rPr lang="fr-FR" dirty="0" smtClean="0"/>
-              <a:t> qui pointe sur </a:t>
-            </a:r>
-            <a:r>
-              <a:rPr lang="fr-FR" b="1" dirty="0" err="1" smtClean="0"/>
-              <a:t>views</a:t>
-            </a:r>
-            <a:r>
-              <a:rPr lang="fr-FR" b="1" dirty="0" smtClean="0"/>
-              <a:t>/</a:t>
-            </a:r>
-            <a:r>
-              <a:rPr lang="fr-FR" b="1" dirty="0" err="1" smtClean="0"/>
-              <a:t>customer.html</a:t>
-            </a:r>
-            <a:r>
-              <a:rPr lang="fr-FR" dirty="0" smtClean="0"/>
-              <a:t> avec le </a:t>
+              <a:rPr lang="fr-FR" dirty="0" smtClean="0"/>
+              <a:t>le </a:t>
             </a:r>
             <a:r>
               <a:rPr lang="fr-FR" b="1" dirty="0" err="1" smtClean="0"/>
               <a:t>CustomerController</a:t>
             </a:r>
+            <a:endParaRPr lang="fr-FR" dirty="0" smtClean="0"/>
+          </a:p>
+          <a:p>
+            <a:pPr lvl="1"/>
+            <a:r>
+              <a:rPr lang="fr-FR" dirty="0" smtClean="0"/>
+              <a:t>Initialiser les propriétés </a:t>
+            </a:r>
+            <a:r>
+              <a:rPr lang="de-DE" b="1" dirty="0" err="1" smtClean="0"/>
+              <a:t>customerName</a:t>
+            </a:r>
+            <a:r>
+              <a:rPr lang="de-DE" dirty="0" smtClean="0"/>
+              <a:t> et </a:t>
+            </a:r>
+            <a:r>
+              <a:rPr lang="fr-FR" b="1" dirty="0" err="1" smtClean="0"/>
+              <a:t>customerAddress</a:t>
+            </a:r>
+            <a:r>
+              <a:rPr lang="fr-FR" dirty="0" smtClean="0"/>
+              <a:t> à partir des données du service</a:t>
+            </a:r>
+          </a:p>
+          <a:p>
+            <a:pPr lvl="1"/>
+            <a:r>
+              <a:rPr lang="fr-FR" dirty="0" smtClean="0"/>
+              <a:t>Dans la méthode </a:t>
+            </a:r>
+            <a:r>
+              <a:rPr lang="fr-FR" b="1" dirty="0" err="1" smtClean="0"/>
+              <a:t>findRestaurant</a:t>
+            </a:r>
+            <a:r>
+              <a:rPr lang="fr-FR" dirty="0" smtClean="0"/>
+              <a:t>, copier les données reçues dans le service </a:t>
+            </a:r>
+            <a:r>
+              <a:rPr lang="fr-FR" b="1" dirty="0" err="1" smtClean="0"/>
+              <a:t>customer</a:t>
+            </a:r>
             <a:endParaRPr lang="fr-FR" b="1" dirty="0" smtClean="0"/>
+          </a:p>
+          <a:p>
+            <a:pPr lvl="1"/>
+            <a:endParaRPr lang="fr-FR" dirty="0" smtClean="0"/>
           </a:p>
           <a:p>
             <a:pPr lvl="1"/>
@@ -10916,7 +11523,7 @@
         <p:spPr>
           <a:xfrm>
             <a:off x="827584" y="836712"/>
-            <a:ext cx="1852002" cy="646331"/>
+            <a:ext cx="4751947" cy="646331"/>
           </a:xfrm>
           <a:prstGeom prst="rect">
             <a:avLst/>
@@ -10931,7 +11538,11 @@
           <a:p>
             <a:r>
               <a:rPr lang="fr-FR" b="1" dirty="0" smtClean="0"/>
-              <a:t>Routes custom</a:t>
+              <a:t>Model et persistance avec le </a:t>
+            </a:r>
+            <a:r>
+              <a:rPr lang="fr-FR" b="1" dirty="0" err="1" smtClean="0"/>
+              <a:t>localStorage</a:t>
             </a:r>
             <a:endParaRPr lang="fr-FR" b="1" dirty="0"/>
           </a:p>
@@ -10943,7 +11554,7 @@
     </p:spTree>
     <p:extLst>
       <p:ext uri="{BB962C8B-B14F-4D97-AF65-F5344CB8AC3E}">
-        <p14:creationId xmlns:p14="http://schemas.microsoft.com/office/powerpoint/2010/main" val="2849521412"/>
+        <p14:creationId xmlns:p14="http://schemas.microsoft.com/office/powerpoint/2010/main" val="3880261250"/>
       </p:ext>
     </p:extLst>
   </p:cSld>
@@ -11000,7 +11611,15 @@
             </a:r>
             <a:r>
               <a:rPr lang="fr-FR" noProof="0" dirty="0" smtClean="0"/>
-              <a:t> 7 </a:t>
+              <a:t> </a:t>
+            </a:r>
+            <a:r>
+              <a:rPr lang="fr-FR" dirty="0"/>
+              <a:t>6</a:t>
+            </a:r>
+            <a:r>
+              <a:rPr lang="fr-FR" noProof="0" dirty="0" smtClean="0"/>
+              <a:t> </a:t>
             </a:r>
             <a:endParaRPr lang="en-US" noProof="0" dirty="0"/>
           </a:p>
@@ -11024,7 +11643,7 @@
         </p:spPr>
         <p:txBody>
           <a:bodyPr>
-            <a:normAutofit lnSpcReduction="10000"/>
+            <a:normAutofit/>
           </a:bodyPr>
           <a:lstStyle/>
           <a:p>
@@ -11037,113 +11656,116 @@
             <a:pPr lvl="1"/>
             <a:r>
               <a:rPr lang="fr-FR" dirty="0" smtClean="0"/>
-              <a:t>On peut collecter les informations de l’utilisateur et les faire persister dans le </a:t>
+              <a:t>Toute l’application est dans </a:t>
             </a:r>
             <a:r>
               <a:rPr lang="fr-FR" dirty="0" err="1" smtClean="0"/>
-              <a:t>localStorage</a:t>
-            </a:r>
-            <a:r>
-              <a:rPr lang="fr-FR" dirty="0" smtClean="0"/>
-              <a:t>.</a:t>
-            </a:r>
-          </a:p>
-          <a:p>
-            <a:pPr lvl="1"/>
-            <a:r>
-              <a:rPr lang="fr-FR" dirty="0" smtClean="0"/>
-              <a:t>Nous avons une vue qui pointe sur </a:t>
+              <a:t>index.html</a:t>
+            </a:r>
+            <a:endParaRPr lang="fr-FR" dirty="0" smtClean="0"/>
+          </a:p>
+          <a:p>
+            <a:r>
+              <a:rPr lang="fr-FR" dirty="0" smtClean="0"/>
+              <a:t>Ce que l’on veut</a:t>
+            </a:r>
+          </a:p>
+          <a:p>
+            <a:pPr lvl="1"/>
+            <a:r>
+              <a:rPr lang="fr-FR" dirty="0" smtClean="0"/>
+              <a:t>Extraire l’interface utilisateur dans des fichiers sép</a:t>
+            </a:r>
+            <a:r>
+              <a:rPr lang="fr-FR" dirty="0"/>
+              <a:t>a</a:t>
+            </a:r>
+            <a:r>
+              <a:rPr lang="fr-FR" dirty="0" smtClean="0"/>
+              <a:t>rés et utiliser des routes</a:t>
+            </a:r>
+          </a:p>
+          <a:p>
+            <a:r>
+              <a:rPr lang="fr-FR" dirty="0" smtClean="0"/>
+              <a:t>Comment on fait ?</a:t>
+            </a:r>
+          </a:p>
+          <a:p>
+            <a:pPr lvl="1"/>
+            <a:r>
+              <a:rPr lang="fr-FR" dirty="0" smtClean="0"/>
+              <a:t>Copier le code du formulaire de </a:t>
+            </a:r>
+            <a:r>
+              <a:rPr lang="fr-FR" b="1" dirty="0" err="1" smtClean="0"/>
+              <a:t>index.html</a:t>
+            </a:r>
+            <a:r>
+              <a:rPr lang="fr-FR" dirty="0" smtClean="0"/>
+              <a:t> dans </a:t>
+            </a:r>
+            <a:r>
+              <a:rPr lang="fr-FR" b="1" dirty="0" err="1" smtClean="0"/>
+              <a:t>views</a:t>
+            </a:r>
+            <a:r>
+              <a:rPr lang="fr-FR" b="1" dirty="0" smtClean="0"/>
+              <a:t>/</a:t>
+            </a:r>
+            <a:r>
+              <a:rPr lang="fr-FR" b="1" dirty="0" err="1" smtClean="0"/>
+              <a:t>customer.html</a:t>
+            </a:r>
+            <a:endParaRPr lang="fr-FR" b="1" dirty="0" smtClean="0"/>
+          </a:p>
+          <a:p>
+            <a:pPr lvl="1"/>
+            <a:r>
+              <a:rPr lang="fr-FR" dirty="0" smtClean="0"/>
+              <a:t>Introduire à la place du code retiré, une directive </a:t>
+            </a:r>
+            <a:r>
+              <a:rPr lang="fr-FR" b="1" dirty="0" err="1" smtClean="0"/>
+              <a:t>ng-view</a:t>
+            </a:r>
+            <a:endParaRPr lang="fr-FR" b="1" dirty="0" smtClean="0"/>
+          </a:p>
+          <a:p>
+            <a:pPr lvl="1"/>
+            <a:r>
+              <a:rPr lang="fr-FR" dirty="0" smtClean="0"/>
+              <a:t>Définir une route dans le fichier </a:t>
             </a:r>
             <a:r>
               <a:rPr lang="fr-FR" dirty="0" err="1" smtClean="0"/>
+              <a:t>app.js</a:t>
+            </a:r>
+            <a:r>
+              <a:rPr lang="fr-FR" dirty="0" smtClean="0"/>
+              <a:t> qui pointe sur </a:t>
+            </a:r>
+            <a:r>
+              <a:rPr lang="fr-FR" b="1" dirty="0" err="1" smtClean="0"/>
+              <a:t>views</a:t>
+            </a:r>
+            <a:r>
+              <a:rPr lang="fr-FR" b="1" dirty="0" smtClean="0"/>
+              <a:t>/</a:t>
+            </a:r>
+            <a:r>
+              <a:rPr lang="fr-FR" b="1" dirty="0" err="1" smtClean="0"/>
               <a:t>customer.html</a:t>
             </a:r>
-            <a:endParaRPr lang="fr-FR" dirty="0" smtClean="0"/>
-          </a:p>
-          <a:p>
-            <a:pPr lvl="1"/>
-            <a:r>
-              <a:rPr lang="fr-FR" dirty="0" smtClean="0"/>
-              <a:t>Nous avons des fichiers statiques pour les vues </a:t>
-            </a:r>
-          </a:p>
-          <a:p>
-            <a:pPr lvl="2"/>
-            <a:r>
-              <a:rPr lang="en-US" dirty="0"/>
-              <a:t>views/who-we-</a:t>
-            </a:r>
-            <a:r>
-              <a:rPr lang="en-US" dirty="0" err="1"/>
-              <a:t>are.html</a:t>
-            </a:r>
-            <a:r>
-              <a:rPr lang="en-US" dirty="0"/>
-              <a:t> </a:t>
-            </a:r>
-          </a:p>
-          <a:p>
-            <a:pPr lvl="2"/>
-            <a:r>
-              <a:rPr lang="en-US" dirty="0"/>
-              <a:t>views/how-it-</a:t>
-            </a:r>
-            <a:r>
-              <a:rPr lang="en-US" dirty="0" err="1"/>
-              <a:t>works.html</a:t>
-            </a:r>
-            <a:endParaRPr lang="en-US" dirty="0"/>
-          </a:p>
-          <a:p>
-            <a:pPr lvl="2"/>
-            <a:r>
-              <a:rPr lang="en-US" dirty="0"/>
-              <a:t>views/</a:t>
-            </a:r>
-            <a:r>
-              <a:rPr lang="en-US" dirty="0" err="1"/>
-              <a:t>help.html</a:t>
-            </a:r>
-            <a:endParaRPr lang="fr-FR" dirty="0" smtClean="0"/>
-          </a:p>
-          <a:p>
-            <a:r>
-              <a:rPr lang="fr-FR" dirty="0" smtClean="0"/>
-              <a:t>Ce que l’on veut</a:t>
-            </a:r>
-          </a:p>
-          <a:p>
-            <a:pPr lvl="1"/>
-            <a:r>
-              <a:rPr lang="fr-FR" dirty="0" smtClean="0"/>
-              <a:t>Implémenter les routes des nouvelles vues et faire fonctionner la barre de navigation</a:t>
-            </a:r>
-          </a:p>
-          <a:p>
-            <a:r>
-              <a:rPr lang="fr-FR" dirty="0" smtClean="0"/>
-              <a:t>Comment on fait ?</a:t>
-            </a:r>
-          </a:p>
-          <a:p>
-            <a:pPr lvl="1"/>
-            <a:r>
-              <a:rPr lang="fr-FR" dirty="0" smtClean="0"/>
-              <a:t>Rajouter les nouvelles routes dans la configuration du </a:t>
-            </a:r>
-            <a:r>
-              <a:rPr lang="en-US" b="1" dirty="0"/>
-              <a:t>$</a:t>
-            </a:r>
-            <a:r>
-              <a:rPr lang="en-US" b="1" dirty="0" err="1"/>
-              <a:t>routeProvider</a:t>
+            <a:r>
+              <a:rPr lang="fr-FR" dirty="0" smtClean="0"/>
+              <a:t> avec le </a:t>
+            </a:r>
+            <a:r>
+              <a:rPr lang="fr-FR" b="1" dirty="0" err="1" smtClean="0"/>
+              <a:t>CustomerController</a:t>
             </a:r>
             <a:endParaRPr lang="fr-FR" b="1" dirty="0" smtClean="0"/>
-          </a:p>
-          <a:p>
-            <a:pPr lvl="1"/>
-            <a:endParaRPr lang="fr-FR" dirty="0" smtClean="0"/>
           </a:p>
           <a:p>
             <a:pPr lvl="1"/>
@@ -11166,7 +11788,7 @@
         <p:spPr>
           <a:xfrm>
             <a:off x="827584" y="836712"/>
-            <a:ext cx="2044512" cy="646331"/>
+            <a:ext cx="1852002" cy="646331"/>
           </a:xfrm>
           <a:prstGeom prst="rect">
             <a:avLst/>
@@ -11181,7 +11803,7 @@
           <a:p>
             <a:r>
               <a:rPr lang="fr-FR" b="1" dirty="0" smtClean="0"/>
-              <a:t>Routes statiques</a:t>
+              <a:t>Routes custom</a:t>
             </a:r>
             <a:endParaRPr lang="fr-FR" b="1" dirty="0"/>
           </a:p>
@@ -11250,7 +11872,7 @@
             </a:r>
             <a:r>
               <a:rPr lang="fr-FR" noProof="0" dirty="0" smtClean="0"/>
-              <a:t> 8 </a:t>
+              <a:t> 7 </a:t>
             </a:r>
             <a:endParaRPr lang="en-US" noProof="0" dirty="0"/>
           </a:p>
@@ -11274,7 +11896,7 @@
         </p:spPr>
         <p:txBody>
           <a:bodyPr>
-            <a:normAutofit/>
+            <a:normAutofit lnSpcReduction="10000"/>
           </a:bodyPr>
           <a:lstStyle/>
           <a:p>
@@ -11287,8 +11909,74 @@
             <a:pPr lvl="1"/>
             <a:r>
               <a:rPr lang="fr-FR" dirty="0" smtClean="0"/>
-              <a:t>Un menu de navigation qui ne montre pas la sélection courante</a:t>
-            </a:r>
+              <a:t>On peut collecter les informations de l’utilisateur et les faire persister dans le </a:t>
+            </a:r>
+            <a:r>
+              <a:rPr lang="fr-FR" dirty="0" err="1" smtClean="0"/>
+              <a:t>localStorage</a:t>
+            </a:r>
+            <a:r>
+              <a:rPr lang="fr-FR" dirty="0" smtClean="0"/>
+              <a:t>.</a:t>
+            </a:r>
+          </a:p>
+          <a:p>
+            <a:pPr lvl="1"/>
+            <a:r>
+              <a:rPr lang="fr-FR" dirty="0" smtClean="0"/>
+              <a:t>Nous avons une vue qui pointe sur </a:t>
+            </a:r>
+            <a:r>
+              <a:rPr lang="fr-FR" dirty="0" err="1" smtClean="0"/>
+              <a:t>customer.html</a:t>
+            </a:r>
+            <a:endParaRPr lang="fr-FR" dirty="0" smtClean="0"/>
+          </a:p>
+          <a:p>
+            <a:pPr lvl="1"/>
+            <a:r>
+              <a:rPr lang="fr-FR" dirty="0" smtClean="0"/>
+              <a:t>Nous avons des fichiers statiques pour les vues </a:t>
+            </a:r>
+          </a:p>
+          <a:p>
+            <a:pPr lvl="2"/>
+            <a:r>
+              <a:rPr lang="en-US" dirty="0"/>
+              <a:t>views/who-we-</a:t>
+            </a:r>
+            <a:r>
+              <a:rPr lang="en-US" dirty="0" err="1"/>
+              <a:t>are.html</a:t>
+            </a:r>
+            <a:r>
+              <a:rPr lang="en-US" dirty="0"/>
+              <a:t> </a:t>
+            </a:r>
+          </a:p>
+          <a:p>
+            <a:pPr lvl="2"/>
+            <a:r>
+              <a:rPr lang="en-US" dirty="0"/>
+              <a:t>views/how-it-</a:t>
+            </a:r>
+            <a:r>
+              <a:rPr lang="en-US" dirty="0" err="1"/>
+              <a:t>works.html</a:t>
+            </a:r>
+            <a:endParaRPr lang="en-US" dirty="0"/>
+          </a:p>
+          <a:p>
+            <a:pPr lvl="2"/>
+            <a:r>
+              <a:rPr lang="en-US" dirty="0"/>
+              <a:t>views/</a:t>
+            </a:r>
+            <a:r>
+              <a:rPr lang="en-US" dirty="0" err="1"/>
+              <a:t>help.html</a:t>
+            </a:r>
+            <a:endParaRPr lang="fr-FR" dirty="0" smtClean="0"/>
           </a:p>
           <a:p>
             <a:r>
@@ -11300,7 +11988,7 @@
             <a:pPr lvl="1"/>
             <a:r>
               <a:rPr lang="fr-FR" dirty="0" smtClean="0"/>
-              <a:t>Rajouter une classe ‘active’ sur l’item courant</a:t>
+              <a:t>Implémenter les routes des nouvelles vues et faire fonctionner la barre de navigation</a:t>
             </a:r>
           </a:p>
           <a:p>
@@ -11313,78 +12001,21 @@
             <a:pPr lvl="1"/>
             <a:r>
               <a:rPr lang="fr-FR" dirty="0" smtClean="0"/>
-              <a:t>Créer un </a:t>
-            </a:r>
-            <a:r>
-              <a:rPr lang="fr-FR" b="1" dirty="0" err="1" smtClean="0"/>
-              <a:t>NavbarController</a:t>
-            </a:r>
-            <a:r>
-              <a:rPr lang="fr-FR" dirty="0" smtClean="0"/>
-              <a:t> et le charger dans la page</a:t>
-            </a:r>
-          </a:p>
-          <a:p>
-            <a:pPr lvl="1"/>
-            <a:r>
-              <a:rPr lang="fr-FR" dirty="0" smtClean="0"/>
-              <a:t>Créer une méthode </a:t>
-            </a:r>
-            <a:r>
-              <a:rPr lang="fr-FR" b="1" dirty="0" err="1" smtClean="0"/>
-              <a:t>routeIs</a:t>
-            </a:r>
-            <a:r>
-              <a:rPr lang="fr-FR" b="1" dirty="0" smtClean="0"/>
-              <a:t>()</a:t>
-            </a:r>
-            <a:r>
-              <a:rPr lang="fr-FR" dirty="0" smtClean="0"/>
-              <a:t> qui détermine si le </a:t>
-            </a:r>
-            <a:r>
-              <a:rPr lang="fr-FR" dirty="0" err="1" smtClean="0"/>
-              <a:t>path</a:t>
-            </a:r>
-            <a:r>
-              <a:rPr lang="fr-FR" dirty="0" smtClean="0"/>
-              <a:t> courant match avec le menu</a:t>
-            </a:r>
-          </a:p>
-          <a:p>
-            <a:pPr lvl="1"/>
-            <a:r>
-              <a:rPr lang="fr-FR" dirty="0" smtClean="0"/>
-              <a:t>Rajouter une directive </a:t>
-            </a:r>
-            <a:r>
-              <a:rPr lang="fr-FR" b="1" dirty="0" err="1" smtClean="0"/>
-              <a:t>ng</a:t>
-            </a:r>
-            <a:r>
-              <a:rPr lang="fr-FR" b="1" dirty="0" smtClean="0"/>
-              <a:t>-class</a:t>
-            </a:r>
-            <a:r>
-              <a:rPr lang="fr-FR" dirty="0" smtClean="0"/>
-              <a:t> qui utilise la méthode </a:t>
-            </a:r>
-            <a:r>
-              <a:rPr lang="fr-FR" b="1" dirty="0" err="1" smtClean="0"/>
-              <a:t>routeIs</a:t>
-            </a:r>
-            <a:r>
-              <a:rPr lang="fr-FR" b="1" dirty="0" smtClean="0"/>
-              <a:t>()</a:t>
-            </a:r>
-            <a:r>
-              <a:rPr lang="fr-FR" dirty="0" smtClean="0"/>
-              <a:t> pour rajouter la classe </a:t>
-            </a:r>
-            <a:r>
-              <a:rPr lang="fr-FR" b="1" dirty="0" smtClean="0"/>
-              <a:t>active</a:t>
-            </a:r>
+              <a:t>Rajouter les nouvelles routes dans la configuration du </a:t>
+            </a:r>
+            <a:r>
+              <a:rPr lang="en-US" b="1" dirty="0"/>
+              <a:t>$</a:t>
+            </a:r>
+            <a:r>
+              <a:rPr lang="en-US" b="1" dirty="0" err="1"/>
+              <a:t>routeProvider</a:t>
+            </a:r>
+            <a:endParaRPr lang="fr-FR" b="1" dirty="0" smtClean="0"/>
+          </a:p>
+          <a:p>
+            <a:pPr lvl="1"/>
+            <a:endParaRPr lang="fr-FR" dirty="0" smtClean="0"/>
           </a:p>
           <a:p>
             <a:pPr lvl="1"/>
@@ -11407,7 +12038,7 @@
         <p:spPr>
           <a:xfrm>
             <a:off x="827584" y="836712"/>
-            <a:ext cx="4135530" cy="646331"/>
+            <a:ext cx="2044512" cy="646331"/>
           </a:xfrm>
           <a:prstGeom prst="rect">
             <a:avLst/>
@@ -11421,16 +12052,8 @@
           <a:lstStyle/>
           <a:p>
             <a:r>
-              <a:rPr lang="fr-FR" b="1" dirty="0" err="1" smtClean="0"/>
-              <a:t>Selection</a:t>
-            </a:r>
-            <a:r>
               <a:rPr lang="fr-FR" b="1" dirty="0" smtClean="0"/>
-              <a:t> dans la barre de </a:t>
-            </a:r>
-            <a:r>
-              <a:rPr lang="fr-FR" b="1" dirty="0" err="1" smtClean="0"/>
-              <a:t>naigation</a:t>
+              <a:t>Routes statiques</a:t>
             </a:r>
             <a:endParaRPr lang="fr-FR" b="1" dirty="0"/>
           </a:p>
@@ -11499,7 +12122,7 @@
             </a:r>
             <a:r>
               <a:rPr lang="fr-FR" noProof="0" dirty="0" smtClean="0"/>
-              <a:t> 9 </a:t>
+              <a:t> 8 </a:t>
             </a:r>
             <a:endParaRPr lang="en-US" noProof="0" dirty="0"/>
           </a:p>
@@ -11523,7 +12146,7 @@
         </p:spPr>
         <p:txBody>
           <a:bodyPr>
-            <a:normAutofit fontScale="92500" lnSpcReduction="10000"/>
+            <a:normAutofit/>
           </a:bodyPr>
           <a:lstStyle/>
           <a:p>
@@ -11536,7 +12159,7 @@
             <a:pPr lvl="1"/>
             <a:r>
               <a:rPr lang="fr-FR" dirty="0" smtClean="0"/>
-              <a:t>Sur l’écran d’accueil, le formulaire</a:t>
+              <a:t>Un menu de navigation qui ne montre pas la sélection courante</a:t>
             </a:r>
           </a:p>
           <a:p>
@@ -11549,14 +12172,7 @@
             <a:pPr lvl="1"/>
             <a:r>
               <a:rPr lang="fr-FR" dirty="0" smtClean="0"/>
-              <a:t>Afficher un conteneur pour la liste de restaurants en accueil</a:t>
-            </a:r>
-          </a:p>
-          <a:p>
-            <a:pPr lvl="1"/>
-            <a:r>
-              <a:rPr lang="fr-FR" dirty="0" smtClean="0"/>
-              <a:t>Déplacer la route du formulaire dans une autre définition</a:t>
+              <a:t>Rajouter une classe ‘active’ sur l’item courant</a:t>
             </a:r>
           </a:p>
           <a:p>
@@ -11569,134 +12185,78 @@
             <a:pPr lvl="1"/>
             <a:r>
               <a:rPr lang="fr-FR" dirty="0" smtClean="0"/>
-              <a:t>Créer et charger un </a:t>
+              <a:t>Créer un </a:t>
             </a:r>
             <a:r>
               <a:rPr lang="fr-FR" b="1" dirty="0" err="1" smtClean="0"/>
-              <a:t>RestaurantController</a:t>
-            </a:r>
-            <a:r>
-              <a:rPr lang="fr-FR" dirty="0" smtClean="0"/>
-              <a:t> qui redirige vers le </a:t>
+              <a:t>NavbarController</a:t>
+            </a:r>
+            <a:r>
+              <a:rPr lang="fr-FR" dirty="0" smtClean="0"/>
+              <a:t> et le charger dans la page</a:t>
+            </a:r>
+          </a:p>
+          <a:p>
+            <a:pPr lvl="1"/>
+            <a:r>
+              <a:rPr lang="fr-FR" dirty="0" smtClean="0"/>
+              <a:t>Créer une méthode </a:t>
             </a:r>
             <a:r>
               <a:rPr lang="fr-FR" b="1" dirty="0" err="1" smtClean="0"/>
-              <a:t>CustomerController</a:t>
-            </a:r>
-            <a:r>
-              <a:rPr lang="fr-FR" dirty="0" smtClean="0"/>
-              <a:t> si il n’y a pas de </a:t>
+              <a:t>routeIs</a:t>
+            </a:r>
+            <a:r>
+              <a:rPr lang="fr-FR" b="1" dirty="0" smtClean="0"/>
+              <a:t>()</a:t>
+            </a:r>
+            <a:r>
+              <a:rPr lang="fr-FR" dirty="0" smtClean="0"/>
+              <a:t> qui détermine si le </a:t>
+            </a:r>
+            <a:r>
+              <a:rPr lang="fr-FR" dirty="0" err="1" smtClean="0"/>
+              <a:t>path</a:t>
+            </a:r>
+            <a:r>
+              <a:rPr lang="fr-FR" dirty="0" smtClean="0"/>
+              <a:t> courant match avec le menu</a:t>
+            </a:r>
+          </a:p>
+          <a:p>
+            <a:pPr lvl="1"/>
+            <a:r>
+              <a:rPr lang="fr-FR" dirty="0" smtClean="0"/>
+              <a:t>Rajouter une directive </a:t>
             </a:r>
             <a:r>
               <a:rPr lang="fr-FR" b="1" dirty="0" err="1" smtClean="0"/>
-              <a:t>customer</a:t>
-            </a:r>
-            <a:r>
-              <a:rPr lang="fr-FR" dirty="0" smtClean="0"/>
-              <a:t> courant</a:t>
-            </a:r>
-          </a:p>
-          <a:p>
-            <a:pPr lvl="1"/>
-            <a:r>
-              <a:rPr lang="fr-FR" dirty="0" smtClean="0"/>
-              <a:t>Faire que la route ‘/’ pointe désormais sur le </a:t>
+              <a:t>ng</a:t>
+            </a:r>
+            <a:r>
+              <a:rPr lang="fr-FR" b="1" dirty="0" smtClean="0"/>
+              <a:t>-class</a:t>
+            </a:r>
+            <a:r>
+              <a:rPr lang="fr-FR" dirty="0" smtClean="0"/>
+              <a:t> qui utilise la méthode </a:t>
             </a:r>
             <a:r>
               <a:rPr lang="fr-FR" b="1" dirty="0" err="1" smtClean="0"/>
-              <a:t>RestaurantController</a:t>
-            </a:r>
-            <a:endParaRPr lang="fr-FR" b="1" dirty="0" smtClean="0"/>
-          </a:p>
-          <a:p>
-            <a:pPr lvl="1"/>
-            <a:r>
-              <a:rPr lang="fr-FR" dirty="0" smtClean="0"/>
-              <a:t>Associer </a:t>
-            </a:r>
-            <a:r>
-              <a:rPr lang="fr-FR" dirty="0"/>
-              <a:t>la route au </a:t>
-            </a:r>
-            <a:r>
-              <a:rPr lang="fr-FR" dirty="0" err="1"/>
-              <a:t>template</a:t>
-            </a:r>
-            <a:r>
-              <a:rPr lang="fr-FR" dirty="0"/>
-              <a:t>(vide) </a:t>
-            </a:r>
-            <a:r>
-              <a:rPr lang="fr-FR" b="1" dirty="0" err="1" smtClean="0"/>
-              <a:t>restaurant.html</a:t>
-            </a:r>
-            <a:endParaRPr lang="fr-FR" b="1" dirty="0" smtClean="0"/>
-          </a:p>
-          <a:p>
-            <a:pPr lvl="1"/>
-            <a:r>
-              <a:rPr lang="fr-FR" dirty="0" smtClean="0"/>
-              <a:t>Associer le </a:t>
-            </a:r>
-            <a:r>
-              <a:rPr lang="fr-FR" b="1" dirty="0" err="1"/>
-              <a:t>CustomerController</a:t>
-            </a:r>
-            <a:r>
-              <a:rPr lang="fr-FR" dirty="0"/>
-              <a:t> </a:t>
-            </a:r>
-            <a:r>
-              <a:rPr lang="fr-FR" dirty="0" smtClean="0"/>
-              <a:t>à la route ‘/</a:t>
-            </a:r>
-            <a:r>
-              <a:rPr lang="fr-FR" dirty="0" err="1" smtClean="0"/>
-              <a:t>customer</a:t>
-            </a:r>
-            <a:r>
-              <a:rPr lang="fr-FR" dirty="0" smtClean="0"/>
-              <a:t>’</a:t>
-            </a:r>
-          </a:p>
-          <a:p>
-            <a:pPr lvl="1"/>
-            <a:r>
-              <a:rPr lang="fr-FR" dirty="0" smtClean="0"/>
-              <a:t>Rediriger de </a:t>
-            </a:r>
-            <a:r>
-              <a:rPr lang="fr-FR" b="1" dirty="0" err="1"/>
-              <a:t>CustomerController</a:t>
-            </a:r>
-            <a:r>
-              <a:rPr lang="fr-FR" dirty="0"/>
-              <a:t> </a:t>
+              <a:t>routeIs</a:t>
             </a:r>
             <a:r>
               <a:rPr lang="fr-FR" b="1" dirty="0" smtClean="0"/>
-              <a:t> </a:t>
-            </a:r>
-            <a:r>
-              <a:rPr lang="fr-FR" dirty="0" smtClean="0"/>
-              <a:t>vers</a:t>
+              <a:t>()</a:t>
+            </a:r>
+            <a:r>
+              <a:rPr lang="fr-FR" dirty="0" smtClean="0"/>
+              <a:t> pour rajouter la classe </a:t>
             </a:r>
             <a:r>
               <a:rPr lang="fr-FR" b="1" dirty="0" smtClean="0"/>
-              <a:t> </a:t>
-            </a:r>
-            <a:r>
-              <a:rPr lang="fr-FR" b="1" dirty="0" err="1" smtClean="0"/>
-              <a:t>RestaurantController</a:t>
-            </a:r>
-            <a:r>
-              <a:rPr lang="fr-FR" dirty="0" smtClean="0"/>
-              <a:t> quand les informations sont validées</a:t>
-            </a:r>
-          </a:p>
-          <a:p>
-            <a:pPr lvl="1"/>
-            <a:endParaRPr lang="fr-FR" dirty="0" smtClean="0"/>
+              <a:t>active</a:t>
+            </a:r>
           </a:p>
           <a:p>
             <a:pPr lvl="1"/>
@@ -11719,7 +12279,7 @@
         <p:spPr>
           <a:xfrm>
             <a:off x="827584" y="836712"/>
-            <a:ext cx="5559635" cy="646331"/>
+            <a:ext cx="4135530" cy="646331"/>
           </a:xfrm>
           <a:prstGeom prst="rect">
             <a:avLst/>
@@ -11733,8 +12293,16 @@
           <a:lstStyle/>
           <a:p>
             <a:r>
+              <a:rPr lang="fr-FR" b="1" dirty="0" err="1" smtClean="0"/>
+              <a:t>Selection</a:t>
+            </a:r>
+            <a:r>
               <a:rPr lang="fr-FR" b="1" dirty="0" smtClean="0"/>
-              <a:t>Route vers une liste de restaurants et redirection</a:t>
+              <a:t> dans la barre de </a:t>
+            </a:r>
+            <a:r>
+              <a:rPr lang="fr-FR" b="1" dirty="0" err="1" smtClean="0"/>
+              <a:t>naigation</a:t>
             </a:r>
             <a:endParaRPr lang="fr-FR" b="1" dirty="0"/>
           </a:p>

--- a/TP-FOODME.pptx
+++ b/TP-FOODME.pptx
@@ -5,10 +5,10 @@
     <p:sldMasterId id="2147483791" r:id="rId1"/>
   </p:sldMasterIdLst>
   <p:notesMasterIdLst>
-    <p:notesMasterId r:id="rId31"/>
+    <p:notesMasterId r:id="rId32"/>
   </p:notesMasterIdLst>
   <p:handoutMasterIdLst>
-    <p:handoutMasterId r:id="rId32"/>
+    <p:handoutMasterId r:id="rId33"/>
   </p:handoutMasterIdLst>
   <p:sldIdLst>
     <p:sldId id="378" r:id="rId2"/>
@@ -23,23 +23,24 @@
     <p:sldId id="498" r:id="rId11"/>
     <p:sldId id="499" r:id="rId12"/>
     <p:sldId id="500" r:id="rId13"/>
-    <p:sldId id="501" r:id="rId14"/>
-    <p:sldId id="504" r:id="rId15"/>
-    <p:sldId id="505" r:id="rId16"/>
-    <p:sldId id="506" r:id="rId17"/>
-    <p:sldId id="507" r:id="rId18"/>
-    <p:sldId id="509" r:id="rId19"/>
-    <p:sldId id="510" r:id="rId20"/>
-    <p:sldId id="511" r:id="rId21"/>
-    <p:sldId id="512" r:id="rId22"/>
-    <p:sldId id="513" r:id="rId23"/>
-    <p:sldId id="514" r:id="rId24"/>
-    <p:sldId id="515" r:id="rId25"/>
-    <p:sldId id="516" r:id="rId26"/>
-    <p:sldId id="517" r:id="rId27"/>
-    <p:sldId id="518" r:id="rId28"/>
-    <p:sldId id="519" r:id="rId29"/>
-    <p:sldId id="520" r:id="rId30"/>
+    <p:sldId id="522" r:id="rId14"/>
+    <p:sldId id="501" r:id="rId15"/>
+    <p:sldId id="504" r:id="rId16"/>
+    <p:sldId id="505" r:id="rId17"/>
+    <p:sldId id="506" r:id="rId18"/>
+    <p:sldId id="507" r:id="rId19"/>
+    <p:sldId id="509" r:id="rId20"/>
+    <p:sldId id="510" r:id="rId21"/>
+    <p:sldId id="511" r:id="rId22"/>
+    <p:sldId id="512" r:id="rId23"/>
+    <p:sldId id="513" r:id="rId24"/>
+    <p:sldId id="514" r:id="rId25"/>
+    <p:sldId id="515" r:id="rId26"/>
+    <p:sldId id="516" r:id="rId27"/>
+    <p:sldId id="517" r:id="rId28"/>
+    <p:sldId id="518" r:id="rId29"/>
+    <p:sldId id="519" r:id="rId30"/>
+    <p:sldId id="520" r:id="rId31"/>
   </p:sldIdLst>
   <p:sldSz cx="9144000" cy="6858000" type="screen4x3"/>
   <p:notesSz cx="6858000" cy="9144000"/>
@@ -224,7 +225,7 @@
             <a:fld id="{9B63E959-B0BC-544E-806F-521C92DDD820}" type="datetimeFigureOut">
               <a:rPr lang="fr-FR" smtClean="0"/>
               <a:pPr/>
-              <a:t>21/10/13</a:t>
+              <a:t>22/10/13</a:t>
             </a:fld>
             <a:endParaRPr lang="fr-FR"/>
           </a:p>
@@ -391,7 +392,7 @@
             <a:fld id="{871D3851-1182-401F-83EE-F2D67AE5C6C1}" type="datetimeFigureOut">
               <a:rPr lang="fr-FR" smtClean="0"/>
               <a:pPr/>
-              <a:t>21/10/13</a:t>
+              <a:t>22/10/13</a:t>
             </a:fld>
             <a:endParaRPr lang="fr-FR"/>
           </a:p>
@@ -1590,22 +1591,8 @@
           <a:lstStyle/>
           <a:p>
             <a:r>
-              <a:rPr lang="fr-FR" dirty="0" smtClean="0"/>
+              <a:rPr lang="fr-FR" smtClean="0"/>
               <a:t>TIPS:</a:t>
-            </a:r>
-          </a:p>
-          <a:p>
-            <a:r>
-              <a:rPr lang="fr-FR" dirty="0" smtClean="0"/>
-              <a:t>- Injecter les dépendances scope, $</a:t>
-            </a:r>
-            <a:r>
-              <a:rPr lang="fr-FR" dirty="0" err="1" smtClean="0"/>
-              <a:t>routeParams</a:t>
-            </a:r>
-            <a:r>
-              <a:rPr lang="fr-FR" dirty="0" smtClean="0"/>
-              <a:t> et  Restaurant</a:t>
             </a:r>
             <a:endParaRPr lang="fr-FR" dirty="0"/>
           </a:p>
@@ -1788,144 +1775,17 @@
           </a:p>
           <a:p>
             <a:r>
-              <a:rPr lang="tr-TR" dirty="0" err="1" smtClean="0"/>
-              <a:t>foodMeApp.filter</a:t>
-            </a:r>
-            <a:r>
-              <a:rPr lang="tr-TR" dirty="0" smtClean="0"/>
-              <a:t>('</a:t>
-            </a:r>
-            <a:r>
-              <a:rPr lang="tr-TR" dirty="0" err="1" smtClean="0"/>
-              <a:t>dollars</a:t>
-            </a:r>
-            <a:r>
-              <a:rPr lang="tr-TR" dirty="0" smtClean="0"/>
-              <a:t>', </a:t>
-            </a:r>
-            <a:r>
-              <a:rPr lang="tr-TR" dirty="0" err="1" smtClean="0"/>
-              <a:t>function</a:t>
-            </a:r>
-            <a:r>
-              <a:rPr lang="tr-TR" dirty="0" smtClean="0"/>
-              <a:t>() {</a:t>
-            </a:r>
-          </a:p>
-          <a:p>
-            <a:r>
-              <a:rPr lang="tr-TR" dirty="0" smtClean="0"/>
-              <a:t>  var DOLLARS = {</a:t>
-            </a:r>
-          </a:p>
-          <a:p>
-            <a:r>
-              <a:rPr lang="tr-TR" dirty="0" smtClean="0"/>
-              <a:t>    1: '$',</a:t>
-            </a:r>
-          </a:p>
-          <a:p>
-            <a:r>
-              <a:rPr lang="tr-TR" dirty="0" smtClean="0"/>
-              <a:t>    2: '$$',</a:t>
-            </a:r>
-          </a:p>
-          <a:p>
-            <a:r>
-              <a:rPr lang="tr-TR" dirty="0" smtClean="0"/>
-              <a:t>    3: '$$$',</a:t>
-            </a:r>
-          </a:p>
-          <a:p>
-            <a:r>
-              <a:rPr lang="tr-TR" dirty="0" smtClean="0"/>
-              <a:t>    4: '$$$$',</a:t>
-            </a:r>
-          </a:p>
-          <a:p>
-            <a:r>
-              <a:rPr lang="tr-TR" dirty="0" smtClean="0"/>
-              <a:t>    5: '$$$$$'</a:t>
-            </a:r>
-          </a:p>
-          <a:p>
-            <a:r>
-              <a:rPr lang="tr-TR" dirty="0" smtClean="0"/>
-              <a:t>  }</a:t>
-            </a:r>
-          </a:p>
-          <a:p>
-            <a:r>
-              <a:rPr lang="tr-TR" dirty="0" smtClean="0"/>
-              <a:t> </a:t>
-            </a:r>
-          </a:p>
-          <a:p>
-            <a:r>
-              <a:rPr lang="tr-TR" dirty="0" smtClean="0"/>
-              <a:t>  </a:t>
-            </a:r>
-            <a:r>
-              <a:rPr lang="tr-TR" dirty="0" err="1" smtClean="0"/>
-              <a:t>return</a:t>
-            </a:r>
-            <a:r>
-              <a:rPr lang="tr-TR" dirty="0" smtClean="0"/>
-              <a:t> </a:t>
-            </a:r>
-            <a:r>
-              <a:rPr lang="tr-TR" dirty="0" err="1" smtClean="0"/>
-              <a:t>function</a:t>
-            </a:r>
-            <a:r>
-              <a:rPr lang="tr-TR" dirty="0" smtClean="0"/>
-              <a:t>(</a:t>
-            </a:r>
-            <a:r>
-              <a:rPr lang="tr-TR" dirty="0" err="1" smtClean="0"/>
-              <a:t>dollarCount</a:t>
-            </a:r>
-            <a:r>
-              <a:rPr lang="tr-TR" dirty="0" smtClean="0"/>
-              <a:t>) {</a:t>
-            </a:r>
-          </a:p>
-          <a:p>
-            <a:r>
-              <a:rPr lang="tr-TR" dirty="0" smtClean="0"/>
-              <a:t>    </a:t>
-            </a:r>
-            <a:r>
-              <a:rPr lang="tr-TR" dirty="0" err="1" smtClean="0"/>
-              <a:t>return</a:t>
-            </a:r>
-            <a:r>
-              <a:rPr lang="tr-TR" dirty="0" smtClean="0"/>
-              <a:t> DOLLARS[</a:t>
-            </a:r>
-            <a:r>
-              <a:rPr lang="tr-TR" dirty="0" err="1" smtClean="0"/>
-              <a:t>dollarCount</a:t>
-            </a:r>
-            <a:r>
-              <a:rPr lang="tr-TR" dirty="0" smtClean="0"/>
-              <a:t>]</a:t>
-            </a:r>
-          </a:p>
-          <a:p>
-            <a:r>
-              <a:rPr lang="tr-TR" dirty="0" smtClean="0"/>
-              <a:t>  };</a:t>
-            </a:r>
-          </a:p>
-          <a:p>
-            <a:r>
-              <a:rPr lang="tr-TR" dirty="0" smtClean="0"/>
-              <a:t> });</a:t>
-            </a:r>
-            <a:endParaRPr lang="fr-FR" dirty="0" smtClean="0"/>
-          </a:p>
-          <a:p>
+              <a:rPr lang="fr-FR" dirty="0" smtClean="0"/>
+              <a:t>- Injecter les dépendances scope, $</a:t>
+            </a:r>
+            <a:r>
+              <a:rPr lang="fr-FR" dirty="0" err="1" smtClean="0"/>
+              <a:t>routeParams</a:t>
+            </a:r>
+            <a:r>
+              <a:rPr lang="fr-FR" dirty="0" smtClean="0"/>
+              <a:t> et  Restaurant</a:t>
+            </a:r>
             <a:endParaRPr lang="fr-FR" dirty="0"/>
           </a:p>
         </p:txBody>
@@ -2015,6 +1875,147 @@
               <a:rPr lang="fr-FR" dirty="0" smtClean="0"/>
               <a:t>TIPS:</a:t>
             </a:r>
+          </a:p>
+          <a:p>
+            <a:r>
+              <a:rPr lang="tr-TR" dirty="0" err="1" smtClean="0"/>
+              <a:t>foodMeApp.filter</a:t>
+            </a:r>
+            <a:r>
+              <a:rPr lang="tr-TR" dirty="0" smtClean="0"/>
+              <a:t>('</a:t>
+            </a:r>
+            <a:r>
+              <a:rPr lang="tr-TR" dirty="0" err="1" smtClean="0"/>
+              <a:t>dollars</a:t>
+            </a:r>
+            <a:r>
+              <a:rPr lang="tr-TR" dirty="0" smtClean="0"/>
+              <a:t>', </a:t>
+            </a:r>
+            <a:r>
+              <a:rPr lang="tr-TR" dirty="0" err="1" smtClean="0"/>
+              <a:t>function</a:t>
+            </a:r>
+            <a:r>
+              <a:rPr lang="tr-TR" dirty="0" smtClean="0"/>
+              <a:t>() {</a:t>
+            </a:r>
+          </a:p>
+          <a:p>
+            <a:r>
+              <a:rPr lang="tr-TR" dirty="0" smtClean="0"/>
+              <a:t>  var DOLLARS = {</a:t>
+            </a:r>
+          </a:p>
+          <a:p>
+            <a:r>
+              <a:rPr lang="tr-TR" dirty="0" smtClean="0"/>
+              <a:t>    1: '$',</a:t>
+            </a:r>
+          </a:p>
+          <a:p>
+            <a:r>
+              <a:rPr lang="tr-TR" dirty="0" smtClean="0"/>
+              <a:t>    2: '$$',</a:t>
+            </a:r>
+          </a:p>
+          <a:p>
+            <a:r>
+              <a:rPr lang="tr-TR" dirty="0" smtClean="0"/>
+              <a:t>    3: '$$$',</a:t>
+            </a:r>
+          </a:p>
+          <a:p>
+            <a:r>
+              <a:rPr lang="tr-TR" dirty="0" smtClean="0"/>
+              <a:t>    4: '$$$$',</a:t>
+            </a:r>
+          </a:p>
+          <a:p>
+            <a:r>
+              <a:rPr lang="tr-TR" dirty="0" smtClean="0"/>
+              <a:t>    5: '$$$$$'</a:t>
+            </a:r>
+          </a:p>
+          <a:p>
+            <a:r>
+              <a:rPr lang="tr-TR" dirty="0" smtClean="0"/>
+              <a:t>  }</a:t>
+            </a:r>
+          </a:p>
+          <a:p>
+            <a:r>
+              <a:rPr lang="tr-TR" dirty="0" smtClean="0"/>
+              <a:t> </a:t>
+            </a:r>
+          </a:p>
+          <a:p>
+            <a:r>
+              <a:rPr lang="tr-TR" dirty="0" smtClean="0"/>
+              <a:t>  </a:t>
+            </a:r>
+            <a:r>
+              <a:rPr lang="tr-TR" dirty="0" err="1" smtClean="0"/>
+              <a:t>return</a:t>
+            </a:r>
+            <a:r>
+              <a:rPr lang="tr-TR" dirty="0" smtClean="0"/>
+              <a:t> </a:t>
+            </a:r>
+            <a:r>
+              <a:rPr lang="tr-TR" dirty="0" err="1" smtClean="0"/>
+              <a:t>function</a:t>
+            </a:r>
+            <a:r>
+              <a:rPr lang="tr-TR" dirty="0" smtClean="0"/>
+              <a:t>(</a:t>
+            </a:r>
+            <a:r>
+              <a:rPr lang="tr-TR" dirty="0" err="1" smtClean="0"/>
+              <a:t>dollarCount</a:t>
+            </a:r>
+            <a:r>
+              <a:rPr lang="tr-TR" dirty="0" smtClean="0"/>
+              <a:t>) {</a:t>
+            </a:r>
+          </a:p>
+          <a:p>
+            <a:r>
+              <a:rPr lang="tr-TR" dirty="0" smtClean="0"/>
+              <a:t>    </a:t>
+            </a:r>
+            <a:r>
+              <a:rPr lang="tr-TR" dirty="0" err="1" smtClean="0"/>
+              <a:t>return</a:t>
+            </a:r>
+            <a:r>
+              <a:rPr lang="tr-TR" dirty="0" smtClean="0"/>
+              <a:t> DOLLARS[</a:t>
+            </a:r>
+            <a:r>
+              <a:rPr lang="tr-TR" dirty="0" err="1" smtClean="0"/>
+              <a:t>dollarCount</a:t>
+            </a:r>
+            <a:r>
+              <a:rPr lang="tr-TR" dirty="0" smtClean="0"/>
+              <a:t>]</a:t>
+            </a:r>
+          </a:p>
+          <a:p>
+            <a:r>
+              <a:rPr lang="tr-TR" dirty="0" smtClean="0"/>
+              <a:t>  };</a:t>
+            </a:r>
+          </a:p>
+          <a:p>
+            <a:r>
+              <a:rPr lang="tr-TR" dirty="0" smtClean="0"/>
+              <a:t> });</a:t>
+            </a:r>
+            <a:endParaRPr lang="fr-FR" dirty="0" smtClean="0"/>
+          </a:p>
+          <a:p>
             <a:endParaRPr lang="fr-FR" dirty="0"/>
           </a:p>
         </p:txBody>
@@ -2101,7 +2102,7 @@
           <a:lstStyle/>
           <a:p>
             <a:r>
-              <a:rPr lang="fr-FR" smtClean="0"/>
+              <a:rPr lang="fr-FR" dirty="0" smtClean="0"/>
               <a:t>TIPS:</a:t>
             </a:r>
             <a:endParaRPr lang="fr-FR" dirty="0"/>
@@ -2546,32 +2547,8 @@
           <a:lstStyle/>
           <a:p>
             <a:r>
-              <a:rPr lang="fr-FR" dirty="0" smtClean="0"/>
-              <a:t>EN PLUS</a:t>
-            </a:r>
-          </a:p>
-          <a:p>
-            <a:r>
-              <a:rPr lang="fr-FR" dirty="0" smtClean="0"/>
-              <a:t>-créer une </a:t>
-            </a:r>
-            <a:r>
-              <a:rPr lang="fr-FR" dirty="0" err="1" smtClean="0"/>
-              <a:t>persistence</a:t>
-            </a:r>
-            <a:r>
-              <a:rPr lang="fr-FR" dirty="0" smtClean="0"/>
-              <a:t> pour</a:t>
-            </a:r>
-            <a:r>
-              <a:rPr lang="fr-FR" baseline="0" dirty="0" smtClean="0"/>
-              <a:t> les éléments du panier</a:t>
-            </a:r>
-          </a:p>
-          <a:p>
-            <a:r>
-              <a:rPr lang="fr-FR" baseline="0" dirty="0" smtClean="0"/>
-              <a:t>- Controller que l’on n’est toujours dans le même restaurant</a:t>
+              <a:rPr lang="fr-FR" smtClean="0"/>
+              <a:t>TIPS:</a:t>
             </a:r>
             <a:endParaRPr lang="fr-FR" dirty="0"/>
           </a:p>
@@ -2659,8 +2636,32 @@
           <a:lstStyle/>
           <a:p>
             <a:r>
-              <a:rPr lang="fr-FR" smtClean="0"/>
-              <a:t>TIPS:</a:t>
+              <a:rPr lang="fr-FR" dirty="0" smtClean="0"/>
+              <a:t>EN PLUS</a:t>
+            </a:r>
+          </a:p>
+          <a:p>
+            <a:r>
+              <a:rPr lang="fr-FR" dirty="0" smtClean="0"/>
+              <a:t>-créer une </a:t>
+            </a:r>
+            <a:r>
+              <a:rPr lang="fr-FR" dirty="0" err="1" smtClean="0"/>
+              <a:t>persistence</a:t>
+            </a:r>
+            <a:r>
+              <a:rPr lang="fr-FR" dirty="0" smtClean="0"/>
+              <a:t> pour</a:t>
+            </a:r>
+            <a:r>
+              <a:rPr lang="fr-FR" baseline="0" dirty="0" smtClean="0"/>
+              <a:t> les éléments du panier</a:t>
+            </a:r>
+          </a:p>
+          <a:p>
+            <a:r>
+              <a:rPr lang="fr-FR" baseline="0" dirty="0" smtClean="0"/>
+              <a:t>- Controller que l’on n’est toujours dans le même restaurant</a:t>
             </a:r>
             <a:endParaRPr lang="fr-FR" dirty="0"/>
           </a:p>
@@ -2932,6 +2933,95 @@
               <a:rPr lang="fr-FR" smtClean="0"/>
               <a:pPr/>
               <a:t>3</a:t>
+            </a:fld>
+            <a:endParaRPr lang="fr-FR"/>
+          </a:p>
+        </p:txBody>
+      </p:sp>
+    </p:spTree>
+    <p:extLst>
+      <p:ext uri="{BB962C8B-B14F-4D97-AF65-F5344CB8AC3E}">
+        <p14:creationId xmlns:p14="http://schemas.microsoft.com/office/powerpoint/2010/main" val="231389888"/>
+      </p:ext>
+    </p:extLst>
+  </p:cSld>
+  <p:clrMapOvr>
+    <a:masterClrMapping/>
+  </p:clrMapOvr>
+</p:notes>
+</file>
+
+<file path=ppt/notesSlides/notesSlide30.xml><?xml version="1.0" encoding="utf-8"?>
+<p:notes xmlns:a="http://schemas.openxmlformats.org/drawingml/2006/main" xmlns:r="http://schemas.openxmlformats.org/officeDocument/2006/relationships" xmlns:p="http://schemas.openxmlformats.org/presentationml/2006/main">
+  <p:cSld>
+    <p:spTree>
+      <p:nvGrpSpPr>
+        <p:cNvPr id="1" name=""/>
+        <p:cNvGrpSpPr/>
+        <p:nvPr/>
+      </p:nvGrpSpPr>
+      <p:grpSpPr>
+        <a:xfrm>
+          <a:off x="0" y="0"/>
+          <a:ext cx="0" cy="0"/>
+          <a:chOff x="0" y="0"/>
+          <a:chExt cx="0" cy="0"/>
+        </a:xfrm>
+      </p:grpSpPr>
+      <p:sp>
+        <p:nvSpPr>
+          <p:cNvPr id="2" name="Espace réservé de l'image des diapositives 1"/>
+          <p:cNvSpPr>
+            <a:spLocks noGrp="1" noRot="1" noChangeAspect="1"/>
+          </p:cNvSpPr>
+          <p:nvPr>
+            <p:ph type="sldImg"/>
+          </p:nvPr>
+        </p:nvSpPr>
+        <p:spPr/>
+      </p:sp>
+      <p:sp>
+        <p:nvSpPr>
+          <p:cNvPr id="3" name="Espace réservé des commentaires 2"/>
+          <p:cNvSpPr>
+            <a:spLocks noGrp="1"/>
+          </p:cNvSpPr>
+          <p:nvPr>
+            <p:ph type="body" idx="1"/>
+          </p:nvPr>
+        </p:nvSpPr>
+        <p:spPr/>
+        <p:txBody>
+          <a:bodyPr/>
+          <a:lstStyle/>
+          <a:p>
+            <a:r>
+              <a:rPr lang="fr-FR" smtClean="0"/>
+              <a:t>TIPS:</a:t>
+            </a:r>
+            <a:endParaRPr lang="fr-FR" dirty="0"/>
+          </a:p>
+        </p:txBody>
+      </p:sp>
+      <p:sp>
+        <p:nvSpPr>
+          <p:cNvPr id="4" name="Espace réservé du numéro de diapositive 3"/>
+          <p:cNvSpPr>
+            <a:spLocks noGrp="1"/>
+          </p:cNvSpPr>
+          <p:nvPr>
+            <p:ph type="sldNum" sz="quarter" idx="10"/>
+          </p:nvPr>
+        </p:nvSpPr>
+        <p:spPr/>
+        <p:txBody>
+          <a:bodyPr/>
+          <a:lstStyle/>
+          <a:p>
+            <a:fld id="{E24829BE-5FF2-49B0-89D8-78D798C5662A}" type="slidenum">
+              <a:rPr lang="fr-FR" smtClean="0"/>
+              <a:pPr/>
+              <a:t>30</a:t>
             </a:fld>
             <a:endParaRPr lang="fr-FR"/>
           </a:p>
@@ -5327,7 +5417,7 @@
     <mc:Choice Requires="p14">
       <p:transition spd="slow" p14:dur="2000"/>
     </mc:Choice>
-    <mc:Fallback xmlns="" xmlns:mv="urn:schemas-microsoft-com:mac:vml">
+    <mc:Fallback xmlns:mv="urn:schemas-microsoft-com:mac:vml" xmlns="">
       <p:transition spd="slow"/>
     </mc:Fallback>
   </mc:AlternateContent>
@@ -6199,7 +6289,11 @@
             </a:r>
             <a:r>
               <a:rPr lang="fr-FR" noProof="0" dirty="0" smtClean="0"/>
-              <a:t> 12 </a:t>
+              <a:t> </a:t>
+            </a:r>
+            <a:r>
+              <a:rPr lang="fr-FR" noProof="0" dirty="0" smtClean="0"/>
+              <a:t>11-bis </a:t>
             </a:r>
             <a:endParaRPr lang="en-US" noProof="0" dirty="0"/>
           </a:p>
@@ -6223,7 +6317,7 @@
         </p:spPr>
         <p:txBody>
           <a:bodyPr>
-            <a:normAutofit/>
+            <a:normAutofit lnSpcReduction="10000"/>
           </a:bodyPr>
           <a:lstStyle/>
           <a:p>
@@ -6236,66 +6330,198 @@
             <a:pPr lvl="1"/>
             <a:r>
               <a:rPr lang="fr-FR" dirty="0" smtClean="0"/>
-              <a:t>Une vue liée à des données </a:t>
+              <a:t>Une application avec différentes routes</a:t>
+            </a:r>
+            <a:endParaRPr lang="fr-FR" dirty="0" smtClean="0"/>
+          </a:p>
+          <a:p>
+            <a:r>
+              <a:rPr lang="fr-FR" dirty="0" smtClean="0"/>
+              <a:t>Ce que l’on veut</a:t>
+            </a:r>
+          </a:p>
+          <a:p>
+            <a:pPr lvl="1"/>
+            <a:r>
+              <a:rPr lang="fr-FR" dirty="0" smtClean="0"/>
+              <a:t>Animer les transitions entre les vues et le </a:t>
             </a:r>
             <a:r>
               <a:rPr lang="fr-FR" dirty="0" err="1" smtClean="0"/>
-              <a:t>mockées</a:t>
-            </a:r>
-            <a:r>
-              <a:rPr lang="fr-FR" dirty="0" smtClean="0"/>
-              <a:t> sur le contrôleur</a:t>
-            </a:r>
-          </a:p>
-          <a:p>
-            <a:r>
-              <a:rPr lang="fr-FR" dirty="0" smtClean="0"/>
-              <a:t>Ce que l’on veut</a:t>
-            </a:r>
-          </a:p>
-          <a:p>
-            <a:pPr lvl="1"/>
-            <a:r>
-              <a:rPr lang="fr-FR" dirty="0" smtClean="0"/>
-              <a:t>Utiliser des données récupérer par un appel serveur</a:t>
-            </a:r>
-          </a:p>
-          <a:p>
-            <a:r>
-              <a:rPr lang="fr-FR" dirty="0" smtClean="0"/>
-              <a:t>Comment on fait ?</a:t>
-            </a:r>
-          </a:p>
-          <a:p>
-            <a:pPr lvl="1"/>
-            <a:r>
-              <a:rPr lang="fr-FR" dirty="0" smtClean="0"/>
-              <a:t>Injecter le service $http dans le </a:t>
-            </a:r>
-            <a:r>
-              <a:rPr lang="fr-FR" b="1" dirty="0" err="1" smtClean="0"/>
-              <a:t>RestaurantsController</a:t>
-            </a:r>
-            <a:endParaRPr lang="fr-FR" b="1" dirty="0" smtClean="0"/>
-          </a:p>
-          <a:p>
-            <a:pPr lvl="1"/>
-            <a:r>
-              <a:rPr lang="fr-FR" dirty="0" smtClean="0"/>
-              <a:t>Récupérer la liste de restaurant en utilisant la méthode </a:t>
-            </a:r>
-            <a:r>
-              <a:rPr lang="fr-FR" b="1" dirty="0" smtClean="0"/>
-              <a:t>$</a:t>
-            </a:r>
-            <a:r>
-              <a:rPr lang="fr-FR" b="1" dirty="0" err="1" smtClean="0"/>
-              <a:t>http.get</a:t>
-            </a:r>
-            <a:r>
-              <a:rPr lang="fr-FR" b="1" dirty="0" smtClean="0"/>
-              <a:t>()</a:t>
-            </a:r>
+              <a:t>hide</a:t>
+            </a:r>
+            <a:r>
+              <a:rPr lang="fr-FR" dirty="0" smtClean="0"/>
+              <a:t> de l’adresse de livraison</a:t>
+            </a:r>
+            <a:endParaRPr lang="fr-FR" dirty="0" smtClean="0"/>
+          </a:p>
+          <a:p>
+            <a:r>
+              <a:rPr lang="fr-FR" dirty="0" smtClean="0"/>
+              <a:t>Comment </a:t>
+            </a:r>
+            <a:r>
+              <a:rPr lang="fr-FR" dirty="0" smtClean="0"/>
+              <a:t>on fait </a:t>
+            </a:r>
+            <a:r>
+              <a:rPr lang="fr-FR" dirty="0" smtClean="0"/>
+              <a:t>?</a:t>
+            </a:r>
+          </a:p>
+          <a:p>
+            <a:pPr lvl="1"/>
+            <a:r>
+              <a:rPr lang="fr-FR" dirty="0" smtClean="0"/>
+              <a:t>I</a:t>
+            </a:r>
+            <a:r>
+              <a:rPr lang="fr-FR" dirty="0" smtClean="0"/>
+              <a:t>mporter le fichier </a:t>
+            </a:r>
+            <a:r>
+              <a:rPr lang="en-US" dirty="0"/>
+              <a:t>angular-</a:t>
+            </a:r>
+            <a:r>
+              <a:rPr lang="en-US" dirty="0" err="1" smtClean="0"/>
+              <a:t>animate.js</a:t>
+            </a:r>
+            <a:r>
+              <a:rPr lang="en-US" dirty="0" smtClean="0"/>
+              <a:t> </a:t>
+            </a:r>
+            <a:r>
+              <a:rPr lang="en-US" dirty="0" err="1" smtClean="0"/>
+              <a:t>dans</a:t>
+            </a:r>
+            <a:r>
+              <a:rPr lang="en-US" dirty="0" smtClean="0"/>
+              <a:t> la page</a:t>
+            </a:r>
+          </a:p>
+          <a:p>
+            <a:pPr lvl="1"/>
+            <a:r>
+              <a:rPr lang="en-US" dirty="0" err="1" smtClean="0"/>
+              <a:t>Definir</a:t>
+            </a:r>
+            <a:r>
+              <a:rPr lang="en-US" dirty="0" smtClean="0"/>
+              <a:t> le module </a:t>
+            </a:r>
+            <a:r>
+              <a:rPr lang="en-US" dirty="0" err="1" smtClean="0"/>
+              <a:t>dans</a:t>
+            </a:r>
+            <a:r>
+              <a:rPr lang="en-US" dirty="0" smtClean="0"/>
+              <a:t> </a:t>
+            </a:r>
+            <a:r>
+              <a:rPr lang="en-US" dirty="0" err="1" smtClean="0"/>
+              <a:t>l’application</a:t>
+            </a:r>
+            <a:endParaRPr lang="en-US" dirty="0" smtClean="0"/>
+          </a:p>
+          <a:p>
+            <a:pPr lvl="1"/>
+            <a:r>
+              <a:rPr lang="fr-FR" dirty="0" smtClean="0"/>
+              <a:t>I</a:t>
+            </a:r>
+            <a:r>
+              <a:rPr lang="en-US" dirty="0" err="1" smtClean="0"/>
+              <a:t>mplémenter</a:t>
+            </a:r>
+            <a:r>
+              <a:rPr lang="en-US" dirty="0" smtClean="0"/>
+              <a:t> les classe</a:t>
+            </a:r>
+            <a:r>
+              <a:rPr lang="en-US" dirty="0" smtClean="0"/>
+              <a:t>s</a:t>
+            </a:r>
+          </a:p>
+          <a:p>
+            <a:pPr lvl="2"/>
+            <a:r>
+              <a:rPr lang="nb-NO" dirty="0"/>
+              <a:t>ng-</a:t>
+            </a:r>
+            <a:r>
+              <a:rPr lang="nb-NO" dirty="0" err="1"/>
+              <a:t>hide</a:t>
+            </a:r>
+            <a:r>
+              <a:rPr lang="nb-NO" dirty="0"/>
+              <a:t>-</a:t>
+            </a:r>
+            <a:r>
+              <a:rPr lang="nb-NO" dirty="0" err="1" smtClean="0"/>
+              <a:t>add</a:t>
+            </a:r>
+            <a:endParaRPr lang="nb-NO" dirty="0" smtClean="0"/>
+          </a:p>
+          <a:p>
+            <a:pPr lvl="2"/>
+            <a:r>
+              <a:rPr lang="nb-NO" dirty="0"/>
+              <a:t>ng-</a:t>
+            </a:r>
+            <a:r>
+              <a:rPr lang="nb-NO" dirty="0" err="1"/>
+              <a:t>hide</a:t>
+            </a:r>
+            <a:r>
+              <a:rPr lang="nb-NO" dirty="0"/>
+              <a:t>-</a:t>
+            </a:r>
+            <a:r>
+              <a:rPr lang="nb-NO" dirty="0" err="1" smtClean="0"/>
+              <a:t>add-active</a:t>
+            </a:r>
+            <a:endParaRPr lang="nb-NO" dirty="0" smtClean="0"/>
+          </a:p>
+          <a:p>
+            <a:pPr lvl="2"/>
+            <a:r>
+              <a:rPr lang="fr-FR" dirty="0"/>
+              <a:t>.</a:t>
+            </a:r>
+            <a:r>
+              <a:rPr lang="fr-FR" dirty="0" err="1"/>
+              <a:t>ng</a:t>
+            </a:r>
+            <a:r>
+              <a:rPr lang="fr-FR" dirty="0"/>
+              <a:t>-</a:t>
+            </a:r>
+            <a:r>
+              <a:rPr lang="fr-FR" dirty="0" smtClean="0"/>
+              <a:t>enter</a:t>
+            </a:r>
+          </a:p>
+          <a:p>
+            <a:pPr lvl="2"/>
+            <a:r>
+              <a:rPr lang="fr-FR" dirty="0"/>
+              <a:t>.</a:t>
+            </a:r>
+            <a:r>
+              <a:rPr lang="fr-FR" dirty="0" err="1"/>
+              <a:t>ng</a:t>
+            </a:r>
+            <a:r>
+              <a:rPr lang="fr-FR" dirty="0"/>
+              <a:t>-</a:t>
+            </a:r>
+            <a:r>
+              <a:rPr lang="fr-FR" dirty="0" smtClean="0"/>
+              <a:t>enter-active</a:t>
+            </a:r>
+            <a:endParaRPr lang="fr-FR" dirty="0" smtClean="0"/>
           </a:p>
           <a:p>
             <a:pPr lvl="1"/>
@@ -6322,7 +6548,7 @@
         <p:spPr>
           <a:xfrm>
             <a:off x="827584" y="836712"/>
-            <a:ext cx="3914165" cy="369332"/>
+            <a:ext cx="3712525" cy="646331"/>
           </a:xfrm>
           <a:prstGeom prst="rect">
             <a:avLst/>
@@ -6336,16 +6562,20 @@
           <a:lstStyle/>
           <a:p>
             <a:r>
-              <a:rPr lang="fr-FR" dirty="0"/>
-              <a:t>Récupérer les données avec $HTTP</a:t>
-            </a:r>
+              <a:rPr lang="fr-FR" b="1" dirty="0" smtClean="0"/>
+              <a:t>Animer les changements de vus</a:t>
+            </a:r>
+            <a:endParaRPr lang="fr-FR" b="1" dirty="0"/>
+          </a:p>
+          <a:p>
+            <a:endParaRPr lang="fr-FR" dirty="0"/>
           </a:p>
         </p:txBody>
       </p:sp>
     </p:spTree>
     <p:extLst>
       <p:ext uri="{BB962C8B-B14F-4D97-AF65-F5344CB8AC3E}">
-        <p14:creationId xmlns:p14="http://schemas.microsoft.com/office/powerpoint/2010/main" val="2849521412"/>
+        <p14:creationId xmlns:p14="http://schemas.microsoft.com/office/powerpoint/2010/main" val="2921154676"/>
       </p:ext>
     </p:extLst>
   </p:cSld>
@@ -6402,7 +6632,7 @@
             </a:r>
             <a:r>
               <a:rPr lang="fr-FR" noProof="0" dirty="0" smtClean="0"/>
-              <a:t> 13 </a:t>
+              <a:t> 12 </a:t>
             </a:r>
             <a:endParaRPr lang="en-US" noProof="0" dirty="0"/>
           </a:p>
@@ -6439,15 +6669,15 @@
             <a:pPr lvl="1"/>
             <a:r>
               <a:rPr lang="fr-FR" dirty="0" smtClean="0"/>
-              <a:t>Une page de restaurants alimentée par $</a:t>
+              <a:t>Une vue liée à des données </a:t>
             </a:r>
             <a:r>
               <a:rPr lang="fr-FR" dirty="0" err="1" smtClean="0"/>
-              <a:t>http.get</a:t>
-            </a:r>
-            <a:r>
-              <a:rPr lang="fr-FR" dirty="0" smtClean="0"/>
-              <a:t>()</a:t>
+              <a:t>mockées</a:t>
+            </a:r>
+            <a:r>
+              <a:rPr lang="fr-FR" dirty="0" smtClean="0"/>
+              <a:t> sur le contrôleur</a:t>
             </a:r>
           </a:p>
           <a:p>
@@ -6460,15 +6690,7 @@
             <a:pPr lvl="1"/>
             <a:r>
               <a:rPr lang="fr-FR" dirty="0" smtClean="0"/>
-              <a:t>Simplifier la récupération de donnée en utilisant </a:t>
-            </a:r>
-            <a:r>
-              <a:rPr lang="fr-FR" b="1" dirty="0" smtClean="0"/>
-              <a:t>$ressource </a:t>
-            </a:r>
-            <a:r>
-              <a:rPr lang="fr-FR" dirty="0" smtClean="0"/>
-              <a:t>au lieu de $http</a:t>
+              <a:t>Utiliser des données récupérer par un appel serveur</a:t>
             </a:r>
           </a:p>
           <a:p>
@@ -6481,56 +6703,19 @@
             <a:pPr lvl="1"/>
             <a:r>
               <a:rPr lang="fr-FR" dirty="0" smtClean="0"/>
-              <a:t>Rajouter la dépendance sur </a:t>
-            </a:r>
-            <a:r>
-              <a:rPr lang="fr-FR" b="1" dirty="0" err="1" smtClean="0"/>
-              <a:t>ngResource</a:t>
-            </a:r>
-            <a:r>
-              <a:rPr lang="fr-FR" dirty="0" smtClean="0"/>
-              <a:t> dans le module de notre application</a:t>
-            </a:r>
-          </a:p>
-          <a:p>
-            <a:pPr lvl="1"/>
-            <a:r>
-              <a:rPr lang="fr-FR" dirty="0" smtClean="0"/>
-              <a:t>Créer la ressource </a:t>
-            </a:r>
-            <a:r>
-              <a:rPr lang="fr-FR" b="1" dirty="0" smtClean="0"/>
-              <a:t>Restaurant</a:t>
-            </a:r>
-          </a:p>
-          <a:p>
-            <a:pPr lvl="1"/>
-            <a:r>
-              <a:rPr lang="fr-FR" dirty="0" smtClean="0"/>
-              <a:t>Injecter la ressource </a:t>
-            </a:r>
-            <a:r>
-              <a:rPr lang="fr-FR" b="1" dirty="0" smtClean="0"/>
-              <a:t>Restaurant</a:t>
-            </a:r>
-            <a:r>
-              <a:rPr lang="fr-FR" dirty="0" smtClean="0"/>
-              <a:t> dans le </a:t>
+              <a:t>Injecter le service $http dans le </a:t>
             </a:r>
             <a:r>
               <a:rPr lang="fr-FR" b="1" dirty="0" err="1" smtClean="0"/>
               <a:t>RestaurantsController</a:t>
             </a:r>
-            <a:r>
-              <a:rPr lang="fr-FR" dirty="0" smtClean="0"/>
-              <a:t>.</a:t>
-            </a:r>
-          </a:p>
-          <a:p>
-            <a:pPr lvl="1"/>
-            <a:r>
-              <a:rPr lang="fr-FR" dirty="0" smtClean="0"/>
-              <a:t>Remplacer l’appel </a:t>
+            <a:endParaRPr lang="fr-FR" b="1" dirty="0" smtClean="0"/>
+          </a:p>
+          <a:p>
+            <a:pPr lvl="1"/>
+            <a:r>
+              <a:rPr lang="fr-FR" dirty="0" smtClean="0"/>
+              <a:t>Récupérer la liste de restaurant en utilisant la méthode </a:t>
             </a:r>
             <a:r>
               <a:rPr lang="fr-FR" b="1" dirty="0" smtClean="0"/>
@@ -6542,28 +6727,8 @@
             </a:r>
             <a:r>
               <a:rPr lang="fr-FR" b="1" dirty="0" smtClean="0"/>
-              <a:t>() </a:t>
-            </a:r>
-            <a:r>
-              <a:rPr lang="fr-FR" dirty="0" smtClean="0"/>
-              <a:t>par </a:t>
-            </a:r>
-            <a:r>
-              <a:rPr lang="fr-FR" b="1" dirty="0" err="1" smtClean="0"/>
-              <a:t>Restaurant.query</a:t>
-            </a:r>
-            <a:r>
-              <a:rPr lang="fr-FR" b="1" dirty="0" smtClean="0"/>
               <a:t>()</a:t>
             </a:r>
-            <a:r>
-              <a:rPr lang="fr-FR" dirty="0" smtClean="0"/>
-              <a:t>.</a:t>
-            </a:r>
-          </a:p>
-          <a:p>
-            <a:pPr lvl="1"/>
-            <a:endParaRPr lang="fr-FR" dirty="0" smtClean="0"/>
           </a:p>
           <a:p>
             <a:pPr lvl="1"/>
@@ -6590,7 +6755,7 @@
         <p:spPr>
           <a:xfrm>
             <a:off x="827584" y="836712"/>
-            <a:ext cx="5328802" cy="646331"/>
+            <a:ext cx="3914165" cy="369332"/>
           </a:xfrm>
           <a:prstGeom prst="rect">
             <a:avLst/>
@@ -6604,20 +6769,16 @@
           <a:lstStyle/>
           <a:p>
             <a:r>
-              <a:rPr lang="fr-FR" b="1" dirty="0" smtClean="0"/>
-              <a:t>Remplacer $http par une ressource Restaurant</a:t>
-            </a:r>
-            <a:endParaRPr lang="fr-FR" b="1" dirty="0"/>
-          </a:p>
-          <a:p>
-            <a:endParaRPr lang="fr-FR" dirty="0"/>
+              <a:rPr lang="fr-FR" dirty="0"/>
+              <a:t>Récupérer les données avec $HTTP</a:t>
+            </a:r>
           </a:p>
         </p:txBody>
       </p:sp>
     </p:spTree>
     <p:extLst>
       <p:ext uri="{BB962C8B-B14F-4D97-AF65-F5344CB8AC3E}">
-        <p14:creationId xmlns:p14="http://schemas.microsoft.com/office/powerpoint/2010/main" val="1495303984"/>
+        <p14:creationId xmlns:p14="http://schemas.microsoft.com/office/powerpoint/2010/main" val="2849521412"/>
       </p:ext>
     </p:extLst>
   </p:cSld>
@@ -6674,7 +6835,7 @@
             </a:r>
             <a:r>
               <a:rPr lang="fr-FR" noProof="0" dirty="0" smtClean="0"/>
-              <a:t> 14 </a:t>
+              <a:t> 13 </a:t>
             </a:r>
             <a:endParaRPr lang="en-US" noProof="0" dirty="0"/>
           </a:p>
@@ -6711,7 +6872,15 @@
             <a:pPr lvl="1"/>
             <a:r>
               <a:rPr lang="fr-FR" dirty="0" smtClean="0"/>
-              <a:t>Une liste de restaurant</a:t>
+              <a:t>Une page de restaurants alimentée par $</a:t>
+            </a:r>
+            <a:r>
+              <a:rPr lang="fr-FR" dirty="0" err="1" smtClean="0"/>
+              <a:t>http.get</a:t>
+            </a:r>
+            <a:r>
+              <a:rPr lang="fr-FR" dirty="0" smtClean="0"/>
+              <a:t>()</a:t>
             </a:r>
           </a:p>
           <a:p>
@@ -6724,7 +6893,15 @@
             <a:pPr lvl="1"/>
             <a:r>
               <a:rPr lang="fr-FR" dirty="0" smtClean="0"/>
-              <a:t>Rajouter les informations de livraisons</a:t>
+              <a:t>Simplifier la récupération de donnée en utilisant </a:t>
+            </a:r>
+            <a:r>
+              <a:rPr lang="fr-FR" b="1" dirty="0" smtClean="0"/>
+              <a:t>$ressource </a:t>
+            </a:r>
+            <a:r>
+              <a:rPr lang="fr-FR" dirty="0" smtClean="0"/>
+              <a:t>au lieu de $http</a:t>
             </a:r>
           </a:p>
           <a:p>
@@ -6737,21 +6914,89 @@
             <a:pPr lvl="1"/>
             <a:r>
               <a:rPr lang="fr-FR" dirty="0" smtClean="0"/>
-              <a:t>Mettre </a:t>
-            </a:r>
-            <a:r>
-              <a:rPr lang="fr-FR" dirty="0" smtClean="0"/>
-              <a:t>à jour la vue en fonction des données du service </a:t>
-            </a:r>
-            <a:r>
-              <a:rPr lang="fr-FR" b="1" dirty="0" err="1"/>
-              <a:t>customer</a:t>
-            </a:r>
-            <a:r>
-              <a:rPr lang="fr-FR" b="1" dirty="0"/>
-              <a:t> </a:t>
-            </a:r>
-            <a:endParaRPr lang="fr-FR" b="1" dirty="0" smtClean="0"/>
+              <a:t>Rajouter la dépendance sur </a:t>
+            </a:r>
+            <a:r>
+              <a:rPr lang="fr-FR" b="1" dirty="0" err="1" smtClean="0"/>
+              <a:t>ngResource</a:t>
+            </a:r>
+            <a:r>
+              <a:rPr lang="fr-FR" dirty="0" smtClean="0"/>
+              <a:t> dans le module de notre application</a:t>
+            </a:r>
+          </a:p>
+          <a:p>
+            <a:pPr lvl="1"/>
+            <a:r>
+              <a:rPr lang="fr-FR" dirty="0" smtClean="0"/>
+              <a:t>Créer la ressource </a:t>
+            </a:r>
+            <a:r>
+              <a:rPr lang="fr-FR" b="1" dirty="0" smtClean="0"/>
+              <a:t>Restaurant</a:t>
+            </a:r>
+          </a:p>
+          <a:p>
+            <a:pPr lvl="1"/>
+            <a:r>
+              <a:rPr lang="fr-FR" dirty="0" smtClean="0"/>
+              <a:t>Injecter la ressource </a:t>
+            </a:r>
+            <a:r>
+              <a:rPr lang="fr-FR" b="1" dirty="0" smtClean="0"/>
+              <a:t>Restaurant</a:t>
+            </a:r>
+            <a:r>
+              <a:rPr lang="fr-FR" dirty="0" smtClean="0"/>
+              <a:t> dans le </a:t>
+            </a:r>
+            <a:r>
+              <a:rPr lang="fr-FR" b="1" dirty="0" err="1" smtClean="0"/>
+              <a:t>RestaurantsController</a:t>
+            </a:r>
+            <a:r>
+              <a:rPr lang="fr-FR" dirty="0" smtClean="0"/>
+              <a:t>.</a:t>
+            </a:r>
+          </a:p>
+          <a:p>
+            <a:pPr lvl="1"/>
+            <a:r>
+              <a:rPr lang="fr-FR" dirty="0" smtClean="0"/>
+              <a:t>Remplacer l’appel </a:t>
+            </a:r>
+            <a:r>
+              <a:rPr lang="fr-FR" b="1" dirty="0" smtClean="0"/>
+              <a:t>$</a:t>
+            </a:r>
+            <a:r>
+              <a:rPr lang="fr-FR" b="1" dirty="0" err="1" smtClean="0"/>
+              <a:t>http.get</a:t>
+            </a:r>
+            <a:r>
+              <a:rPr lang="fr-FR" b="1" dirty="0" smtClean="0"/>
+              <a:t>() </a:t>
+            </a:r>
+            <a:r>
+              <a:rPr lang="fr-FR" dirty="0" smtClean="0"/>
+              <a:t>par </a:t>
+            </a:r>
+            <a:r>
+              <a:rPr lang="fr-FR" b="1" dirty="0" err="1" smtClean="0"/>
+              <a:t>Restaurant.query</a:t>
+            </a:r>
+            <a:r>
+              <a:rPr lang="fr-FR" b="1" dirty="0" smtClean="0"/>
+              <a:t>()</a:t>
+            </a:r>
+            <a:r>
+              <a:rPr lang="fr-FR" dirty="0" smtClean="0"/>
+              <a:t>.</a:t>
+            </a:r>
+          </a:p>
+          <a:p>
+            <a:pPr lvl="1"/>
+            <a:endParaRPr lang="fr-FR" dirty="0" smtClean="0"/>
           </a:p>
           <a:p>
             <a:pPr lvl="1"/>
@@ -6778,7 +7023,7 @@
         <p:spPr>
           <a:xfrm>
             <a:off x="827584" y="836712"/>
-            <a:ext cx="6021187" cy="646331"/>
+            <a:ext cx="5328802" cy="646331"/>
           </a:xfrm>
           <a:prstGeom prst="rect">
             <a:avLst/>
@@ -6793,7 +7038,7 @@
           <a:p>
             <a:r>
               <a:rPr lang="fr-FR" b="1" dirty="0" smtClean="0"/>
-              <a:t>Brancher les informations de livraison de l’utilisateur</a:t>
+              <a:t>Remplacer $http par une ressource Restaurant</a:t>
             </a:r>
             <a:endParaRPr lang="fr-FR" b="1" dirty="0"/>
           </a:p>
@@ -6862,7 +7107,7 @@
             </a:r>
             <a:r>
               <a:rPr lang="fr-FR" noProof="0" dirty="0" smtClean="0"/>
-              <a:t> 15 </a:t>
+              <a:t> 14 </a:t>
             </a:r>
             <a:endParaRPr lang="en-US" noProof="0" dirty="0"/>
           </a:p>
@@ -6899,57 +7144,41 @@
             <a:pPr lvl="1"/>
             <a:r>
               <a:rPr lang="fr-FR" dirty="0" smtClean="0"/>
-              <a:t>Le label « nombre de restaurants » indépendants du nombre réel (1 restaurant</a:t>
-            </a:r>
-            <a:r>
-              <a:rPr lang="fr-FR" dirty="0" smtClean="0">
-                <a:solidFill>
-                  <a:srgbClr val="FF0000"/>
-                </a:solidFill>
-              </a:rPr>
-              <a:t>s</a:t>
-            </a:r>
-            <a:r>
-              <a:rPr lang="fr-FR" dirty="0" smtClean="0"/>
+              <a:t>Une liste de restaurant</a:t>
+            </a:r>
+          </a:p>
+          <a:p>
+            <a:r>
+              <a:rPr lang="fr-FR" dirty="0" smtClean="0"/>
+              <a:t>Ce que l’on veut</a:t>
+            </a:r>
+          </a:p>
+          <a:p>
+            <a:pPr lvl="1"/>
+            <a:r>
+              <a:rPr lang="fr-FR" dirty="0" smtClean="0"/>
+              <a:t>Rajouter les informations de livraisons</a:t>
+            </a:r>
+          </a:p>
+          <a:p>
+            <a:r>
+              <a:rPr lang="fr-FR" dirty="0" smtClean="0"/>
+              <a:t>Comment on fait ?</a:t>
+            </a:r>
+          </a:p>
+          <a:p>
+            <a:pPr lvl="1"/>
+            <a:r>
+              <a:rPr lang="fr-FR" dirty="0" smtClean="0"/>
+              <a:t>Mettre à jour la vue en fonction des données du service </a:t>
+            </a:r>
+            <a:r>
+              <a:rPr lang="fr-FR" b="1" dirty="0" err="1"/>
+              <a:t>customer</a:t>
+            </a:r>
+            <a:r>
+              <a:rPr lang="fr-FR" b="1" dirty="0"/>
               <a:t> </a:t>
-            </a:r>
-            <a:r>
-              <a:rPr lang="fr-FR" dirty="0" err="1" smtClean="0"/>
-              <a:t>found</a:t>
-            </a:r>
-            <a:r>
-              <a:rPr lang="fr-FR" dirty="0" smtClean="0"/>
-              <a:t>!)</a:t>
-            </a:r>
-          </a:p>
-          <a:p>
-            <a:r>
-              <a:rPr lang="fr-FR" dirty="0" smtClean="0"/>
-              <a:t>Ce que l’on veut</a:t>
-            </a:r>
-          </a:p>
-          <a:p>
-            <a:pPr lvl="1"/>
-            <a:r>
-              <a:rPr lang="fr-FR" dirty="0" smtClean="0"/>
-              <a:t>Changer le message en fonction du nombre de restaurants</a:t>
-            </a:r>
-          </a:p>
-          <a:p>
-            <a:r>
-              <a:rPr lang="fr-FR" dirty="0" smtClean="0"/>
-              <a:t>Comment on fait ?</a:t>
-            </a:r>
-          </a:p>
-          <a:p>
-            <a:pPr lvl="1"/>
-            <a:r>
-              <a:rPr lang="fr-FR" dirty="0" smtClean="0"/>
-              <a:t>Remplacer le label par la directive </a:t>
-            </a:r>
-            <a:r>
-              <a:rPr lang="fr-FR" b="1" dirty="0" err="1" smtClean="0"/>
-              <a:t>ng-pluralize</a:t>
             </a:r>
             <a:endParaRPr lang="fr-FR" b="1" dirty="0" smtClean="0"/>
           </a:p>
@@ -6978,7 +7207,7 @@
         <p:spPr>
           <a:xfrm>
             <a:off x="827584" y="836712"/>
-            <a:ext cx="2929408" cy="646331"/>
+            <a:ext cx="6021187" cy="646331"/>
           </a:xfrm>
           <a:prstGeom prst="rect">
             <a:avLst/>
@@ -6993,19 +7222,7 @@
           <a:p>
             <a:r>
               <a:rPr lang="fr-FR" b="1" dirty="0" smtClean="0"/>
-              <a:t>Utilisation de </a:t>
-            </a:r>
-            <a:r>
-              <a:rPr lang="fr-FR" b="1" dirty="0" err="1" smtClean="0"/>
-              <a:t>ng</a:t>
-            </a:r>
-            <a:r>
-              <a:rPr lang="fr-FR" b="1" dirty="0" err="1"/>
-              <a:t>P</a:t>
-            </a:r>
-            <a:r>
-              <a:rPr lang="fr-FR" b="1" dirty="0" err="1" smtClean="0"/>
-              <a:t>luralize</a:t>
+              <a:t>Brancher les informations de livraison de l’utilisateur</a:t>
             </a:r>
             <a:endParaRPr lang="fr-FR" b="1" dirty="0"/>
           </a:p>
@@ -7074,11 +7291,7 @@
             </a:r>
             <a:r>
               <a:rPr lang="fr-FR" noProof="0" dirty="0" smtClean="0"/>
-              <a:t> </a:t>
-            </a:r>
-            <a:r>
-              <a:rPr lang="fr-FR" dirty="0" smtClean="0"/>
-              <a:t>16</a:t>
+              <a:t> 15 </a:t>
             </a:r>
             <a:endParaRPr lang="en-US" noProof="0" dirty="0"/>
           </a:p>
@@ -7115,7 +7328,27 @@
             <a:pPr lvl="1"/>
             <a:r>
               <a:rPr lang="fr-FR" dirty="0" smtClean="0"/>
-              <a:t>Une vue représentant la liste des restaurants</a:t>
+              <a:t>Le label « nombre de restaurants » indépendants du nombre réel (1 restaurant</a:t>
+            </a:r>
+            <a:r>
+              <a:rPr lang="fr-FR" dirty="0" smtClean="0">
+                <a:solidFill>
+                  <a:srgbClr val="FF0000"/>
+                </a:solidFill>
+              </a:rPr>
+              <a:t>s</a:t>
+            </a:r>
+            <a:r>
+              <a:rPr lang="fr-FR" dirty="0" smtClean="0"/>
+              <a:t> </a:t>
+            </a:r>
+            <a:r>
+              <a:rPr lang="fr-FR" dirty="0" err="1" smtClean="0"/>
+              <a:t>found</a:t>
+            </a:r>
+            <a:r>
+              <a:rPr lang="fr-FR" dirty="0" smtClean="0"/>
+              <a:t>!)</a:t>
             </a:r>
           </a:p>
           <a:p>
@@ -7128,7 +7361,7 @@
             <a:pPr lvl="1"/>
             <a:r>
               <a:rPr lang="fr-FR" dirty="0" smtClean="0"/>
-              <a:t>Afficher le menu d’un restaurant lorsqu’il est sélectionné dans la liste</a:t>
+              <a:t>Changer le message en fonction du nombre de restaurants</a:t>
             </a:r>
           </a:p>
           <a:p>
@@ -7141,80 +7374,13 @@
             <a:pPr lvl="1"/>
             <a:r>
               <a:rPr lang="fr-FR" dirty="0" smtClean="0"/>
-              <a:t>Créer la vue statique </a:t>
+              <a:t>Remplacer le label par la directive </a:t>
             </a:r>
             <a:r>
               <a:rPr lang="fr-FR" b="1" dirty="0" err="1" smtClean="0"/>
-              <a:t>views</a:t>
-            </a:r>
-            <a:r>
-              <a:rPr lang="fr-FR" b="1" dirty="0" smtClean="0"/>
-              <a:t>/</a:t>
-            </a:r>
-            <a:r>
-              <a:rPr lang="fr-FR" b="1" dirty="0" err="1" smtClean="0"/>
-              <a:t>menu.html</a:t>
+              <a:t>ng-pluralize</a:t>
             </a:r>
             <a:endParaRPr lang="fr-FR" b="1" dirty="0" smtClean="0"/>
-          </a:p>
-          <a:p>
-            <a:pPr lvl="1"/>
-            <a:r>
-              <a:rPr lang="fr-FR" dirty="0" smtClean="0"/>
-              <a:t>Créer un contrôleur vide </a:t>
-            </a:r>
-            <a:r>
-              <a:rPr lang="fr-FR" b="1" dirty="0" err="1" smtClean="0"/>
-              <a:t>MenuController</a:t>
-            </a:r>
-            <a:endParaRPr lang="fr-FR" b="1" dirty="0" smtClean="0"/>
-          </a:p>
-          <a:p>
-            <a:pPr lvl="1"/>
-            <a:r>
-              <a:rPr lang="fr-FR" dirty="0" smtClean="0"/>
-              <a:t>Créer la route paramétrée </a:t>
-            </a:r>
-            <a:r>
-              <a:rPr lang="fr-FR" b="1" dirty="0" smtClean="0"/>
-              <a:t>‘/menu/:</a:t>
-            </a:r>
-            <a:r>
-              <a:rPr lang="fr-FR" b="1" dirty="0" err="1" smtClean="0"/>
-              <a:t>restaurantId</a:t>
-            </a:r>
-            <a:r>
-              <a:rPr lang="fr-FR" b="1" dirty="0" smtClean="0"/>
-              <a:t>’</a:t>
-            </a:r>
-            <a:r>
-              <a:rPr lang="fr-FR" dirty="0" smtClean="0"/>
-              <a:t> qui pointe sur le </a:t>
-            </a:r>
-            <a:r>
-              <a:rPr lang="fr-FR" b="1" dirty="0" err="1" smtClean="0"/>
-              <a:t>MenuController</a:t>
-            </a:r>
-            <a:r>
-              <a:rPr lang="fr-FR" dirty="0" smtClean="0"/>
-              <a:t> et la vue </a:t>
-            </a:r>
-            <a:r>
-              <a:rPr lang="fr-FR" b="1" dirty="0" err="1" smtClean="0"/>
-              <a:t>views</a:t>
-            </a:r>
-            <a:r>
-              <a:rPr lang="fr-FR" b="1" dirty="0" smtClean="0"/>
-              <a:t>/</a:t>
-            </a:r>
-            <a:r>
-              <a:rPr lang="fr-FR" b="1" dirty="0" err="1" smtClean="0"/>
-              <a:t>menu.html</a:t>
-            </a:r>
-            <a:r>
-              <a:rPr lang="fr-FR" dirty="0" smtClean="0"/>
-              <a:t>.</a:t>
-            </a:r>
           </a:p>
           <a:p>
             <a:pPr lvl="1"/>
@@ -7241,7 +7407,7 @@
         <p:spPr>
           <a:xfrm>
             <a:off x="827584" y="836712"/>
-            <a:ext cx="3737546" cy="646331"/>
+            <a:ext cx="2929408" cy="646331"/>
           </a:xfrm>
           <a:prstGeom prst="rect">
             <a:avLst/>
@@ -7256,7 +7422,19 @@
           <a:p>
             <a:r>
               <a:rPr lang="fr-FR" b="1" dirty="0" smtClean="0"/>
-              <a:t>Afficher le menu d’un restaurant</a:t>
+              <a:t>Utilisation de </a:t>
+            </a:r>
+            <a:r>
+              <a:rPr lang="fr-FR" b="1" dirty="0" err="1" smtClean="0"/>
+              <a:t>ng</a:t>
+            </a:r>
+            <a:r>
+              <a:rPr lang="fr-FR" b="1" dirty="0" err="1"/>
+              <a:t>P</a:t>
+            </a:r>
+            <a:r>
+              <a:rPr lang="fr-FR" b="1" dirty="0" err="1" smtClean="0"/>
+              <a:t>luralize</a:t>
             </a:r>
             <a:endParaRPr lang="fr-FR" b="1" dirty="0"/>
           </a:p>
@@ -7329,7 +7507,7 @@
             </a:r>
             <a:r>
               <a:rPr lang="fr-FR" dirty="0" smtClean="0"/>
-              <a:t>17</a:t>
+              <a:t>16</a:t>
             </a:r>
             <a:endParaRPr lang="en-US" noProof="0" dirty="0"/>
           </a:p>
@@ -7366,80 +7544,105 @@
             <a:pPr lvl="1"/>
             <a:r>
               <a:rPr lang="fr-FR" dirty="0" smtClean="0"/>
-              <a:t>Une message pour les informations de livraisons dans la vue </a:t>
+              <a:t>Une vue représentant la liste des restaurants</a:t>
+            </a:r>
+          </a:p>
+          <a:p>
+            <a:r>
+              <a:rPr lang="fr-FR" dirty="0" smtClean="0"/>
+              <a:t>Ce que l’on veut</a:t>
+            </a:r>
+          </a:p>
+          <a:p>
+            <a:pPr lvl="1"/>
+            <a:r>
+              <a:rPr lang="fr-FR" dirty="0" smtClean="0"/>
+              <a:t>Afficher le menu d’un restaurant lorsqu’il est sélectionné dans la liste</a:t>
+            </a:r>
+          </a:p>
+          <a:p>
+            <a:r>
+              <a:rPr lang="fr-FR" dirty="0" smtClean="0"/>
+              <a:t>Comment on fait ?</a:t>
+            </a:r>
+          </a:p>
+          <a:p>
+            <a:pPr lvl="1"/>
+            <a:r>
+              <a:rPr lang="fr-FR" dirty="0" smtClean="0"/>
+              <a:t>Créer la vue statique </a:t>
             </a:r>
             <a:r>
               <a:rPr lang="fr-FR" b="1" dirty="0" err="1" smtClean="0"/>
-              <a:t>restaurants.html</a:t>
+              <a:t>views</a:t>
+            </a:r>
+            <a:r>
+              <a:rPr lang="fr-FR" b="1" dirty="0" smtClean="0"/>
+              <a:t>/</a:t>
+            </a:r>
+            <a:r>
+              <a:rPr lang="fr-FR" b="1" dirty="0" err="1" smtClean="0"/>
+              <a:t>menu.html</a:t>
             </a:r>
             <a:endParaRPr lang="fr-FR" b="1" dirty="0" smtClean="0"/>
           </a:p>
           <a:p>
-            <a:r>
-              <a:rPr lang="fr-FR" dirty="0" smtClean="0"/>
-              <a:t>Ce que l’on veut</a:t>
-            </a:r>
-          </a:p>
-          <a:p>
-            <a:pPr lvl="1"/>
-            <a:r>
-              <a:rPr lang="fr-FR" dirty="0" smtClean="0"/>
-              <a:t>Extraire ce message pour en faire un composant réutilisable</a:t>
-            </a:r>
-          </a:p>
-          <a:p>
-            <a:r>
-              <a:rPr lang="fr-FR" dirty="0" smtClean="0"/>
-              <a:t>Comment on fait ?</a:t>
-            </a:r>
-          </a:p>
-          <a:p>
-            <a:pPr lvl="1"/>
-            <a:r>
-              <a:rPr lang="fr-FR" dirty="0" smtClean="0"/>
-              <a:t>Créer la directive </a:t>
+            <a:pPr lvl="1"/>
+            <a:r>
+              <a:rPr lang="fr-FR" dirty="0" smtClean="0"/>
+              <a:t>Créer un contrôleur vide </a:t>
             </a:r>
             <a:r>
               <a:rPr lang="fr-FR" b="1" dirty="0" err="1" smtClean="0"/>
-              <a:t>fmDeliverTo</a:t>
-            </a:r>
-            <a:r>
-              <a:rPr lang="fr-FR" dirty="0" smtClean="0"/>
-              <a:t>. Le composant devra utiliser un </a:t>
-            </a:r>
-            <a:r>
-              <a:rPr lang="fr-FR" dirty="0" err="1" smtClean="0"/>
-              <a:t>template</a:t>
-            </a:r>
-            <a:r>
-              <a:rPr lang="fr-FR" dirty="0" smtClean="0"/>
-              <a:t> localisé dans</a:t>
-            </a:r>
-          </a:p>
-          <a:p>
-            <a:pPr lvl="2"/>
-            <a:r>
-              <a:rPr lang="en-US" dirty="0" err="1"/>
-              <a:t>js</a:t>
-            </a:r>
-            <a:r>
-              <a:rPr lang="en-US" dirty="0"/>
-              <a:t>/directives/</a:t>
-            </a:r>
-            <a:r>
-              <a:rPr lang="en-US" dirty="0" err="1"/>
-              <a:t>fmDeliverTo.html</a:t>
-            </a:r>
-            <a:r>
-              <a:rPr lang="fr-FR" dirty="0" smtClean="0"/>
-              <a:t> 	</a:t>
-            </a:r>
-          </a:p>
-          <a:p>
-            <a:pPr lvl="1"/>
-            <a:r>
-              <a:rPr lang="fr-FR" dirty="0" smtClean="0"/>
-              <a:t>Remplacer le html de la vue par la directive</a:t>
+              <a:t>MenuController</a:t>
+            </a:r>
+            <a:endParaRPr lang="fr-FR" b="1" dirty="0" smtClean="0"/>
+          </a:p>
+          <a:p>
+            <a:pPr lvl="1"/>
+            <a:r>
+              <a:rPr lang="fr-FR" dirty="0" smtClean="0"/>
+              <a:t>Créer la route paramétrée </a:t>
+            </a:r>
+            <a:r>
+              <a:rPr lang="fr-FR" b="1" dirty="0" smtClean="0"/>
+              <a:t>‘/menu/:</a:t>
+            </a:r>
+            <a:r>
+              <a:rPr lang="fr-FR" b="1" dirty="0" err="1" smtClean="0"/>
+              <a:t>restaurantId</a:t>
+            </a:r>
+            <a:r>
+              <a:rPr lang="fr-FR" b="1" dirty="0" smtClean="0"/>
+              <a:t>’</a:t>
+            </a:r>
+            <a:r>
+              <a:rPr lang="fr-FR" dirty="0" smtClean="0"/>
+              <a:t> qui pointe sur le </a:t>
+            </a:r>
+            <a:r>
+              <a:rPr lang="fr-FR" b="1" dirty="0" err="1" smtClean="0"/>
+              <a:t>MenuController</a:t>
+            </a:r>
+            <a:r>
+              <a:rPr lang="fr-FR" dirty="0" smtClean="0"/>
+              <a:t> et la vue </a:t>
+            </a:r>
+            <a:r>
+              <a:rPr lang="fr-FR" b="1" dirty="0" err="1" smtClean="0"/>
+              <a:t>views</a:t>
+            </a:r>
+            <a:r>
+              <a:rPr lang="fr-FR" b="1" dirty="0" smtClean="0"/>
+              <a:t>/</a:t>
+            </a:r>
+            <a:r>
+              <a:rPr lang="fr-FR" b="1" dirty="0" err="1" smtClean="0"/>
+              <a:t>menu.html</a:t>
+            </a:r>
+            <a:r>
+              <a:rPr lang="fr-FR" dirty="0" smtClean="0"/>
+              <a:t>.</a:t>
             </a:r>
           </a:p>
           <a:p>
@@ -7467,7 +7670,7 @@
         <p:spPr>
           <a:xfrm>
             <a:off x="827584" y="836712"/>
-            <a:ext cx="3993401" cy="646331"/>
+            <a:ext cx="3737546" cy="646331"/>
           </a:xfrm>
           <a:prstGeom prst="rect">
             <a:avLst/>
@@ -7482,11 +7685,7 @@
           <a:p>
             <a:r>
               <a:rPr lang="fr-FR" b="1" dirty="0" smtClean="0"/>
-              <a:t>Rajouter une directive </a:t>
-            </a:r>
-            <a:r>
-              <a:rPr lang="fr-FR" b="1" dirty="0" err="1" smtClean="0"/>
-              <a:t>fmDeliverTo</a:t>
+              <a:t>Afficher le menu d’un restaurant</a:t>
             </a:r>
             <a:endParaRPr lang="fr-FR" b="1" dirty="0"/>
           </a:p>
@@ -7558,8 +7757,8 @@
               <a:t> </a:t>
             </a:r>
             <a:r>
-              <a:rPr lang="fr-FR" noProof="0" dirty="0" smtClean="0"/>
-              <a:t>18 </a:t>
+              <a:rPr lang="fr-FR" dirty="0" smtClean="0"/>
+              <a:t>17</a:t>
             </a:r>
             <a:endParaRPr lang="en-US" noProof="0" dirty="0"/>
           </a:p>
@@ -7596,8 +7795,13 @@
             <a:pPr lvl="1"/>
             <a:r>
               <a:rPr lang="fr-FR" dirty="0" smtClean="0"/>
-              <a:t>Une vue menu statique</a:t>
-            </a:r>
+              <a:t>Une message pour les informations de livraisons dans la vue </a:t>
+            </a:r>
+            <a:r>
+              <a:rPr lang="fr-FR" b="1" dirty="0" err="1" smtClean="0"/>
+              <a:t>restaurants.html</a:t>
+            </a:r>
+            <a:endParaRPr lang="fr-FR" b="1" dirty="0" smtClean="0"/>
           </a:p>
           <a:p>
             <a:r>
@@ -7609,7 +7813,7 @@
             <a:pPr lvl="1"/>
             <a:r>
               <a:rPr lang="fr-FR" dirty="0" smtClean="0"/>
-              <a:t>Dynamiser la vue avec les données réelles du serveur</a:t>
+              <a:t>Extraire ce message pour en faire un composant réutilisable</a:t>
             </a:r>
           </a:p>
           <a:p>
@@ -7622,28 +7826,49 @@
             <a:pPr lvl="1"/>
             <a:r>
               <a:rPr lang="fr-FR" dirty="0" smtClean="0"/>
-              <a:t>Récupérer les informations d’un restaurant à l’aide de la ressource Restaurant (pensez à utiliser $</a:t>
+              <a:t>Créer la directive </a:t>
+            </a:r>
+            <a:r>
+              <a:rPr lang="fr-FR" b="1" dirty="0" err="1" smtClean="0"/>
+              <a:t>fmDeliverTo</a:t>
+            </a:r>
+            <a:r>
+              <a:rPr lang="fr-FR" dirty="0" smtClean="0"/>
+              <a:t>. Le composant devra utiliser un </a:t>
             </a:r>
             <a:r>
               <a:rPr lang="fr-FR" dirty="0" err="1" smtClean="0"/>
-              <a:t>routeParams</a:t>
-            </a:r>
-            <a:r>
-              <a:rPr lang="fr-FR" dirty="0" smtClean="0"/>
-              <a:t>)</a:t>
-            </a:r>
-          </a:p>
-          <a:p>
-            <a:pPr marL="914400" lvl="2" indent="0">
-              <a:buNone/>
-            </a:pPr>
-            <a:endParaRPr lang="fr-FR" dirty="0" smtClean="0"/>
-          </a:p>
-          <a:p>
-            <a:pPr lvl="1"/>
-            <a:r>
-              <a:rPr lang="fr-FR" dirty="0" smtClean="0"/>
-              <a:t>Dynamiser la vue à l’aide des données récupérées</a:t>
+              <a:t>template</a:t>
+            </a:r>
+            <a:r>
+              <a:rPr lang="fr-FR" dirty="0" smtClean="0"/>
+              <a:t> localisé dans</a:t>
+            </a:r>
+          </a:p>
+          <a:p>
+            <a:pPr lvl="2"/>
+            <a:r>
+              <a:rPr lang="en-US" dirty="0" err="1"/>
+              <a:t>js</a:t>
+            </a:r>
+            <a:r>
+              <a:rPr lang="en-US" dirty="0"/>
+              <a:t>/directives/</a:t>
+            </a:r>
+            <a:r>
+              <a:rPr lang="en-US" dirty="0" err="1"/>
+              <a:t>fmDeliverTo.html</a:t>
+            </a:r>
+            <a:r>
+              <a:rPr lang="fr-FR" dirty="0" smtClean="0"/>
+              <a:t> 	</a:t>
+            </a:r>
+          </a:p>
+          <a:p>
+            <a:pPr lvl="1"/>
+            <a:r>
+              <a:rPr lang="fr-FR" dirty="0" smtClean="0"/>
+              <a:t>Remplacer le html de la vue par la directive</a:t>
             </a:r>
           </a:p>
           <a:p>
@@ -7671,7 +7896,7 @@
         <p:spPr>
           <a:xfrm>
             <a:off x="827584" y="836712"/>
-            <a:ext cx="2763384" cy="646331"/>
+            <a:ext cx="3993401" cy="646331"/>
           </a:xfrm>
           <a:prstGeom prst="rect">
             <a:avLst/>
@@ -7686,7 +7911,11 @@
           <a:p>
             <a:r>
               <a:rPr lang="fr-FR" b="1" dirty="0" smtClean="0"/>
-              <a:t>Dynamiser la vue menu</a:t>
+              <a:t>Rajouter une directive </a:t>
+            </a:r>
+            <a:r>
+              <a:rPr lang="fr-FR" b="1" dirty="0" err="1" smtClean="0"/>
+              <a:t>fmDeliverTo</a:t>
             </a:r>
             <a:endParaRPr lang="fr-FR" b="1" dirty="0"/>
           </a:p>
@@ -8011,15 +8240,7 @@
             </a:r>
             <a:r>
               <a:rPr lang="fr-FR" noProof="0" dirty="0" smtClean="0"/>
-              <a:t> </a:t>
-            </a:r>
-            <a:r>
-              <a:rPr lang="fr-FR" dirty="0" smtClean="0"/>
-              <a:t>19</a:t>
-            </a:r>
-            <a:r>
-              <a:rPr lang="fr-FR" noProof="0" dirty="0" smtClean="0"/>
-              <a:t> </a:t>
+              <a:t> 18 </a:t>
             </a:r>
             <a:endParaRPr lang="en-US" noProof="0" dirty="0"/>
           </a:p>
@@ -8056,7 +8277,7 @@
             <a:pPr lvl="1"/>
             <a:r>
               <a:rPr lang="fr-FR" dirty="0" smtClean="0"/>
-              <a:t>Les prix et les votes sont affichés sous forme de nombre</a:t>
+              <a:t>Une vue menu statique</a:t>
             </a:r>
           </a:p>
           <a:p>
@@ -8069,7 +8290,7 @@
             <a:pPr lvl="1"/>
             <a:r>
               <a:rPr lang="fr-FR" dirty="0" smtClean="0"/>
-              <a:t>Un filtre qui transforme ces valeurs en utilisant les symboles $ et ★</a:t>
+              <a:t>Dynamiser la vue avec les données réelles du serveur</a:t>
             </a:r>
           </a:p>
           <a:p>
@@ -8082,74 +8303,33 @@
             <a:pPr lvl="1"/>
             <a:r>
               <a:rPr lang="fr-FR" dirty="0" smtClean="0"/>
-              <a:t>Créer un filtre </a:t>
-            </a:r>
-            <a:r>
-              <a:rPr lang="fr-FR" b="1" dirty="0" smtClean="0"/>
-              <a:t>dollars</a:t>
-            </a:r>
-            <a:r>
-              <a:rPr lang="fr-FR" dirty="0" smtClean="0"/>
-              <a:t> (fichier </a:t>
+              <a:t>Récupérer les informations d’un restaurant à l’aide de la ressource Restaurant (pensez à utiliser $</a:t>
             </a:r>
             <a:r>
               <a:rPr lang="fr-FR" dirty="0" err="1" smtClean="0"/>
-              <a:t>dollar.js</a:t>
-            </a:r>
-            <a:r>
-              <a:rPr lang="fr-FR" dirty="0" smtClean="0"/>
-              <a:t>) qui retourne autant de ’$’ que le nombre filtré (ex: 2 -&gt; $$)</a:t>
-            </a:r>
-          </a:p>
-          <a:p>
-            <a:pPr lvl="1"/>
-            <a:r>
-              <a:rPr lang="fr-FR" dirty="0" smtClean="0"/>
-              <a:t>Créer un filtre </a:t>
-            </a:r>
-            <a:r>
-              <a:rPr lang="fr-FR" b="1" dirty="0" smtClean="0"/>
-              <a:t>stars</a:t>
-            </a:r>
-            <a:r>
-              <a:rPr lang="fr-FR" dirty="0" smtClean="0"/>
-              <a:t> </a:t>
-            </a:r>
-            <a:r>
-              <a:rPr lang="fr-FR" dirty="0"/>
-              <a:t>(</a:t>
-            </a:r>
-            <a:r>
-              <a:rPr lang="fr-FR" dirty="0" smtClean="0"/>
-              <a:t>fichier </a:t>
-            </a:r>
-            <a:r>
-              <a:rPr lang="fr-FR" dirty="0" err="1" smtClean="0"/>
-              <a:t>stars.js</a:t>
-            </a:r>
-            <a:r>
-              <a:rPr lang="fr-FR" dirty="0"/>
-              <a:t>) </a:t>
-            </a:r>
-            <a:r>
-              <a:rPr lang="fr-FR" dirty="0" smtClean="0"/>
-              <a:t>qui retourne autant de ’ ★’ que le nombre filtré (ex: 3 -&gt; ★★★)</a:t>
-            </a:r>
-          </a:p>
-          <a:p>
-            <a:pPr lvl="2"/>
-            <a:r>
-              <a:rPr lang="fr-FR" dirty="0" smtClean="0"/>
-              <a:t>Le caractère </a:t>
-            </a:r>
-            <a:r>
-              <a:rPr lang="fr-FR" dirty="0" err="1" smtClean="0"/>
-              <a:t>unicode</a:t>
-            </a:r>
-            <a:r>
-              <a:rPr lang="fr-FR" dirty="0" smtClean="0"/>
-              <a:t> de ★ est \u2605</a:t>
-            </a:r>
+              <a:t>routeParams</a:t>
+            </a:r>
+            <a:r>
+              <a:rPr lang="fr-FR" dirty="0" smtClean="0"/>
+              <a:t>)</a:t>
+            </a:r>
+          </a:p>
+          <a:p>
+            <a:pPr marL="914400" lvl="2" indent="0">
+              <a:buNone/>
+            </a:pPr>
+            <a:endParaRPr lang="fr-FR" dirty="0" smtClean="0"/>
+          </a:p>
+          <a:p>
+            <a:pPr lvl="1"/>
+            <a:r>
+              <a:rPr lang="fr-FR" dirty="0" smtClean="0"/>
+              <a:t>Dynamiser la vue à l’aide des données récupérées</a:t>
+            </a:r>
+          </a:p>
+          <a:p>
+            <a:pPr lvl="1"/>
+            <a:endParaRPr lang="fr-FR" dirty="0" smtClean="0"/>
           </a:p>
           <a:p>
             <a:pPr lvl="1"/>
@@ -8172,7 +8352,7 @@
         <p:spPr>
           <a:xfrm>
             <a:off x="827584" y="836712"/>
-            <a:ext cx="1865302" cy="646331"/>
+            <a:ext cx="2763384" cy="646331"/>
           </a:xfrm>
           <a:prstGeom prst="rect">
             <a:avLst/>
@@ -8187,15 +8367,7 @@
           <a:p>
             <a:r>
               <a:rPr lang="fr-FR" b="1" dirty="0" smtClean="0"/>
-              <a:t>Filtres ‘</a:t>
-            </a:r>
-            <a:r>
-              <a:rPr lang="en-US" dirty="0"/>
-              <a:t>★</a:t>
-            </a:r>
-            <a:r>
-              <a:rPr lang="fr-FR" b="1" dirty="0" smtClean="0"/>
-              <a:t>’ et ‘$’</a:t>
+              <a:t>Dynamiser la vue menu</a:t>
             </a:r>
             <a:endParaRPr lang="fr-FR" b="1" dirty="0"/>
           </a:p>
@@ -8267,8 +8439,12 @@
               <a:t> </a:t>
             </a:r>
             <a:r>
+              <a:rPr lang="fr-FR" dirty="0" smtClean="0"/>
+              <a:t>19</a:t>
+            </a:r>
+            <a:r>
               <a:rPr lang="fr-FR" noProof="0" dirty="0" smtClean="0"/>
-              <a:t>20 </a:t>
+              <a:t> </a:t>
             </a:r>
             <a:endParaRPr lang="en-US" noProof="0" dirty="0"/>
           </a:p>
@@ -8292,7 +8468,7 @@
         </p:spPr>
         <p:txBody>
           <a:bodyPr>
-            <a:normAutofit fontScale="92500" lnSpcReduction="20000"/>
+            <a:normAutofit/>
           </a:bodyPr>
           <a:lstStyle/>
           <a:p>
@@ -8305,197 +8481,100 @@
             <a:pPr lvl="1"/>
             <a:r>
               <a:rPr lang="fr-FR" dirty="0" smtClean="0"/>
-              <a:t>Des filtres pour visualiser des </a:t>
+              <a:t>Les prix et les votes sont affichés sous forme de nombre</a:t>
+            </a:r>
+          </a:p>
+          <a:p>
+            <a:r>
+              <a:rPr lang="fr-FR" dirty="0" smtClean="0"/>
+              <a:t>Ce que l’on veut</a:t>
+            </a:r>
+          </a:p>
+          <a:p>
+            <a:pPr lvl="1"/>
+            <a:r>
+              <a:rPr lang="fr-FR" dirty="0" smtClean="0"/>
+              <a:t>Un filtre qui transforme ces valeurs en utilisant les symboles $ et ★</a:t>
+            </a:r>
+          </a:p>
+          <a:p>
+            <a:r>
+              <a:rPr lang="fr-FR" dirty="0" smtClean="0"/>
+              <a:t>Comment on fait ?</a:t>
+            </a:r>
+          </a:p>
+          <a:p>
+            <a:pPr lvl="1"/>
+            <a:r>
+              <a:rPr lang="fr-FR" dirty="0" smtClean="0"/>
+              <a:t>Créer un filtre </a:t>
+            </a:r>
+            <a:r>
+              <a:rPr lang="fr-FR" b="1" dirty="0" smtClean="0"/>
+              <a:t>dollars</a:t>
+            </a:r>
+            <a:r>
+              <a:rPr lang="fr-FR" dirty="0" smtClean="0"/>
+              <a:t> (fichier </a:t>
+            </a:r>
+            <a:r>
+              <a:rPr lang="fr-FR" dirty="0" err="1" smtClean="0"/>
+              <a:t>dollar.js</a:t>
+            </a:r>
+            <a:r>
+              <a:rPr lang="fr-FR" dirty="0" smtClean="0"/>
+              <a:t>) qui retourne autant de ’$’ que le nombre filtré (ex: 2 -&gt; $$)</a:t>
+            </a:r>
+          </a:p>
+          <a:p>
+            <a:pPr lvl="1"/>
+            <a:r>
+              <a:rPr lang="fr-FR" dirty="0" smtClean="0"/>
+              <a:t>Créer un filtre </a:t>
+            </a:r>
+            <a:r>
+              <a:rPr lang="fr-FR" b="1" dirty="0" smtClean="0"/>
+              <a:t>stars</a:t>
+            </a:r>
+            <a:r>
+              <a:rPr lang="fr-FR" dirty="0" smtClean="0"/>
+              <a:t> </a:t>
             </a:r>
             <a:r>
               <a:rPr lang="fr-FR" dirty="0"/>
-              <a:t>‘</a:t>
-            </a:r>
-            <a:r>
-              <a:rPr lang="en-US" dirty="0"/>
-              <a:t>★</a:t>
+              <a:t>(</a:t>
+            </a:r>
+            <a:r>
+              <a:rPr lang="fr-FR" dirty="0" smtClean="0"/>
+              <a:t>fichier </a:t>
+            </a:r>
+            <a:r>
+              <a:rPr lang="fr-FR" dirty="0" err="1" smtClean="0"/>
+              <a:t>stars.js</a:t>
             </a:r>
             <a:r>
               <a:rPr lang="fr-FR" dirty="0"/>
-              <a:t>’ et ‘$</a:t>
-            </a:r>
-            <a:r>
-              <a:rPr lang="fr-FR" dirty="0" smtClean="0"/>
-              <a:t>’ </a:t>
-            </a:r>
-          </a:p>
-          <a:p>
-            <a:r>
-              <a:rPr lang="fr-FR" dirty="0" smtClean="0"/>
-              <a:t>Ce que l’on veut</a:t>
-            </a:r>
-          </a:p>
-          <a:p>
-            <a:pPr lvl="1"/>
-            <a:r>
-              <a:rPr lang="fr-FR" dirty="0" smtClean="0"/>
-              <a:t>Utiliser une directive pour permettre le </a:t>
+              <a:t>) </a:t>
+            </a:r>
+            <a:r>
+              <a:rPr lang="fr-FR" dirty="0" smtClean="0"/>
+              <a:t>qui retourne autant de ’ ★’ que le nombre filtré (ex: 3 -&gt; ★★★)</a:t>
+            </a:r>
+          </a:p>
+          <a:p>
+            <a:pPr lvl="2"/>
+            <a:r>
+              <a:rPr lang="fr-FR" dirty="0" smtClean="0"/>
+              <a:t>Le caractère </a:t>
             </a:r>
             <a:r>
               <a:rPr lang="fr-FR" dirty="0" err="1" smtClean="0"/>
-              <a:t>databinding</a:t>
-            </a:r>
-            <a:r>
-              <a:rPr lang="fr-FR" dirty="0" smtClean="0"/>
-              <a:t> bidirectionnel</a:t>
-            </a:r>
-          </a:p>
-          <a:p>
-            <a:r>
-              <a:rPr lang="fr-FR" dirty="0" smtClean="0"/>
-              <a:t>Comment on fait ?</a:t>
-            </a:r>
-          </a:p>
-          <a:p>
-            <a:pPr lvl="1"/>
-            <a:r>
-              <a:rPr lang="fr-FR" dirty="0" smtClean="0"/>
-              <a:t>Créer le fichier </a:t>
-            </a:r>
-            <a:r>
-              <a:rPr lang="fr-FR" dirty="0" err="1" smtClean="0"/>
-              <a:t>fmRating.js</a:t>
-            </a:r>
-            <a:r>
-              <a:rPr lang="fr-FR" dirty="0" smtClean="0"/>
-              <a:t> et l’importer à la place des filtres</a:t>
-            </a:r>
-          </a:p>
-          <a:p>
-            <a:pPr lvl="1"/>
-            <a:r>
-              <a:rPr lang="fr-FR" dirty="0" smtClean="0"/>
-              <a:t>Rajouter sur le </a:t>
-            </a:r>
-            <a:r>
-              <a:rPr lang="fr-FR" dirty="0" err="1" smtClean="0"/>
-              <a:t>RestaurantController</a:t>
-            </a:r>
-            <a:r>
-              <a:rPr lang="fr-FR" dirty="0" smtClean="0"/>
-              <a:t> un objet de filtre avec les propriétés :</a:t>
-            </a:r>
-          </a:p>
-          <a:p>
-            <a:pPr lvl="2"/>
-            <a:r>
-              <a:rPr lang="fr-FR" dirty="0"/>
-              <a:t>c</a:t>
-            </a:r>
-            <a:r>
-              <a:rPr lang="fr-FR" dirty="0" smtClean="0"/>
-              <a:t>uisine</a:t>
-            </a:r>
-          </a:p>
-          <a:p>
-            <a:pPr lvl="2"/>
-            <a:r>
-              <a:rPr lang="fr-FR" dirty="0" err="1"/>
-              <a:t>p</a:t>
-            </a:r>
-            <a:r>
-              <a:rPr lang="fr-FR" dirty="0" err="1" smtClean="0"/>
-              <a:t>rice</a:t>
-            </a:r>
-            <a:endParaRPr lang="fr-FR" dirty="0" smtClean="0"/>
-          </a:p>
-          <a:p>
-            <a:pPr lvl="2"/>
-            <a:r>
-              <a:rPr lang="fr-FR" dirty="0" smtClean="0"/>
-              <a:t>rating</a:t>
-            </a:r>
-          </a:p>
-          <a:p>
-            <a:pPr lvl="1"/>
-            <a:r>
-              <a:rPr lang="fr-FR" dirty="0" smtClean="0"/>
-              <a:t>Dans la directive</a:t>
-            </a:r>
-          </a:p>
-          <a:p>
-            <a:pPr lvl="2"/>
-            <a:r>
-              <a:rPr lang="fr-FR" dirty="0" smtClean="0"/>
-              <a:t>Créer un scope isolé avec </a:t>
-            </a:r>
-            <a:r>
-              <a:rPr lang="fr-FR" dirty="0" err="1" smtClean="0"/>
-              <a:t>symbol</a:t>
-            </a:r>
-            <a:r>
-              <a:rPr lang="fr-FR" dirty="0" smtClean="0"/>
-              <a:t>, max et </a:t>
-            </a:r>
-            <a:r>
-              <a:rPr lang="fr-FR" dirty="0" err="1" smtClean="0"/>
-              <a:t>readonly</a:t>
-            </a:r>
-            <a:endParaRPr lang="fr-FR" dirty="0" smtClean="0"/>
-          </a:p>
-          <a:p>
-            <a:pPr lvl="2"/>
-            <a:r>
-              <a:rPr lang="fr-FR" dirty="0" smtClean="0"/>
-              <a:t>Setter  max et </a:t>
-            </a:r>
-            <a:r>
-              <a:rPr lang="fr-FR" dirty="0" err="1" smtClean="0"/>
-              <a:t>symbol</a:t>
-            </a:r>
-            <a:r>
-              <a:rPr lang="fr-FR" dirty="0" smtClean="0"/>
-              <a:t> par défaut</a:t>
-            </a:r>
-          </a:p>
-          <a:p>
-            <a:pPr lvl="2"/>
-            <a:r>
-              <a:rPr lang="fr-FR" dirty="0" smtClean="0"/>
-              <a:t>Utiliser le </a:t>
-            </a:r>
-            <a:r>
-              <a:rPr lang="fr-FR" dirty="0" err="1" smtClean="0"/>
-              <a:t>template</a:t>
-            </a:r>
-            <a:r>
-              <a:rPr lang="fr-FR" dirty="0" smtClean="0"/>
-              <a:t> </a:t>
-            </a:r>
-            <a:r>
-              <a:rPr lang="en-US" dirty="0" err="1" smtClean="0"/>
-              <a:t>fmRating.html</a:t>
-            </a:r>
-            <a:endParaRPr lang="en-US" dirty="0" smtClean="0"/>
-          </a:p>
-          <a:p>
-            <a:pPr lvl="2"/>
-            <a:r>
-              <a:rPr lang="fr-FR" dirty="0" smtClean="0"/>
-              <a:t>I</a:t>
-            </a:r>
-            <a:r>
-              <a:rPr lang="en-US" dirty="0" err="1" smtClean="0"/>
-              <a:t>mpleménter</a:t>
-            </a:r>
-            <a:r>
-              <a:rPr lang="en-US" dirty="0" smtClean="0"/>
-              <a:t> les </a:t>
-            </a:r>
-            <a:r>
-              <a:rPr lang="en-US" dirty="0" err="1" smtClean="0"/>
-              <a:t>méthodes</a:t>
-            </a:r>
-            <a:r>
-              <a:rPr lang="en-US" dirty="0" smtClean="0"/>
-              <a:t> enter, leave et select</a:t>
-            </a:r>
-            <a:endParaRPr lang="fr-FR" dirty="0" smtClean="0"/>
+              <a:t>unicode</a:t>
+            </a:r>
+            <a:r>
+              <a:rPr lang="fr-FR" dirty="0" smtClean="0"/>
+              <a:t> de ★ est \u2605</a:t>
+            </a:r>
           </a:p>
           <a:p>
             <a:pPr lvl="1"/>
@@ -8518,7 +8597,7 @@
         <p:spPr>
           <a:xfrm>
             <a:off x="827584" y="836712"/>
-            <a:ext cx="2224174" cy="646331"/>
+            <a:ext cx="1865302" cy="646331"/>
           </a:xfrm>
           <a:prstGeom prst="rect">
             <a:avLst/>
@@ -8533,11 +8612,15 @@
           <a:p>
             <a:r>
               <a:rPr lang="fr-FR" b="1" dirty="0" smtClean="0"/>
-              <a:t>Directive </a:t>
-            </a:r>
-            <a:r>
-              <a:rPr lang="fr-FR" b="1" dirty="0" err="1" smtClean="0"/>
-              <a:t>fmRating</a:t>
+              <a:t>Filtres ‘</a:t>
+            </a:r>
+            <a:r>
+              <a:rPr lang="en-US" dirty="0"/>
+              <a:t>★</a:t>
+            </a:r>
+            <a:r>
+              <a:rPr lang="fr-FR" b="1" dirty="0" smtClean="0"/>
+              <a:t>’ et ‘$’</a:t>
             </a:r>
             <a:endParaRPr lang="fr-FR" b="1" dirty="0"/>
           </a:p>
@@ -8606,11 +8689,7 @@
             </a:r>
             <a:r>
               <a:rPr lang="fr-FR" noProof="0" dirty="0" smtClean="0"/>
-              <a:t> </a:t>
-            </a:r>
-            <a:r>
-              <a:rPr lang="fr-FR" noProof="0" dirty="0" smtClean="0"/>
-              <a:t>21</a:t>
+              <a:t> 20 </a:t>
             </a:r>
             <a:endParaRPr lang="en-US" noProof="0" dirty="0"/>
           </a:p>
@@ -8634,7 +8713,7 @@
         </p:spPr>
         <p:txBody>
           <a:bodyPr>
-            <a:normAutofit/>
+            <a:normAutofit fontScale="92500" lnSpcReduction="20000"/>
           </a:bodyPr>
           <a:lstStyle/>
           <a:p>
@@ -8647,7 +8726,23 @@
             <a:pPr lvl="1"/>
             <a:r>
               <a:rPr lang="fr-FR" dirty="0" smtClean="0"/>
-              <a:t>Des filtres qui ne filtrent pas</a:t>
+              <a:t>Des filtres pour visualiser des </a:t>
+            </a:r>
+            <a:r>
+              <a:rPr lang="fr-FR" dirty="0"/>
+              <a:t>‘</a:t>
+            </a:r>
+            <a:r>
+              <a:rPr lang="en-US" dirty="0"/>
+              <a:t>★</a:t>
+            </a:r>
+            <a:r>
+              <a:rPr lang="fr-FR" dirty="0"/>
+              <a:t>’ et ‘$</a:t>
+            </a:r>
+            <a:r>
+              <a:rPr lang="fr-FR" dirty="0" smtClean="0"/>
+              <a:t>’ </a:t>
             </a:r>
           </a:p>
           <a:p>
@@ -8660,7 +8755,15 @@
             <a:pPr lvl="1"/>
             <a:r>
               <a:rPr lang="fr-FR" dirty="0" smtClean="0"/>
-              <a:t>Pouvoir filtrer la liste des restaurants</a:t>
+              <a:t>Utiliser une directive pour permettre le </a:t>
+            </a:r>
+            <a:r>
+              <a:rPr lang="fr-FR" dirty="0" err="1" smtClean="0"/>
+              <a:t>databinding</a:t>
+            </a:r>
+            <a:r>
+              <a:rPr lang="fr-FR" dirty="0" smtClean="0"/>
+              <a:t> bidirectionnel</a:t>
             </a:r>
           </a:p>
           <a:p>
@@ -8673,59 +8776,146 @@
             <a:pPr lvl="1"/>
             <a:r>
               <a:rPr lang="fr-FR" dirty="0" smtClean="0"/>
-              <a:t>Faire un </a:t>
-            </a:r>
-            <a:r>
-              <a:rPr lang="fr-FR" b="1" dirty="0" err="1" smtClean="0"/>
-              <a:t>watch</a:t>
-            </a:r>
-            <a:r>
-              <a:rPr lang="fr-FR" dirty="0" smtClean="0"/>
-              <a:t> sur l’objet </a:t>
+              <a:t>Créer le fichier </a:t>
             </a:r>
             <a:r>
               <a:rPr lang="fr-FR" dirty="0" err="1" smtClean="0"/>
-              <a:t>filter</a:t>
+              <a:t>fmRating.js</a:t>
+            </a:r>
+            <a:r>
+              <a:rPr lang="fr-FR" dirty="0" smtClean="0"/>
+              <a:t> et l’importer à la place des filtres</a:t>
+            </a:r>
+          </a:p>
+          <a:p>
+            <a:pPr lvl="1"/>
+            <a:r>
+              <a:rPr lang="fr-FR" dirty="0" smtClean="0"/>
+              <a:t>Rajouter sur le </a:t>
+            </a:r>
+            <a:r>
+              <a:rPr lang="fr-FR" dirty="0" err="1" smtClean="0"/>
+              <a:t>RestaurantController</a:t>
+            </a:r>
+            <a:r>
+              <a:rPr lang="fr-FR" dirty="0" smtClean="0"/>
+              <a:t> un objet de filtre avec les propriétés :</a:t>
+            </a:r>
+          </a:p>
+          <a:p>
+            <a:pPr lvl="2"/>
+            <a:r>
+              <a:rPr lang="fr-FR" dirty="0"/>
+              <a:t>c</a:t>
+            </a:r>
+            <a:r>
+              <a:rPr lang="fr-FR" dirty="0" smtClean="0"/>
+              <a:t>uisine</a:t>
+            </a:r>
+          </a:p>
+          <a:p>
+            <a:pPr lvl="2"/>
+            <a:r>
+              <a:rPr lang="fr-FR" dirty="0" err="1"/>
+              <a:t>p</a:t>
+            </a:r>
+            <a:r>
+              <a:rPr lang="fr-FR" dirty="0" err="1" smtClean="0"/>
+              <a:t>rice</a:t>
             </a:r>
             <a:endParaRPr lang="fr-FR" dirty="0" smtClean="0"/>
           </a:p>
           <a:p>
-            <a:pPr lvl="1"/>
-            <a:r>
-              <a:rPr lang="fr-FR" dirty="0" smtClean="0"/>
-              <a:t>Implémenter la fonction de filtre pour retourner un sous-ensemble de restaurants</a:t>
-            </a:r>
-          </a:p>
-          <a:p>
             <a:pPr lvl="2"/>
             <a:r>
               <a:rPr lang="fr-FR" dirty="0" smtClean="0"/>
-              <a:t>Collection initiales dans </a:t>
+              <a:t>rating</a:t>
+            </a:r>
+          </a:p>
+          <a:p>
+            <a:pPr lvl="1"/>
+            <a:r>
+              <a:rPr lang="fr-FR" dirty="0" smtClean="0"/>
+              <a:t>Dans la directive</a:t>
+            </a:r>
+          </a:p>
+          <a:p>
+            <a:pPr lvl="2"/>
+            <a:r>
+              <a:rPr lang="fr-FR" dirty="0" smtClean="0"/>
+              <a:t>Créer un scope isolé avec </a:t>
             </a:r>
             <a:r>
               <a:rPr lang="fr-FR" dirty="0" err="1" smtClean="0"/>
-              <a:t>allRestaurants</a:t>
+              <a:t>symbol</a:t>
+            </a:r>
+            <a:r>
+              <a:rPr lang="fr-FR" dirty="0" smtClean="0"/>
+              <a:t>, max et </a:t>
+            </a:r>
+            <a:r>
+              <a:rPr lang="fr-FR" dirty="0" err="1" smtClean="0"/>
+              <a:t>readonly</a:t>
             </a:r>
             <a:endParaRPr lang="fr-FR" dirty="0" smtClean="0"/>
           </a:p>
           <a:p>
             <a:pPr lvl="2"/>
             <a:r>
+              <a:rPr lang="fr-FR" dirty="0" smtClean="0"/>
+              <a:t>Setter  max et </a:t>
+            </a:r>
+            <a:r>
               <a:rPr lang="fr-FR" dirty="0" err="1" smtClean="0"/>
-              <a:t>Angular.forEach</a:t>
-            </a:r>
-            <a:r>
-              <a:rPr lang="fr-FR" dirty="0" smtClean="0"/>
-              <a:t>() pour mettre à jour $</a:t>
+              <a:t>symbol</a:t>
+            </a:r>
+            <a:r>
+              <a:rPr lang="fr-FR" dirty="0" smtClean="0"/>
+              <a:t> par défaut</a:t>
+            </a:r>
+          </a:p>
+          <a:p>
+            <a:pPr lvl="2"/>
+            <a:r>
+              <a:rPr lang="fr-FR" dirty="0" smtClean="0"/>
+              <a:t>Utiliser le </a:t>
             </a:r>
             <a:r>
               <a:rPr lang="fr-FR" dirty="0" err="1" smtClean="0"/>
-              <a:t>scope.restaurants</a:t>
-            </a:r>
-            <a:endParaRPr lang="fr-FR" dirty="0" smtClean="0"/>
-          </a:p>
-          <a:p>
-            <a:pPr lvl="1"/>
+              <a:t>template</a:t>
+            </a:r>
+            <a:r>
+              <a:rPr lang="fr-FR" dirty="0" smtClean="0"/>
+              <a:t> </a:t>
+            </a:r>
+            <a:r>
+              <a:rPr lang="en-US" dirty="0" err="1" smtClean="0"/>
+              <a:t>fmRating.html</a:t>
+            </a:r>
+            <a:endParaRPr lang="en-US" dirty="0" smtClean="0"/>
+          </a:p>
+          <a:p>
+            <a:pPr lvl="2"/>
+            <a:r>
+              <a:rPr lang="fr-FR" dirty="0" smtClean="0"/>
+              <a:t>I</a:t>
+            </a:r>
+            <a:r>
+              <a:rPr lang="en-US" dirty="0" err="1" smtClean="0"/>
+              <a:t>mpleménter</a:t>
+            </a:r>
+            <a:r>
+              <a:rPr lang="en-US" dirty="0" smtClean="0"/>
+              <a:t> les </a:t>
+            </a:r>
+            <a:r>
+              <a:rPr lang="en-US" dirty="0" err="1" smtClean="0"/>
+              <a:t>méthodes</a:t>
+            </a:r>
+            <a:r>
+              <a:rPr lang="en-US" dirty="0" smtClean="0"/>
+              <a:t> enter, leave et select</a:t>
+            </a:r>
             <a:endParaRPr lang="fr-FR" dirty="0" smtClean="0"/>
           </a:p>
           <a:p>
@@ -8749,7 +8939,7 @@
         <p:spPr>
           <a:xfrm>
             <a:off x="827584" y="836712"/>
-            <a:ext cx="2237136" cy="369332"/>
+            <a:ext cx="2224174" cy="646331"/>
           </a:xfrm>
           <a:prstGeom prst="rect">
             <a:avLst/>
@@ -8764,8 +8954,15 @@
           <a:p>
             <a:r>
               <a:rPr lang="fr-FR" b="1" dirty="0" smtClean="0"/>
-              <a:t>Filtrer les données</a:t>
-            </a:r>
+              <a:t>Directive </a:t>
+            </a:r>
+            <a:r>
+              <a:rPr lang="fr-FR" b="1" dirty="0" err="1" smtClean="0"/>
+              <a:t>fmRating</a:t>
+            </a:r>
+            <a:endParaRPr lang="fr-FR" b="1" dirty="0"/>
+          </a:p>
+          <a:p>
             <a:endParaRPr lang="fr-FR" dirty="0"/>
           </a:p>
         </p:txBody>
@@ -8830,11 +9027,7 @@
             </a:r>
             <a:r>
               <a:rPr lang="fr-FR" noProof="0" dirty="0" smtClean="0"/>
-              <a:t> </a:t>
-            </a:r>
-            <a:r>
-              <a:rPr lang="fr-FR" noProof="0" dirty="0" smtClean="0"/>
-              <a:t>22 </a:t>
+              <a:t> 21</a:t>
             </a:r>
             <a:endParaRPr lang="en-US" noProof="0" dirty="0"/>
           </a:p>
@@ -8871,7 +9064,7 @@
             <a:pPr lvl="1"/>
             <a:r>
               <a:rPr lang="fr-FR" dirty="0" smtClean="0"/>
-              <a:t>Une liste statique de type cuisine</a:t>
+              <a:t>Des filtres qui ne filtrent pas</a:t>
             </a:r>
           </a:p>
           <a:p>
@@ -8884,11 +9077,8 @@
             <a:pPr lvl="1"/>
             <a:r>
               <a:rPr lang="fr-FR" dirty="0" smtClean="0"/>
-              <a:t>Une liste dynamique</a:t>
-            </a:r>
-          </a:p>
-          <a:p>
-            <a:endParaRPr lang="fr-FR" dirty="0"/>
+              <a:t>Pouvoir filtrer la liste des restaurants</a:t>
+            </a:r>
           </a:p>
           <a:p>
             <a:r>
@@ -8900,105 +9090,56 @@
             <a:pPr lvl="1"/>
             <a:r>
               <a:rPr lang="fr-FR" dirty="0" smtClean="0"/>
-              <a:t>Dans le sens </a:t>
-            </a:r>
-            <a:r>
-              <a:rPr lang="en-US" dirty="0"/>
-              <a:t>model -&gt; </a:t>
-            </a:r>
-            <a:r>
-              <a:rPr lang="en-US" dirty="0" smtClean="0"/>
-              <a:t>view en </a:t>
-            </a:r>
-            <a:r>
-              <a:rPr lang="en-US" dirty="0" err="1" smtClean="0"/>
-              <a:t>implémentant</a:t>
-            </a:r>
-            <a:r>
-              <a:rPr lang="en-US" dirty="0" smtClean="0"/>
-              <a:t> la </a:t>
-            </a:r>
-            <a:r>
-              <a:rPr lang="en-US" dirty="0" err="1" smtClean="0"/>
-              <a:t>méthode</a:t>
-            </a:r>
-            <a:r>
-              <a:rPr lang="en-US" dirty="0" smtClean="0"/>
-              <a:t> </a:t>
-            </a:r>
-            <a:r>
-              <a:rPr lang="fr-FR" b="1" dirty="0" err="1"/>
-              <a:t>ngModel</a:t>
-            </a:r>
-            <a:r>
-              <a:rPr lang="fr-FR" b="1" dirty="0"/>
-              <a:t>.$</a:t>
+              <a:t>Faire un </a:t>
             </a:r>
             <a:r>
               <a:rPr lang="fr-FR" b="1" dirty="0" err="1" smtClean="0"/>
-              <a:t>render</a:t>
-            </a:r>
-            <a:r>
-              <a:rPr lang="fr-FR" dirty="0" smtClean="0"/>
-              <a:t> et avec </a:t>
-            </a:r>
-            <a:r>
-              <a:rPr lang="fi-FI" b="1" dirty="0" err="1"/>
-              <a:t>ngModel.$</a:t>
-            </a:r>
-            <a:r>
-              <a:rPr lang="fi-FI" b="1" dirty="0" err="1" smtClean="0"/>
-              <a:t>modelValue</a:t>
-            </a:r>
-            <a:endParaRPr lang="fi-FI" b="1" dirty="0" smtClean="0"/>
-          </a:p>
-          <a:p>
-            <a:pPr lvl="1"/>
-            <a:r>
-              <a:rPr lang="fi-FI" dirty="0" err="1" smtClean="0"/>
-              <a:t>Dans</a:t>
-            </a:r>
-            <a:r>
-              <a:rPr lang="fi-FI" dirty="0" smtClean="0"/>
-              <a:t> le</a:t>
-            </a:r>
-            <a:r>
-              <a:rPr lang="fr-FR" dirty="0" smtClean="0"/>
-              <a:t>	sens </a:t>
+              <a:t>watch</a:t>
+            </a:r>
+            <a:r>
+              <a:rPr lang="fr-FR" dirty="0" smtClean="0"/>
+              <a:t> sur l’objet </a:t>
             </a:r>
             <a:r>
               <a:rPr lang="fr-FR" dirty="0" err="1" smtClean="0"/>
-              <a:t>view</a:t>
-            </a:r>
-            <a:r>
-              <a:rPr lang="fr-FR" dirty="0" smtClean="0"/>
-              <a:t> -&gt; model  en appelant la méthode </a:t>
-            </a:r>
-            <a:r>
-              <a:rPr lang="en-US" b="1" dirty="0" err="1"/>
-              <a:t>ngModel</a:t>
-            </a:r>
-            <a:r>
-              <a:rPr lang="en-US" b="1" dirty="0"/>
-              <a:t>.$</a:t>
-            </a:r>
-            <a:r>
-              <a:rPr lang="en-US" b="1" dirty="0" err="1" smtClean="0"/>
-              <a:t>setViewValue</a:t>
-            </a:r>
-            <a:r>
-              <a:rPr lang="en-US" b="1" dirty="0" smtClean="0"/>
-              <a:t> </a:t>
-            </a:r>
-            <a:r>
-              <a:rPr lang="en-US" dirty="0" err="1" smtClean="0"/>
-              <a:t>dans</a:t>
-            </a:r>
-            <a:r>
-              <a:rPr lang="en-US" dirty="0" smtClean="0"/>
-              <a:t> un listener de click</a:t>
-            </a:r>
-            <a:endParaRPr lang="fr-FR" b="1" dirty="0" smtClean="0"/>
+              <a:t>filter</a:t>
+            </a:r>
+            <a:endParaRPr lang="fr-FR" dirty="0" smtClean="0"/>
+          </a:p>
+          <a:p>
+            <a:pPr lvl="1"/>
+            <a:r>
+              <a:rPr lang="fr-FR" dirty="0" smtClean="0"/>
+              <a:t>Implémenter la fonction de filtre pour retourner un sous-ensemble de restaurants</a:t>
+            </a:r>
+          </a:p>
+          <a:p>
+            <a:pPr lvl="2"/>
+            <a:r>
+              <a:rPr lang="fr-FR" dirty="0" smtClean="0"/>
+              <a:t>Collection initiales dans </a:t>
+            </a:r>
+            <a:r>
+              <a:rPr lang="fr-FR" dirty="0" err="1" smtClean="0"/>
+              <a:t>allRestaurants</a:t>
+            </a:r>
+            <a:endParaRPr lang="fr-FR" dirty="0" smtClean="0"/>
+          </a:p>
+          <a:p>
+            <a:pPr lvl="2"/>
+            <a:r>
+              <a:rPr lang="fr-FR" dirty="0" err="1" smtClean="0"/>
+              <a:t>Angular.forEach</a:t>
+            </a:r>
+            <a:r>
+              <a:rPr lang="fr-FR" dirty="0" smtClean="0"/>
+              <a:t>() pour mettre à jour $</a:t>
+            </a:r>
+            <a:r>
+              <a:rPr lang="fr-FR" dirty="0" err="1" smtClean="0"/>
+              <a:t>scope.restaurants</a:t>
+            </a:r>
+            <a:endParaRPr lang="fr-FR" dirty="0" smtClean="0"/>
           </a:p>
           <a:p>
             <a:pPr lvl="1"/>
@@ -9025,7 +9166,7 @@
         <p:spPr>
           <a:xfrm>
             <a:off x="827584" y="836712"/>
-            <a:ext cx="3019689" cy="646331"/>
+            <a:ext cx="2237136" cy="369332"/>
           </a:xfrm>
           <a:prstGeom prst="rect">
             <a:avLst/>
@@ -9040,19 +9181,8 @@
           <a:p>
             <a:r>
               <a:rPr lang="fr-FR" b="1" dirty="0" smtClean="0"/>
-              <a:t>Directive </a:t>
-            </a:r>
-            <a:r>
-              <a:rPr lang="hu-HU" b="1" dirty="0"/>
-              <a:t>fmCheckboxList</a:t>
-            </a:r>
-            <a:r>
-              <a:rPr lang="fr-FR" b="1" dirty="0" smtClean="0"/>
-              <a:t> </a:t>
-            </a:r>
-            <a:endParaRPr lang="fr-FR" b="1" dirty="0"/>
-          </a:p>
-          <a:p>
+              <a:t>Filtrer les données</a:t>
+            </a:r>
             <a:endParaRPr lang="fr-FR" dirty="0"/>
           </a:p>
         </p:txBody>
@@ -9117,11 +9247,7 @@
             </a:r>
             <a:r>
               <a:rPr lang="fr-FR" noProof="0" dirty="0" smtClean="0"/>
-              <a:t> </a:t>
-            </a:r>
-            <a:r>
-              <a:rPr lang="fr-FR" noProof="0" dirty="0" smtClean="0"/>
-              <a:t>23 </a:t>
+              <a:t> 22 </a:t>
             </a:r>
             <a:endParaRPr lang="en-US" noProof="0" dirty="0"/>
           </a:p>
@@ -9145,7 +9271,7 @@
         </p:spPr>
         <p:txBody>
           <a:bodyPr>
-            <a:normAutofit lnSpcReduction="10000"/>
+            <a:normAutofit/>
           </a:bodyPr>
           <a:lstStyle/>
           <a:p>
@@ -9158,7 +9284,7 @@
             <a:pPr lvl="1"/>
             <a:r>
               <a:rPr lang="fr-FR" dirty="0" smtClean="0"/>
-              <a:t>La liste de restaurant est affichée toujours dans le même ordre</a:t>
+              <a:t>Une liste statique de type cuisine</a:t>
             </a:r>
           </a:p>
           <a:p>
@@ -9171,8 +9297,11 @@
             <a:pPr lvl="1"/>
             <a:r>
               <a:rPr lang="fr-FR" dirty="0" smtClean="0"/>
-              <a:t>Pouvoir trier la liste</a:t>
-            </a:r>
+              <a:t>Une liste dynamique</a:t>
+            </a:r>
+          </a:p>
+          <a:p>
+            <a:endParaRPr lang="fr-FR" dirty="0"/>
           </a:p>
           <a:p>
             <a:r>
@@ -9184,147 +9313,105 @@
             <a:pPr lvl="1"/>
             <a:r>
               <a:rPr lang="fr-FR" dirty="0" smtClean="0"/>
-              <a:t>Dans le </a:t>
+              <a:t>Dans le sens </a:t>
+            </a:r>
+            <a:r>
+              <a:rPr lang="en-US" dirty="0"/>
+              <a:t>model -&gt; </a:t>
+            </a:r>
+            <a:r>
+              <a:rPr lang="en-US" dirty="0" smtClean="0"/>
+              <a:t>view en </a:t>
+            </a:r>
+            <a:r>
+              <a:rPr lang="en-US" dirty="0" err="1" smtClean="0"/>
+              <a:t>implémentant</a:t>
+            </a:r>
+            <a:r>
+              <a:rPr lang="en-US" dirty="0" smtClean="0"/>
+              <a:t> la </a:t>
+            </a:r>
+            <a:r>
+              <a:rPr lang="en-US" dirty="0" err="1" smtClean="0"/>
+              <a:t>méthode</a:t>
+            </a:r>
+            <a:r>
+              <a:rPr lang="en-US" dirty="0" smtClean="0"/>
+              <a:t> </a:t>
+            </a:r>
+            <a:r>
+              <a:rPr lang="fr-FR" b="1" dirty="0" err="1"/>
+              <a:t>ngModel</a:t>
+            </a:r>
+            <a:r>
+              <a:rPr lang="fr-FR" b="1" dirty="0"/>
+              <a:t>.$</a:t>
+            </a:r>
+            <a:r>
+              <a:rPr lang="fr-FR" b="1" dirty="0" err="1" smtClean="0"/>
+              <a:t>render</a:t>
+            </a:r>
+            <a:r>
+              <a:rPr lang="fr-FR" dirty="0" smtClean="0"/>
+              <a:t> et avec </a:t>
+            </a:r>
+            <a:r>
+              <a:rPr lang="fi-FI" b="1" dirty="0" err="1"/>
+              <a:t>ngModel.$</a:t>
+            </a:r>
+            <a:r>
+              <a:rPr lang="fi-FI" b="1" dirty="0" err="1" smtClean="0"/>
+              <a:t>modelValue</a:t>
+            </a:r>
+            <a:endParaRPr lang="fi-FI" b="1" dirty="0" smtClean="0"/>
+          </a:p>
+          <a:p>
+            <a:pPr lvl="1"/>
+            <a:r>
+              <a:rPr lang="fi-FI" dirty="0" err="1" smtClean="0"/>
+              <a:t>Dans</a:t>
+            </a:r>
+            <a:r>
+              <a:rPr lang="fi-FI" dirty="0" smtClean="0"/>
+              <a:t> le</a:t>
+            </a:r>
+            <a:r>
+              <a:rPr lang="fr-FR" dirty="0" smtClean="0"/>
+              <a:t>	sens </a:t>
             </a:r>
             <a:r>
               <a:rPr lang="fr-FR" dirty="0" err="1" smtClean="0"/>
-              <a:t>RestaurantController</a:t>
-            </a:r>
-            <a:endParaRPr lang="fr-FR" dirty="0" smtClean="0"/>
-          </a:p>
-          <a:p>
-            <a:pPr lvl="2"/>
-            <a:r>
-              <a:rPr lang="fr-FR" dirty="0" smtClean="0"/>
-              <a:t>Rajouter </a:t>
-            </a:r>
-            <a:r>
-              <a:rPr lang="fr-FR" dirty="0" err="1" smtClean="0"/>
-              <a:t>sortBy</a:t>
-            </a:r>
-            <a:r>
-              <a:rPr lang="fr-FR" dirty="0" smtClean="0"/>
+              <a:t>view</a:t>
+            </a:r>
+            <a:r>
+              <a:rPr lang="fr-FR" dirty="0" smtClean="0"/>
+              <a:t> -&gt; model  en appelant la méthode </a:t>
+            </a:r>
+            <a:r>
+              <a:rPr lang="en-US" b="1" dirty="0" err="1"/>
+              <a:t>ngModel</a:t>
+            </a:r>
+            <a:r>
+              <a:rPr lang="en-US" b="1" dirty="0"/>
+              <a:t>.$</a:t>
+            </a:r>
+            <a:r>
+              <a:rPr lang="en-US" b="1" dirty="0" err="1" smtClean="0"/>
+              <a:t>setViewValue</a:t>
+            </a:r>
+            <a:r>
+              <a:rPr lang="en-US" b="1" dirty="0" smtClean="0"/>
               <a:t> </a:t>
             </a:r>
             <a:r>
-              <a:rPr lang="fr-FR" dirty="0"/>
-              <a:t>et </a:t>
-            </a:r>
-            <a:r>
-              <a:rPr lang="fr-FR" dirty="0" err="1" smtClean="0"/>
-              <a:t>sortAsc</a:t>
-            </a:r>
-            <a:r>
-              <a:rPr lang="fr-FR" dirty="0" smtClean="0"/>
-              <a:t> sur l’objet </a:t>
-            </a:r>
-            <a:r>
-              <a:rPr lang="fr-FR" dirty="0" err="1" smtClean="0"/>
-              <a:t>filter</a:t>
-            </a:r>
-            <a:endParaRPr lang="fr-FR" dirty="0" smtClean="0"/>
-          </a:p>
-          <a:p>
-            <a:pPr lvl="2"/>
-            <a:r>
-              <a:rPr lang="fr-FR" dirty="0" smtClean="0"/>
-              <a:t>Implémenter </a:t>
-            </a:r>
-            <a:r>
-              <a:rPr lang="fr-FR" dirty="0"/>
-              <a:t>la fonction </a:t>
-            </a:r>
-            <a:r>
-              <a:rPr lang="fr-FR" dirty="0" err="1" smtClean="0"/>
-              <a:t>sortBy</a:t>
-            </a:r>
-            <a:r>
-              <a:rPr lang="fr-FR" dirty="0" smtClean="0"/>
-              <a:t> qui met à jour les valeurs de tri en fonction de la clé passée</a:t>
-            </a:r>
-          </a:p>
-          <a:p>
-            <a:pPr lvl="2"/>
-            <a:r>
-              <a:rPr lang="fr-FR" dirty="0" smtClean="0"/>
-              <a:t>Implémenter </a:t>
-            </a:r>
-            <a:r>
-              <a:rPr lang="fr-FR" dirty="0"/>
-              <a:t>la fonction </a:t>
-            </a:r>
-            <a:r>
-              <a:rPr lang="fr-FR" dirty="0" err="1" smtClean="0"/>
-              <a:t>sortIconFor</a:t>
-            </a:r>
-            <a:r>
-              <a:rPr lang="fr-FR" dirty="0" smtClean="0"/>
-              <a:t> qui retourne </a:t>
-            </a:r>
-            <a:r>
-              <a:rPr lang="fr-FR" dirty="0" err="1" smtClean="0"/>
-              <a:t>l’ic</a:t>
-            </a:r>
-            <a:r>
-              <a:rPr lang="sk-SK" dirty="0" smtClean="0"/>
-              <a:t>ô</a:t>
-            </a:r>
-            <a:r>
-              <a:rPr lang="fr-FR" dirty="0" smtClean="0"/>
-              <a:t>ne de tri en fonction de la clé</a:t>
-            </a:r>
-          </a:p>
-          <a:p>
-            <a:pPr lvl="2"/>
-            <a:r>
-              <a:rPr lang="fr-FR" dirty="0" smtClean="0"/>
-              <a:t>Rajouter dans la fonction </a:t>
-            </a:r>
-            <a:r>
-              <a:rPr lang="cs-CZ" dirty="0" err="1" smtClean="0"/>
-              <a:t>filterAndSortRestaurants</a:t>
-            </a:r>
-            <a:r>
-              <a:rPr lang="cs-CZ" dirty="0" smtClean="0"/>
-              <a:t> </a:t>
-            </a:r>
-            <a:r>
-              <a:rPr lang="cs-CZ" dirty="0" err="1" smtClean="0"/>
-              <a:t>l‘implémentation</a:t>
-            </a:r>
-            <a:r>
-              <a:rPr lang="cs-CZ" dirty="0" smtClean="0"/>
-              <a:t> </a:t>
-            </a:r>
-            <a:r>
-              <a:rPr lang="cs-CZ" dirty="0" err="1" smtClean="0"/>
-              <a:t>du</a:t>
-            </a:r>
-            <a:r>
-              <a:rPr lang="cs-CZ" dirty="0" smtClean="0"/>
-              <a:t> </a:t>
-            </a:r>
-            <a:r>
-              <a:rPr lang="cs-CZ" dirty="0" err="1" smtClean="0"/>
-              <a:t>tri</a:t>
-            </a:r>
-            <a:r>
-              <a:rPr lang="cs-CZ" dirty="0" smtClean="0"/>
-              <a:t> (</a:t>
-            </a:r>
-            <a:r>
-              <a:rPr lang="en-US" dirty="0"/>
-              <a:t>$</a:t>
-            </a:r>
-            <a:r>
               <a:rPr lang="en-US" dirty="0" err="1" smtClean="0"/>
-              <a:t>scope.restaurants.sort</a:t>
+              <a:t>dans</a:t>
             </a:r>
             <a:r>
               <a:rPr lang="en-US" dirty="0" smtClean="0"/>
-              <a:t>())</a:t>
-            </a:r>
-            <a:endParaRPr lang="fr-FR" dirty="0" smtClean="0"/>
+              <a:t> un listener de click</a:t>
+            </a:r>
+            <a:endParaRPr lang="fr-FR" b="1" dirty="0" smtClean="0"/>
           </a:p>
           <a:p>
             <a:pPr lvl="1"/>
@@ -9351,7 +9438,7 @@
         <p:spPr>
           <a:xfrm>
             <a:off x="827584" y="836712"/>
-            <a:ext cx="1543850" cy="369332"/>
+            <a:ext cx="3019689" cy="646331"/>
           </a:xfrm>
           <a:prstGeom prst="rect">
             <a:avLst/>
@@ -9366,8 +9453,19 @@
           <a:p>
             <a:r>
               <a:rPr lang="fr-FR" b="1" dirty="0" smtClean="0"/>
-              <a:t>Rajout du tri</a:t>
-            </a:r>
+              <a:t>Directive </a:t>
+            </a:r>
+            <a:r>
+              <a:rPr lang="hu-HU" b="1" dirty="0"/>
+              <a:t>fmCheckboxList</a:t>
+            </a:r>
+            <a:r>
+              <a:rPr lang="fr-FR" b="1" dirty="0" smtClean="0"/>
+              <a:t> </a:t>
+            </a:r>
+            <a:endParaRPr lang="fr-FR" b="1" dirty="0"/>
+          </a:p>
+          <a:p>
             <a:endParaRPr lang="fr-FR" dirty="0"/>
           </a:p>
         </p:txBody>
@@ -9432,11 +9530,7 @@
             </a:r>
             <a:r>
               <a:rPr lang="fr-FR" noProof="0" dirty="0" smtClean="0"/>
-              <a:t> </a:t>
-            </a:r>
-            <a:r>
-              <a:rPr lang="fr-FR" noProof="0" dirty="0" smtClean="0"/>
-              <a:t>24 </a:t>
+              <a:t> 23 </a:t>
             </a:r>
             <a:endParaRPr lang="en-US" noProof="0" dirty="0"/>
           </a:p>
@@ -9460,7 +9554,7 @@
         </p:spPr>
         <p:txBody>
           <a:bodyPr>
-            <a:normAutofit/>
+            <a:normAutofit lnSpcReduction="10000"/>
           </a:bodyPr>
           <a:lstStyle/>
           <a:p>
@@ -9473,7 +9567,7 @@
             <a:pPr lvl="1"/>
             <a:r>
               <a:rPr lang="fr-FR" dirty="0" smtClean="0"/>
-              <a:t>La vue menu ne permet pas de commander</a:t>
+              <a:t>La liste de restaurant est affichée toujours dans le même ordre</a:t>
             </a:r>
           </a:p>
           <a:p>
@@ -9486,7 +9580,7 @@
             <a:pPr lvl="1"/>
             <a:r>
               <a:rPr lang="fr-FR" dirty="0" smtClean="0"/>
-              <a:t>Pouvoir ajouter des éléments du menu dans le panier	</a:t>
+              <a:t>Pouvoir trier la liste</a:t>
             </a:r>
           </a:p>
           <a:p>
@@ -9499,35 +9593,147 @@
             <a:pPr lvl="1"/>
             <a:r>
               <a:rPr lang="fr-FR" dirty="0" smtClean="0"/>
-              <a:t>Créer un service </a:t>
-            </a:r>
-            <a:r>
-              <a:rPr lang="fr-FR" b="1" dirty="0" err="1" smtClean="0"/>
-              <a:t>cart</a:t>
-            </a:r>
-            <a:r>
-              <a:rPr lang="fr-FR" dirty="0" smtClean="0"/>
-              <a:t> qui garde les éléments commandés</a:t>
-            </a:r>
-          </a:p>
-          <a:p>
-            <a:pPr lvl="1"/>
-            <a:r>
-              <a:rPr lang="fr-FR" dirty="0" smtClean="0"/>
-              <a:t>Injecter ce service dans le </a:t>
-            </a:r>
-            <a:r>
-              <a:rPr lang="fr-FR" b="1" dirty="0" err="1" smtClean="0"/>
-              <a:t>MenuController</a:t>
-            </a:r>
-            <a:endParaRPr lang="fr-FR" b="1" dirty="0"/>
-          </a:p>
-          <a:p>
-            <a:pPr lvl="1"/>
-            <a:r>
-              <a:rPr lang="fr-FR" dirty="0" smtClean="0"/>
-              <a:t>Faire le lien pour pouvoir ajouter des éléments</a:t>
-            </a:r>
+              <a:t>Dans le </a:t>
+            </a:r>
+            <a:r>
+              <a:rPr lang="fr-FR" dirty="0" err="1" smtClean="0"/>
+              <a:t>RestaurantController</a:t>
+            </a:r>
+            <a:endParaRPr lang="fr-FR" dirty="0" smtClean="0"/>
+          </a:p>
+          <a:p>
+            <a:pPr lvl="2"/>
+            <a:r>
+              <a:rPr lang="fr-FR" dirty="0" smtClean="0"/>
+              <a:t>Rajouter </a:t>
+            </a:r>
+            <a:r>
+              <a:rPr lang="fr-FR" dirty="0" err="1" smtClean="0"/>
+              <a:t>sortBy</a:t>
+            </a:r>
+            <a:r>
+              <a:rPr lang="fr-FR" dirty="0" smtClean="0"/>
+              <a:t> </a:t>
+            </a:r>
+            <a:r>
+              <a:rPr lang="fr-FR" dirty="0"/>
+              <a:t>et </a:t>
+            </a:r>
+            <a:r>
+              <a:rPr lang="fr-FR" dirty="0" err="1" smtClean="0"/>
+              <a:t>sortAsc</a:t>
+            </a:r>
+            <a:r>
+              <a:rPr lang="fr-FR" dirty="0" smtClean="0"/>
+              <a:t> sur l’objet </a:t>
+            </a:r>
+            <a:r>
+              <a:rPr lang="fr-FR" dirty="0" err="1" smtClean="0"/>
+              <a:t>filter</a:t>
+            </a:r>
+            <a:endParaRPr lang="fr-FR" dirty="0" smtClean="0"/>
+          </a:p>
+          <a:p>
+            <a:pPr lvl="2"/>
+            <a:r>
+              <a:rPr lang="fr-FR" dirty="0" smtClean="0"/>
+              <a:t>Implémenter </a:t>
+            </a:r>
+            <a:r>
+              <a:rPr lang="fr-FR" dirty="0"/>
+              <a:t>la fonction </a:t>
+            </a:r>
+            <a:r>
+              <a:rPr lang="fr-FR" dirty="0" err="1" smtClean="0"/>
+              <a:t>sortBy</a:t>
+            </a:r>
+            <a:r>
+              <a:rPr lang="fr-FR" dirty="0" smtClean="0"/>
+              <a:t> qui met à jour les valeurs de tri en fonction de la clé passée</a:t>
+            </a:r>
+          </a:p>
+          <a:p>
+            <a:pPr lvl="2"/>
+            <a:r>
+              <a:rPr lang="fr-FR" dirty="0" smtClean="0"/>
+              <a:t>Implémenter </a:t>
+            </a:r>
+            <a:r>
+              <a:rPr lang="fr-FR" dirty="0"/>
+              <a:t>la fonction </a:t>
+            </a:r>
+            <a:r>
+              <a:rPr lang="fr-FR" dirty="0" err="1" smtClean="0"/>
+              <a:t>sortIconFor</a:t>
+            </a:r>
+            <a:r>
+              <a:rPr lang="fr-FR" dirty="0" smtClean="0"/>
+              <a:t> qui retourne </a:t>
+            </a:r>
+            <a:r>
+              <a:rPr lang="fr-FR" dirty="0" err="1" smtClean="0"/>
+              <a:t>l’ic</a:t>
+            </a:r>
+            <a:r>
+              <a:rPr lang="sk-SK" dirty="0" smtClean="0"/>
+              <a:t>ô</a:t>
+            </a:r>
+            <a:r>
+              <a:rPr lang="fr-FR" dirty="0" smtClean="0"/>
+              <a:t>ne de tri en fonction de la clé</a:t>
+            </a:r>
+          </a:p>
+          <a:p>
+            <a:pPr lvl="2"/>
+            <a:r>
+              <a:rPr lang="fr-FR" dirty="0" smtClean="0"/>
+              <a:t>Rajouter dans la fonction </a:t>
+            </a:r>
+            <a:r>
+              <a:rPr lang="cs-CZ" dirty="0" err="1" smtClean="0"/>
+              <a:t>filterAndSortRestaurants</a:t>
+            </a:r>
+            <a:r>
+              <a:rPr lang="cs-CZ" dirty="0" smtClean="0"/>
+              <a:t> </a:t>
+            </a:r>
+            <a:r>
+              <a:rPr lang="cs-CZ" dirty="0" err="1" smtClean="0"/>
+              <a:t>l‘implémentation</a:t>
+            </a:r>
+            <a:r>
+              <a:rPr lang="cs-CZ" dirty="0" smtClean="0"/>
+              <a:t> </a:t>
+            </a:r>
+            <a:r>
+              <a:rPr lang="cs-CZ" dirty="0" err="1" smtClean="0"/>
+              <a:t>du</a:t>
+            </a:r>
+            <a:r>
+              <a:rPr lang="cs-CZ" dirty="0" smtClean="0"/>
+              <a:t> </a:t>
+            </a:r>
+            <a:r>
+              <a:rPr lang="cs-CZ" dirty="0" err="1" smtClean="0"/>
+              <a:t>tri</a:t>
+            </a:r>
+            <a:r>
+              <a:rPr lang="cs-CZ" dirty="0" smtClean="0"/>
+              <a:t> (</a:t>
+            </a:r>
+            <a:r>
+              <a:rPr lang="en-US" dirty="0"/>
+              <a:t>$</a:t>
+            </a:r>
+            <a:r>
+              <a:rPr lang="en-US" dirty="0" err="1" smtClean="0"/>
+              <a:t>scope.restaurants.sort</a:t>
+            </a:r>
+            <a:r>
+              <a:rPr lang="en-US" dirty="0" smtClean="0"/>
+              <a:t>())</a:t>
+            </a:r>
+            <a:endParaRPr lang="fr-FR" dirty="0" smtClean="0"/>
           </a:p>
           <a:p>
             <a:pPr lvl="1"/>
@@ -9554,7 +9760,7 @@
         <p:spPr>
           <a:xfrm>
             <a:off x="827584" y="836712"/>
-            <a:ext cx="3557885" cy="646331"/>
+            <a:ext cx="1543850" cy="369332"/>
           </a:xfrm>
           <a:prstGeom prst="rect">
             <a:avLst/>
@@ -9569,11 +9775,8 @@
           <a:p>
             <a:r>
               <a:rPr lang="fr-FR" b="1" dirty="0" smtClean="0"/>
-              <a:t>Ajouter et supprimer du panier</a:t>
-            </a:r>
-            <a:endParaRPr lang="fr-FR" b="1" dirty="0"/>
-          </a:p>
-          <a:p>
+              <a:t>Rajout du tri</a:t>
+            </a:r>
             <a:endParaRPr lang="fr-FR" dirty="0"/>
           </a:p>
         </p:txBody>
@@ -9638,11 +9841,7 @@
             </a:r>
             <a:r>
               <a:rPr lang="fr-FR" noProof="0" dirty="0" smtClean="0"/>
-              <a:t> </a:t>
-            </a:r>
-            <a:r>
-              <a:rPr lang="fr-FR" noProof="0" dirty="0" smtClean="0"/>
-              <a:t>25 </a:t>
+              <a:t> 24 </a:t>
             </a:r>
             <a:endParaRPr lang="en-US" noProof="0" dirty="0"/>
           </a:p>
@@ -9679,7 +9878,7 @@
             <a:pPr lvl="1"/>
             <a:r>
               <a:rPr lang="fr-FR" dirty="0" smtClean="0"/>
-              <a:t>Bah on n’a pas de vue pour commander</a:t>
+              <a:t>La vue menu ne permet pas de commander</a:t>
             </a:r>
           </a:p>
           <a:p>
@@ -9692,7 +9891,7 @@
             <a:pPr lvl="1"/>
             <a:r>
               <a:rPr lang="fr-FR" dirty="0" smtClean="0"/>
-              <a:t>Une vue statique de commande de menu</a:t>
+              <a:t>Pouvoir ajouter des éléments du menu dans le panier	</a:t>
             </a:r>
           </a:p>
           <a:p>
@@ -9705,55 +9904,39 @@
             <a:pPr lvl="1"/>
             <a:r>
               <a:rPr lang="fr-FR" dirty="0" smtClean="0"/>
-              <a:t>Créer un </a:t>
+              <a:t>Créer un service </a:t>
             </a:r>
             <a:r>
               <a:rPr lang="fr-FR" b="1" dirty="0" err="1" smtClean="0"/>
-              <a:t>CheckoutController</a:t>
-            </a:r>
-            <a:r>
-              <a:rPr lang="fr-FR" dirty="0" smtClean="0"/>
-              <a:t>.</a:t>
-            </a:r>
-          </a:p>
-          <a:p>
-            <a:pPr lvl="1"/>
-            <a:r>
-              <a:rPr lang="fr-FR" dirty="0" smtClean="0"/>
-              <a:t>Mettre la vue statique dans </a:t>
+              <a:t>cart</a:t>
+            </a:r>
+            <a:r>
+              <a:rPr lang="fr-FR" dirty="0" smtClean="0"/>
+              <a:t> qui garde les éléments commandés</a:t>
+            </a:r>
+          </a:p>
+          <a:p>
+            <a:pPr lvl="1"/>
+            <a:r>
+              <a:rPr lang="fr-FR" dirty="0" smtClean="0"/>
+              <a:t>Injecter ce service dans le </a:t>
             </a:r>
             <a:r>
               <a:rPr lang="fr-FR" b="1" dirty="0" err="1" smtClean="0"/>
-              <a:t>views</a:t>
-            </a:r>
-            <a:r>
-              <a:rPr lang="fr-FR" b="1" dirty="0" smtClean="0"/>
-              <a:t>/</a:t>
-            </a:r>
-            <a:r>
-              <a:rPr lang="fr-FR" b="1" dirty="0" err="1" smtClean="0"/>
-              <a:t>checkout.html</a:t>
-            </a:r>
-            <a:r>
-              <a:rPr lang="fr-FR" dirty="0" smtClean="0"/>
-              <a:t>.</a:t>
-            </a:r>
-          </a:p>
-          <a:p>
-            <a:pPr lvl="1"/>
-            <a:r>
-              <a:rPr lang="fr-FR" dirty="0" smtClean="0"/>
-              <a:t>Rajouter une nouvelle route </a:t>
-            </a:r>
-            <a:r>
-              <a:rPr lang="fr-FR" b="1" dirty="0" smtClean="0"/>
-              <a:t>/</a:t>
-            </a:r>
-            <a:r>
-              <a:rPr lang="fr-FR" b="1" dirty="0" err="1" smtClean="0"/>
-              <a:t>checkout</a:t>
-            </a:r>
-            <a:endParaRPr lang="fr-FR" b="1" dirty="0" smtClean="0"/>
+              <a:t>MenuController</a:t>
+            </a:r>
+            <a:endParaRPr lang="fr-FR" b="1" dirty="0"/>
+          </a:p>
+          <a:p>
+            <a:pPr lvl="1"/>
+            <a:r>
+              <a:rPr lang="fr-FR" dirty="0" smtClean="0"/>
+              <a:t>Faire le lien pour pouvoir ajouter des éléments</a:t>
+            </a:r>
+          </a:p>
+          <a:p>
+            <a:pPr lvl="1"/>
+            <a:endParaRPr lang="fr-FR" dirty="0" smtClean="0"/>
           </a:p>
           <a:p>
             <a:pPr lvl="1"/>
@@ -9776,7 +9959,7 @@
         <p:spPr>
           <a:xfrm>
             <a:off x="827584" y="836712"/>
-            <a:ext cx="3177685" cy="646331"/>
+            <a:ext cx="3557885" cy="646331"/>
           </a:xfrm>
           <a:prstGeom prst="rect">
             <a:avLst/>
@@ -9791,7 +9974,7 @@
           <a:p>
             <a:r>
               <a:rPr lang="fr-FR" b="1" dirty="0" smtClean="0"/>
-              <a:t>Vue de commande statique</a:t>
+              <a:t>Ajouter et supprimer du panier</a:t>
             </a:r>
             <a:endParaRPr lang="fr-FR" b="1" dirty="0"/>
           </a:p>
@@ -9860,11 +10043,7 @@
             </a:r>
             <a:r>
               <a:rPr lang="fr-FR" noProof="0" dirty="0" smtClean="0"/>
-              <a:t> </a:t>
-            </a:r>
-            <a:r>
-              <a:rPr lang="fr-FR" noProof="0" dirty="0" smtClean="0"/>
-              <a:t>26</a:t>
+              <a:t> 25 </a:t>
             </a:r>
             <a:endParaRPr lang="en-US" noProof="0" dirty="0"/>
           </a:p>
@@ -9888,7 +10067,7 @@
         </p:spPr>
         <p:txBody>
           <a:bodyPr>
-            <a:normAutofit fontScale="92500" lnSpcReduction="20000"/>
+            <a:normAutofit/>
           </a:bodyPr>
           <a:lstStyle/>
           <a:p>
@@ -9901,7 +10080,7 @@
             <a:pPr lvl="1"/>
             <a:r>
               <a:rPr lang="fr-FR" dirty="0" smtClean="0"/>
-              <a:t>Une vue de commande statique</a:t>
+              <a:t>Bah on n’a pas de vue pour commander</a:t>
             </a:r>
           </a:p>
           <a:p>
@@ -9914,14 +10093,7 @@
             <a:pPr lvl="1"/>
             <a:r>
               <a:rPr lang="fr-FR" dirty="0" smtClean="0"/>
-              <a:t>Récupérer les informations du panier</a:t>
-            </a:r>
-          </a:p>
-          <a:p>
-            <a:pPr lvl="1"/>
-            <a:r>
-              <a:rPr lang="fr-FR" dirty="0" smtClean="0"/>
-              <a:t>Permettre la commande</a:t>
+              <a:t>Une vue statique de commande de menu</a:t>
             </a:r>
           </a:p>
           <a:p>
@@ -9934,93 +10106,7 @@
             <a:pPr lvl="1"/>
             <a:r>
               <a:rPr lang="fr-FR" dirty="0" smtClean="0"/>
-              <a:t>Injecter le service </a:t>
-            </a:r>
-            <a:r>
-              <a:rPr lang="fr-FR" b="1" dirty="0" err="1" smtClean="0"/>
-              <a:t>cart</a:t>
-            </a:r>
-            <a:r>
-              <a:rPr lang="fr-FR" dirty="0" smtClean="0"/>
-              <a:t> dans le </a:t>
-            </a:r>
-            <a:r>
-              <a:rPr lang="fr-FR" b="1" dirty="0" err="1"/>
-              <a:t>CheckoutController</a:t>
-            </a:r>
-            <a:r>
-              <a:rPr lang="fr-FR" dirty="0"/>
-              <a:t> </a:t>
-            </a:r>
-            <a:endParaRPr lang="fr-FR" dirty="0" smtClean="0"/>
-          </a:p>
-          <a:p>
-            <a:pPr lvl="1"/>
-            <a:r>
-              <a:rPr lang="fr-FR" dirty="0" smtClean="0"/>
-              <a:t>Dynamiser la vue avec le contenu du </a:t>
-            </a:r>
-            <a:r>
-              <a:rPr lang="fr-FR" dirty="0" smtClean="0"/>
-              <a:t>panier</a:t>
-            </a:r>
-          </a:p>
-          <a:p>
-            <a:pPr lvl="2"/>
-            <a:r>
-              <a:rPr lang="fr-FR" dirty="0" err="1" smtClean="0"/>
-              <a:t>D</a:t>
-            </a:r>
-            <a:r>
-              <a:rPr lang="fr-FR" dirty="0" err="1" smtClean="0"/>
-              <a:t>eliver</a:t>
-            </a:r>
-            <a:r>
-              <a:rPr lang="fr-FR" dirty="0" smtClean="0"/>
-              <a:t> to</a:t>
-            </a:r>
-            <a:endParaRPr lang="fr-FR" dirty="0" smtClean="0"/>
-          </a:p>
-          <a:p>
-            <a:pPr lvl="2"/>
-            <a:r>
-              <a:rPr lang="fr-FR" dirty="0" smtClean="0"/>
-              <a:t>V</a:t>
-            </a:r>
-            <a:r>
-              <a:rPr lang="fr-FR" dirty="0" smtClean="0"/>
-              <a:t>alidation du formulaire</a:t>
-            </a:r>
-          </a:p>
-          <a:p>
-            <a:pPr lvl="2"/>
-            <a:r>
-              <a:rPr lang="fr-FR" dirty="0" smtClean="0"/>
-              <a:t>C</a:t>
-            </a:r>
-            <a:r>
-              <a:rPr lang="fr-FR" dirty="0" smtClean="0"/>
-              <a:t>ontenu du panier</a:t>
-            </a:r>
-            <a:endParaRPr lang="fr-FR" dirty="0" smtClean="0"/>
-          </a:p>
-          <a:p>
-            <a:pPr lvl="1"/>
-            <a:r>
-              <a:rPr lang="fr-FR" dirty="0" smtClean="0"/>
-              <a:t>Implémenter la méthode </a:t>
-            </a:r>
-            <a:r>
-              <a:rPr lang="fr-FR" b="1" dirty="0" err="1" smtClean="0"/>
-              <a:t>purchase</a:t>
-            </a:r>
-            <a:r>
-              <a:rPr lang="fr-FR" b="1" dirty="0" smtClean="0"/>
-              <a:t>()</a:t>
-            </a:r>
-            <a:r>
-              <a:rPr lang="fr-FR" dirty="0" smtClean="0"/>
-              <a:t> dans le </a:t>
+              <a:t>Créer un </a:t>
             </a:r>
             <a:r>
               <a:rPr lang="fr-FR" b="1" dirty="0" err="1" smtClean="0"/>
@@ -10028,34 +10114,47 @@
             </a:r>
             <a:r>
               <a:rPr lang="fr-FR" dirty="0" smtClean="0"/>
-              <a:t> qui soumet la commande et vide le panier</a:t>
-            </a:r>
-          </a:p>
-          <a:p>
-            <a:pPr lvl="1"/>
-            <a:r>
-              <a:rPr lang="fr-FR" dirty="0" smtClean="0"/>
-              <a:t>En réponse au serveur, on redirige l’utilisateur vers l’url </a:t>
-            </a:r>
-          </a:p>
-          <a:p>
-            <a:pPr lvl="2"/>
+              <a:t>.</a:t>
+            </a:r>
+          </a:p>
+          <a:p>
+            <a:pPr lvl="1"/>
+            <a:r>
+              <a:rPr lang="fr-FR" dirty="0" smtClean="0"/>
+              <a:t>Mettre la vue statique dans </a:t>
+            </a:r>
+            <a:r>
+              <a:rPr lang="fr-FR" b="1" dirty="0" err="1" smtClean="0"/>
+              <a:t>views</a:t>
+            </a:r>
             <a:r>
               <a:rPr lang="fr-FR" b="1" dirty="0" smtClean="0"/>
               <a:t>/</a:t>
             </a:r>
             <a:r>
               <a:rPr lang="fr-FR" b="1" dirty="0" err="1" smtClean="0"/>
-              <a:t>thank-you?orderId</a:t>
+              <a:t>checkout.html</a:t>
+            </a:r>
+            <a:r>
+              <a:rPr lang="fr-FR" dirty="0" smtClean="0"/>
+              <a:t>.</a:t>
+            </a:r>
+          </a:p>
+          <a:p>
+            <a:pPr lvl="1"/>
+            <a:r>
+              <a:rPr lang="fr-FR" dirty="0" smtClean="0"/>
+              <a:t>Rajouter une nouvelle route </a:t>
             </a:r>
             <a:r>
               <a:rPr lang="fr-FR" b="1" dirty="0" smtClean="0"/>
-              <a:t>=xxx</a:t>
-            </a:r>
-          </a:p>
-          <a:p>
-            <a:pPr lvl="1"/>
-            <a:endParaRPr lang="fr-FR" dirty="0" smtClean="0"/>
+              <a:t>/</a:t>
+            </a:r>
+            <a:r>
+              <a:rPr lang="fr-FR" b="1" dirty="0" err="1" smtClean="0"/>
+              <a:t>checkout</a:t>
+            </a:r>
+            <a:endParaRPr lang="fr-FR" b="1" dirty="0" smtClean="0"/>
           </a:p>
           <a:p>
             <a:pPr lvl="1"/>
@@ -10078,7 +10177,7 @@
         <p:spPr>
           <a:xfrm>
             <a:off x="827584" y="836712"/>
-            <a:ext cx="3699901" cy="646331"/>
+            <a:ext cx="3177685" cy="646331"/>
           </a:xfrm>
           <a:prstGeom prst="rect">
             <a:avLst/>
@@ -10093,7 +10192,7 @@
           <a:p>
             <a:r>
               <a:rPr lang="fr-FR" b="1" dirty="0" smtClean="0"/>
-              <a:t>Dynamiser la vue de commande</a:t>
+              <a:t>Vue de commande statique</a:t>
             </a:r>
             <a:endParaRPr lang="fr-FR" b="1" dirty="0"/>
           </a:p>
@@ -10162,11 +10261,7 @@
             </a:r>
             <a:r>
               <a:rPr lang="fr-FR" noProof="0" dirty="0" smtClean="0"/>
-              <a:t> </a:t>
-            </a:r>
-            <a:r>
-              <a:rPr lang="fr-FR" noProof="0" dirty="0" smtClean="0"/>
-              <a:t>27 </a:t>
+              <a:t> 26</a:t>
             </a:r>
             <a:endParaRPr lang="en-US" noProof="0" dirty="0"/>
           </a:p>
@@ -10190,7 +10285,7 @@
         </p:spPr>
         <p:txBody>
           <a:bodyPr>
-            <a:normAutofit/>
+            <a:normAutofit fontScale="92500" lnSpcReduction="20000"/>
           </a:bodyPr>
           <a:lstStyle/>
           <a:p>
@@ -10203,7 +10298,7 @@
             <a:pPr lvl="1"/>
             <a:r>
               <a:rPr lang="fr-FR" dirty="0" smtClean="0"/>
-              <a:t>rien</a:t>
+              <a:t>Une vue de commande statique</a:t>
             </a:r>
           </a:p>
           <a:p>
@@ -10216,7 +10311,14 @@
             <a:pPr lvl="1"/>
             <a:r>
               <a:rPr lang="fr-FR" dirty="0" smtClean="0"/>
-              <a:t>Une page statique de confirmation</a:t>
+              <a:t>Récupérer les informations du panier</a:t>
+            </a:r>
+          </a:p>
+          <a:p>
+            <a:pPr lvl="1"/>
+            <a:r>
+              <a:rPr lang="fr-FR" dirty="0" smtClean="0"/>
+              <a:t>Permettre la commande</a:t>
             </a:r>
           </a:p>
           <a:p>
@@ -10229,63 +10331,106 @@
             <a:pPr lvl="1"/>
             <a:r>
               <a:rPr lang="fr-FR" dirty="0" smtClean="0"/>
-              <a:t>Créer le </a:t>
+              <a:t>Injecter le service </a:t>
             </a:r>
             <a:r>
               <a:rPr lang="fr-FR" b="1" dirty="0" err="1" smtClean="0"/>
-              <a:t>ThankYouController</a:t>
-            </a:r>
-            <a:r>
-              <a:rPr lang="fr-FR" dirty="0" smtClean="0"/>
-              <a:t>.</a:t>
-            </a:r>
-          </a:p>
-          <a:p>
-            <a:pPr lvl="1"/>
-            <a:r>
-              <a:rPr lang="fr-FR" dirty="0" smtClean="0"/>
-              <a:t>Place la vue </a:t>
-            </a:r>
+              <a:t>cart</a:t>
+            </a:r>
+            <a:r>
+              <a:rPr lang="fr-FR" dirty="0" smtClean="0"/>
+              <a:t> dans le </a:t>
+            </a:r>
+            <a:r>
+              <a:rPr lang="fr-FR" b="1" dirty="0" err="1"/>
+              <a:t>CheckoutController</a:t>
+            </a:r>
+            <a:r>
+              <a:rPr lang="fr-FR" dirty="0"/>
+              <a:t> </a:t>
+            </a:r>
+            <a:endParaRPr lang="fr-FR" dirty="0" smtClean="0"/>
+          </a:p>
+          <a:p>
+            <a:pPr lvl="1"/>
+            <a:r>
+              <a:rPr lang="fr-FR" dirty="0" smtClean="0"/>
+              <a:t>Dynamiser la vue avec le contenu du panier</a:t>
+            </a:r>
+          </a:p>
+          <a:p>
+            <a:pPr lvl="2"/>
             <a:r>
               <a:rPr lang="fr-FR" dirty="0" err="1" smtClean="0"/>
-              <a:t>checkout</a:t>
-            </a:r>
-            <a:r>
-              <a:rPr lang="fr-FR" dirty="0" smtClean="0"/>
-              <a:t> statique dans </a:t>
+              <a:t>Deliver</a:t>
+            </a:r>
+            <a:r>
+              <a:rPr lang="fr-FR" dirty="0" smtClean="0"/>
+              <a:t> to</a:t>
+            </a:r>
+          </a:p>
+          <a:p>
+            <a:pPr lvl="2"/>
+            <a:r>
+              <a:rPr lang="fr-FR" dirty="0" smtClean="0"/>
+              <a:t>Validation du formulaire</a:t>
+            </a:r>
+          </a:p>
+          <a:p>
+            <a:pPr lvl="2"/>
+            <a:r>
+              <a:rPr lang="fr-FR" dirty="0" smtClean="0"/>
+              <a:t>Contenu du panier</a:t>
+            </a:r>
+          </a:p>
+          <a:p>
+            <a:pPr lvl="1"/>
+            <a:r>
+              <a:rPr lang="fr-FR" dirty="0" smtClean="0"/>
+              <a:t>Implémenter la méthode </a:t>
             </a:r>
             <a:r>
               <a:rPr lang="fr-FR" b="1" dirty="0" err="1" smtClean="0"/>
-              <a:t>views</a:t>
-            </a:r>
+              <a:t>purchase</a:t>
+            </a:r>
+            <a:r>
+              <a:rPr lang="fr-FR" b="1" dirty="0" smtClean="0"/>
+              <a:t>()</a:t>
+            </a:r>
+            <a:r>
+              <a:rPr lang="fr-FR" dirty="0" smtClean="0"/>
+              <a:t> dans le </a:t>
+            </a:r>
+            <a:r>
+              <a:rPr lang="fr-FR" b="1" dirty="0" err="1" smtClean="0"/>
+              <a:t>CheckoutController</a:t>
+            </a:r>
+            <a:r>
+              <a:rPr lang="fr-FR" dirty="0" smtClean="0"/>
+              <a:t> qui soumet la commande et vide le panier</a:t>
+            </a:r>
+          </a:p>
+          <a:p>
+            <a:pPr lvl="1"/>
+            <a:r>
+              <a:rPr lang="fr-FR" dirty="0" smtClean="0"/>
+              <a:t>En réponse au serveur, on redirige l’utilisateur vers l’url </a:t>
+            </a:r>
+          </a:p>
+          <a:p>
+            <a:pPr lvl="2"/>
             <a:r>
               <a:rPr lang="fr-FR" b="1" dirty="0" smtClean="0"/>
               <a:t>/</a:t>
             </a:r>
             <a:r>
               <a:rPr lang="fr-FR" b="1" dirty="0" err="1" smtClean="0"/>
-              <a:t>thank-you.html</a:t>
-            </a:r>
-            <a:r>
-              <a:rPr lang="fr-FR" dirty="0" smtClean="0"/>
-              <a:t>.</a:t>
-            </a:r>
-          </a:p>
-          <a:p>
-            <a:pPr lvl="1"/>
-            <a:r>
-              <a:rPr lang="fr-FR" dirty="0"/>
-              <a:t>Rajouter une nouvelle route </a:t>
+              <a:t>thank-you?orderId</a:t>
             </a:r>
             <a:r>
               <a:rPr lang="fr-FR" b="1" dirty="0" smtClean="0"/>
-              <a:t>/</a:t>
-            </a:r>
-            <a:r>
-              <a:rPr lang="fr-FR" b="1" dirty="0" err="1" smtClean="0"/>
-              <a:t>thank-you</a:t>
-            </a:r>
-            <a:endParaRPr lang="fr-FR" b="1" dirty="0"/>
+              <a:t>=xxx</a:t>
+            </a:r>
           </a:p>
           <a:p>
             <a:pPr lvl="1"/>
@@ -10312,7 +10457,7 @@
         <p:spPr>
           <a:xfrm>
             <a:off x="827584" y="836712"/>
-            <a:ext cx="4024033" cy="646331"/>
+            <a:ext cx="3699901" cy="646331"/>
           </a:xfrm>
           <a:prstGeom prst="rect">
             <a:avLst/>
@@ -10327,7 +10472,7 @@
           <a:p>
             <a:r>
               <a:rPr lang="fr-FR" b="1" dirty="0" smtClean="0"/>
-              <a:t>Vue de confirmation de commande</a:t>
+              <a:t>Dynamiser la vue de commande</a:t>
             </a:r>
             <a:endParaRPr lang="fr-FR" b="1" dirty="0"/>
           </a:p>
@@ -10396,11 +10541,7 @@
             </a:r>
             <a:r>
               <a:rPr lang="fr-FR" noProof="0" dirty="0" smtClean="0"/>
-              <a:t> </a:t>
-            </a:r>
-            <a:r>
-              <a:rPr lang="fr-FR" noProof="0" dirty="0" smtClean="0"/>
-              <a:t>28 </a:t>
+              <a:t> 27 </a:t>
             </a:r>
             <a:endParaRPr lang="en-US" noProof="0" dirty="0"/>
           </a:p>
@@ -10437,7 +10578,7 @@
             <a:pPr lvl="1"/>
             <a:r>
               <a:rPr lang="fr-FR" dirty="0" smtClean="0"/>
-              <a:t>Une vue statique de confirmation</a:t>
+              <a:t>rien</a:t>
             </a:r>
           </a:p>
           <a:p>
@@ -10450,7 +10591,7 @@
             <a:pPr lvl="1"/>
             <a:r>
               <a:rPr lang="fr-FR" dirty="0" smtClean="0"/>
-              <a:t>Dynamiser la vue</a:t>
+              <a:t>Une page statique de confirmation</a:t>
             </a:r>
           </a:p>
           <a:p>
@@ -10463,16 +10604,63 @@
             <a:pPr lvl="1"/>
             <a:r>
               <a:rPr lang="fr-FR" dirty="0" smtClean="0"/>
-              <a:t>Afficher l’</a:t>
+              <a:t>Créer le </a:t>
+            </a:r>
+            <a:r>
+              <a:rPr lang="fr-FR" b="1" dirty="0" err="1" smtClean="0"/>
+              <a:t>ThankYouController</a:t>
+            </a:r>
+            <a:r>
+              <a:rPr lang="fr-FR" dirty="0" smtClean="0"/>
+              <a:t>.</a:t>
+            </a:r>
+          </a:p>
+          <a:p>
+            <a:pPr lvl="1"/>
+            <a:r>
+              <a:rPr lang="fr-FR" dirty="0" smtClean="0"/>
+              <a:t>Place la vue </a:t>
             </a:r>
             <a:r>
               <a:rPr lang="fr-FR" dirty="0" err="1" smtClean="0"/>
-              <a:t>orderId</a:t>
-            </a:r>
-            <a:r>
-              <a:rPr lang="fr-FR" dirty="0" smtClean="0"/>
-              <a:t> retourné par le serveur</a:t>
-            </a:r>
+              <a:t>checkout</a:t>
+            </a:r>
+            <a:r>
+              <a:rPr lang="fr-FR" dirty="0" smtClean="0"/>
+              <a:t> statique dans </a:t>
+            </a:r>
+            <a:r>
+              <a:rPr lang="fr-FR" b="1" dirty="0" err="1" smtClean="0"/>
+              <a:t>views</a:t>
+            </a:r>
+            <a:r>
+              <a:rPr lang="fr-FR" b="1" dirty="0" smtClean="0"/>
+              <a:t>/</a:t>
+            </a:r>
+            <a:r>
+              <a:rPr lang="fr-FR" b="1" dirty="0" err="1" smtClean="0"/>
+              <a:t>thank-you.html</a:t>
+            </a:r>
+            <a:r>
+              <a:rPr lang="fr-FR" dirty="0" smtClean="0"/>
+              <a:t>.</a:t>
+            </a:r>
+          </a:p>
+          <a:p>
+            <a:pPr lvl="1"/>
+            <a:r>
+              <a:rPr lang="fr-FR" dirty="0"/>
+              <a:t>Rajouter une nouvelle route </a:t>
+            </a:r>
+            <a:r>
+              <a:rPr lang="fr-FR" b="1" dirty="0" smtClean="0"/>
+              <a:t>/</a:t>
+            </a:r>
+            <a:r>
+              <a:rPr lang="fr-FR" b="1" dirty="0" err="1" smtClean="0"/>
+              <a:t>thank-you</a:t>
+            </a:r>
+            <a:endParaRPr lang="fr-FR" b="1" dirty="0"/>
           </a:p>
           <a:p>
             <a:pPr lvl="1"/>
@@ -10499,7 +10687,7 @@
         <p:spPr>
           <a:xfrm>
             <a:off x="827584" y="836712"/>
-            <a:ext cx="3879112" cy="646331"/>
+            <a:ext cx="4024033" cy="646331"/>
           </a:xfrm>
           <a:prstGeom prst="rect">
             <a:avLst/>
@@ -10514,7 +10702,7 @@
           <a:p>
             <a:r>
               <a:rPr lang="fr-FR" b="1" dirty="0" smtClean="0"/>
-              <a:t>Dynamiser la vue de confirmation</a:t>
+              <a:t>Vue de confirmation de commande</a:t>
             </a:r>
             <a:endParaRPr lang="fr-FR" b="1" dirty="0"/>
           </a:p>
@@ -10768,15 +10956,7 @@
             </a:r>
             <a:r>
               <a:rPr lang="fr-FR" dirty="0" smtClean="0"/>
-              <a:t> qui </a:t>
-            </a:r>
-            <a:r>
-              <a:rPr lang="fr-FR" dirty="0" smtClean="0"/>
-              <a:t>appellera </a:t>
-            </a:r>
-            <a:r>
-              <a:rPr lang="fr-FR" dirty="0" smtClean="0"/>
-              <a:t>la méthode </a:t>
+              <a:t> qui appellera la méthode </a:t>
             </a:r>
             <a:r>
               <a:rPr lang="fr-FR" dirty="0" err="1" smtClean="0"/>
@@ -10839,6 +11019,189 @@
     <p:extLst>
       <p:ext uri="{BB962C8B-B14F-4D97-AF65-F5344CB8AC3E}">
         <p14:creationId xmlns:p14="http://schemas.microsoft.com/office/powerpoint/2010/main" val="1066265918"/>
+      </p:ext>
+    </p:extLst>
+  </p:cSld>
+  <p:clrMapOvr>
+    <a:masterClrMapping/>
+  </p:clrMapOvr>
+  <p:timing>
+    <p:tnLst>
+      <p:par>
+        <p:cTn xmlns:p14="http://schemas.microsoft.com/office/powerpoint/2010/main" id="1" dur="indefinite" restart="never" nodeType="tmRoot"/>
+      </p:par>
+    </p:tnLst>
+  </p:timing>
+</p:sld>
+</file>
+
+<file path=ppt/slides/slide30.xml><?xml version="1.0" encoding="utf-8"?>
+<p:sld xmlns:a="http://schemas.openxmlformats.org/drawingml/2006/main" xmlns:r="http://schemas.openxmlformats.org/officeDocument/2006/relationships" xmlns:p="http://schemas.openxmlformats.org/presentationml/2006/main">
+  <p:cSld>
+    <p:spTree>
+      <p:nvGrpSpPr>
+        <p:cNvPr id="1" name=""/>
+        <p:cNvGrpSpPr/>
+        <p:nvPr/>
+      </p:nvGrpSpPr>
+      <p:grpSpPr>
+        <a:xfrm>
+          <a:off x="0" y="0"/>
+          <a:ext cx="0" cy="0"/>
+          <a:chOff x="0" y="0"/>
+          <a:chExt cx="0" cy="0"/>
+        </a:xfrm>
+      </p:grpSpPr>
+      <p:sp>
+        <p:nvSpPr>
+          <p:cNvPr id="3" name="Titre 2"/>
+          <p:cNvSpPr>
+            <a:spLocks noGrp="1"/>
+          </p:cNvSpPr>
+          <p:nvPr>
+            <p:ph type="title"/>
+          </p:nvPr>
+        </p:nvSpPr>
+        <p:spPr/>
+        <p:txBody>
+          <a:bodyPr>
+            <a:normAutofit fontScale="90000"/>
+          </a:bodyPr>
+          <a:lstStyle/>
+          <a:p>
+            <a:r>
+              <a:rPr lang="fr-FR" noProof="0" dirty="0" err="1" smtClean="0"/>
+              <a:t>Step</a:t>
+            </a:r>
+            <a:r>
+              <a:rPr lang="fr-FR" noProof="0" dirty="0" smtClean="0"/>
+              <a:t> 28 </a:t>
+            </a:r>
+            <a:endParaRPr lang="en-US" noProof="0" dirty="0"/>
+          </a:p>
+        </p:txBody>
+      </p:sp>
+      <p:sp>
+        <p:nvSpPr>
+          <p:cNvPr id="4" name="Espace réservé du contenu 3"/>
+          <p:cNvSpPr>
+            <a:spLocks noGrp="1"/>
+          </p:cNvSpPr>
+          <p:nvPr>
+            <p:ph idx="1"/>
+          </p:nvPr>
+        </p:nvSpPr>
+        <p:spPr>
+          <a:xfrm>
+            <a:off x="921168" y="1340768"/>
+            <a:ext cx="8115328" cy="5517232"/>
+          </a:xfrm>
+        </p:spPr>
+        <p:txBody>
+          <a:bodyPr>
+            <a:normAutofit/>
+          </a:bodyPr>
+          <a:lstStyle/>
+          <a:p>
+            <a:r>
+              <a:rPr lang="fr-FR" dirty="0" smtClean="0"/>
+              <a:t>Ce que l’on a :</a:t>
+            </a:r>
+          </a:p>
+          <a:p>
+            <a:pPr lvl="1"/>
+            <a:r>
+              <a:rPr lang="fr-FR" dirty="0" smtClean="0"/>
+              <a:t>Une vue statique de confirmation</a:t>
+            </a:r>
+          </a:p>
+          <a:p>
+            <a:r>
+              <a:rPr lang="fr-FR" dirty="0" smtClean="0"/>
+              <a:t>Ce que l’on veut</a:t>
+            </a:r>
+          </a:p>
+          <a:p>
+            <a:pPr lvl="1"/>
+            <a:r>
+              <a:rPr lang="fr-FR" dirty="0" smtClean="0"/>
+              <a:t>Dynamiser la vue</a:t>
+            </a:r>
+          </a:p>
+          <a:p>
+            <a:r>
+              <a:rPr lang="fr-FR" dirty="0" smtClean="0"/>
+              <a:t>Comment on fait ?</a:t>
+            </a:r>
+          </a:p>
+          <a:p>
+            <a:pPr lvl="1"/>
+            <a:r>
+              <a:rPr lang="fr-FR" dirty="0" smtClean="0"/>
+              <a:t>Afficher l’</a:t>
+            </a:r>
+            <a:r>
+              <a:rPr lang="fr-FR" dirty="0" err="1" smtClean="0"/>
+              <a:t>orderId</a:t>
+            </a:r>
+            <a:r>
+              <a:rPr lang="fr-FR" dirty="0" smtClean="0"/>
+              <a:t> retourné par le serveur</a:t>
+            </a:r>
+          </a:p>
+          <a:p>
+            <a:pPr lvl="1"/>
+            <a:endParaRPr lang="fr-FR" dirty="0" smtClean="0"/>
+          </a:p>
+          <a:p>
+            <a:pPr lvl="1"/>
+            <a:endParaRPr lang="fr-FR" dirty="0" smtClean="0"/>
+          </a:p>
+          <a:p>
+            <a:pPr marL="0" indent="0">
+              <a:buNone/>
+            </a:pPr>
+            <a:endParaRPr lang="fr-FR" dirty="0" smtClean="0"/>
+          </a:p>
+        </p:txBody>
+      </p:sp>
+      <p:sp>
+        <p:nvSpPr>
+          <p:cNvPr id="2" name="ZoneTexte 1"/>
+          <p:cNvSpPr txBox="1"/>
+          <p:nvPr/>
+        </p:nvSpPr>
+        <p:spPr>
+          <a:xfrm>
+            <a:off x="827584" y="836712"/>
+            <a:ext cx="3879112" cy="646331"/>
+          </a:xfrm>
+          <a:prstGeom prst="rect">
+            <a:avLst/>
+          </a:prstGeom>
+          <a:noFill/>
+        </p:spPr>
+        <p:txBody>
+          <a:bodyPr wrap="none" rtlCol="0">
+            <a:spAutoFit/>
+          </a:bodyPr>
+          <a:lstStyle/>
+          <a:p>
+            <a:r>
+              <a:rPr lang="fr-FR" b="1" dirty="0" smtClean="0"/>
+              <a:t>Dynamiser la vue de confirmation</a:t>
+            </a:r>
+            <a:endParaRPr lang="fr-FR" b="1" dirty="0"/>
+          </a:p>
+          <a:p>
+            <a:endParaRPr lang="fr-FR" dirty="0"/>
+          </a:p>
+        </p:txBody>
+      </p:sp>
+    </p:spTree>
+    <p:extLst>
+      <p:ext uri="{BB962C8B-B14F-4D97-AF65-F5344CB8AC3E}">
+        <p14:creationId xmlns:p14="http://schemas.microsoft.com/office/powerpoint/2010/main" val="1495303984"/>
       </p:ext>
     </p:extLst>
   </p:cSld>
@@ -11338,11 +11701,7 @@
             </a:r>
             <a:r>
               <a:rPr lang="fr-FR" noProof="0" dirty="0" smtClean="0"/>
-              <a:t> </a:t>
-            </a:r>
-            <a:r>
-              <a:rPr lang="fr-FR" noProof="0" dirty="0" smtClean="0"/>
-              <a:t>5 </a:t>
+              <a:t> 5 </a:t>
             </a:r>
             <a:endParaRPr lang="en-US" noProof="0" dirty="0"/>
           </a:p>
@@ -11379,25 +11738,16 @@
             <a:pPr lvl="1"/>
             <a:r>
               <a:rPr lang="fr-FR" dirty="0" smtClean="0"/>
-              <a:t>Un formulaire fonctionnel </a:t>
-            </a:r>
-            <a:r>
-              <a:rPr lang="fr-FR" dirty="0" smtClean="0"/>
-              <a:t>qui </a:t>
-            </a:r>
-            <a:r>
-              <a:rPr lang="fr-FR" dirty="0" smtClean="0"/>
-              <a:t>ne fait pas </a:t>
-            </a:r>
-            <a:r>
-              <a:rPr lang="fr-FR" dirty="0" err="1" smtClean="0"/>
-              <a:t>persisiter</a:t>
-            </a:r>
-            <a:r>
-              <a:rPr lang="fr-FR" dirty="0" smtClean="0"/>
-              <a:t> les données saisies</a:t>
-            </a:r>
-            <a:endParaRPr lang="fr-FR" dirty="0" smtClean="0"/>
+              <a:t>Un formulaire fonctionnel qui ne fait pas </a:t>
+            </a:r>
+            <a:r>
+              <a:rPr lang="fr-FR" dirty="0" smtClean="0"/>
+              <a:t>persister </a:t>
+            </a:r>
+            <a:r>
+              <a:rPr lang="fr-FR" dirty="0" smtClean="0"/>
+              <a:t>les données saisies</a:t>
+            </a:r>
           </a:p>
           <a:p>
             <a:r>
@@ -11409,11 +11759,7 @@
             <a:pPr lvl="1"/>
             <a:r>
               <a:rPr lang="fr-FR" dirty="0" smtClean="0"/>
-              <a:t>faire </a:t>
-            </a:r>
-            <a:r>
-              <a:rPr lang="fr-FR" dirty="0" smtClean="0"/>
-              <a:t>persister les données saisies dans le </a:t>
+              <a:t>faire persister les données saisies dans le </a:t>
             </a:r>
             <a:r>
               <a:rPr lang="fr-FR" dirty="0" err="1" smtClean="0"/>
@@ -11423,7 +11769,6 @@
               <a:rPr lang="fr-FR" dirty="0" smtClean="0"/>
               <a:t> lorsque le formulaire est soumis</a:t>
             </a:r>
-            <a:endParaRPr lang="fr-FR" dirty="0" smtClean="0"/>
           </a:p>
           <a:p>
             <a:r>
@@ -11443,11 +11788,7 @@
             </a:r>
             <a:r>
               <a:rPr lang="fr-FR" dirty="0" smtClean="0"/>
-              <a:t> dans </a:t>
-            </a:r>
-            <a:r>
-              <a:rPr lang="fr-FR" dirty="0" smtClean="0"/>
-              <a:t>le </a:t>
+              <a:t> dans le </a:t>
             </a:r>
             <a:r>
               <a:rPr lang="fr-FR" b="1" dirty="0" err="1" smtClean="0"/>
